--- a/AI_Precourse/Week2_Latex.pptx
+++ b/AI_Precourse/Week2_Latex.pptx
@@ -5,7 +5,7 @@
     <p:sldMasterId id="2147483648" r:id="rId1"/>
   </p:sldMasterIdLst>
   <p:notesMasterIdLst>
-    <p:notesMasterId r:id="rId44"/>
+    <p:notesMasterId r:id="rId46"/>
   </p:notesMasterIdLst>
   <p:sldIdLst>
     <p:sldId id="256" r:id="rId2"/>
@@ -19,37 +19,39 @@
     <p:sldId id="332" r:id="rId10"/>
     <p:sldId id="336" r:id="rId11"/>
     <p:sldId id="337" r:id="rId12"/>
-    <p:sldId id="339" r:id="rId13"/>
-    <p:sldId id="340" r:id="rId14"/>
-    <p:sldId id="341" r:id="rId15"/>
-    <p:sldId id="343" r:id="rId16"/>
-    <p:sldId id="344" r:id="rId17"/>
-    <p:sldId id="338" r:id="rId18"/>
-    <p:sldId id="345" r:id="rId19"/>
-    <p:sldId id="346" r:id="rId20"/>
-    <p:sldId id="347" r:id="rId21"/>
-    <p:sldId id="348" r:id="rId22"/>
-    <p:sldId id="349" r:id="rId23"/>
-    <p:sldId id="350" r:id="rId24"/>
-    <p:sldId id="333" r:id="rId25"/>
-    <p:sldId id="334" r:id="rId26"/>
-    <p:sldId id="351" r:id="rId27"/>
-    <p:sldId id="352" r:id="rId28"/>
-    <p:sldId id="353" r:id="rId29"/>
-    <p:sldId id="354" r:id="rId30"/>
-    <p:sldId id="357" r:id="rId31"/>
-    <p:sldId id="359" r:id="rId32"/>
-    <p:sldId id="360" r:id="rId33"/>
-    <p:sldId id="361" r:id="rId34"/>
-    <p:sldId id="362" r:id="rId35"/>
-    <p:sldId id="364" r:id="rId36"/>
-    <p:sldId id="363" r:id="rId37"/>
-    <p:sldId id="365" r:id="rId38"/>
-    <p:sldId id="366" r:id="rId39"/>
-    <p:sldId id="358" r:id="rId40"/>
-    <p:sldId id="355" r:id="rId41"/>
-    <p:sldId id="356" r:id="rId42"/>
-    <p:sldId id="342" r:id="rId43"/>
+    <p:sldId id="367" r:id="rId13"/>
+    <p:sldId id="339" r:id="rId14"/>
+    <p:sldId id="340" r:id="rId15"/>
+    <p:sldId id="341" r:id="rId16"/>
+    <p:sldId id="343" r:id="rId17"/>
+    <p:sldId id="344" r:id="rId18"/>
+    <p:sldId id="338" r:id="rId19"/>
+    <p:sldId id="345" r:id="rId20"/>
+    <p:sldId id="346" r:id="rId21"/>
+    <p:sldId id="347" r:id="rId22"/>
+    <p:sldId id="348" r:id="rId23"/>
+    <p:sldId id="349" r:id="rId24"/>
+    <p:sldId id="350" r:id="rId25"/>
+    <p:sldId id="333" r:id="rId26"/>
+    <p:sldId id="334" r:id="rId27"/>
+    <p:sldId id="351" r:id="rId28"/>
+    <p:sldId id="352" r:id="rId29"/>
+    <p:sldId id="353" r:id="rId30"/>
+    <p:sldId id="354" r:id="rId31"/>
+    <p:sldId id="357" r:id="rId32"/>
+    <p:sldId id="359" r:id="rId33"/>
+    <p:sldId id="360" r:id="rId34"/>
+    <p:sldId id="361" r:id="rId35"/>
+    <p:sldId id="368" r:id="rId36"/>
+    <p:sldId id="362" r:id="rId37"/>
+    <p:sldId id="364" r:id="rId38"/>
+    <p:sldId id="363" r:id="rId39"/>
+    <p:sldId id="365" r:id="rId40"/>
+    <p:sldId id="366" r:id="rId41"/>
+    <p:sldId id="358" r:id="rId42"/>
+    <p:sldId id="355" r:id="rId43"/>
+    <p:sldId id="356" r:id="rId44"/>
+    <p:sldId id="342" r:id="rId45"/>
   </p:sldIdLst>
   <p:sldSz cx="12192000" cy="6858000"/>
   <p:notesSz cx="6858000" cy="9144000"/>
@@ -238,7 +240,7 @@
           <a:p>
             <a:fld id="{7D19DF80-F79F-43E6-A18A-9BE4C93656DA}" type="datetimeFigureOut">
               <a:rPr lang="zh-CN" altLang="en-US" smtClean="0"/>
-              <a:t>2019/3/25</a:t>
+              <a:t>2019/3/27</a:t>
             </a:fld>
             <a:endParaRPr lang="zh-CN" altLang="en-US"/>
           </a:p>
@@ -710,7 +712,7 @@
           <a:p>
             <a:fld id="{D0CA3166-A36D-43A3-A50C-6C4A4EA83EFC}" type="slidenum">
               <a:rPr lang="zh-CN" altLang="en-US" smtClean="0"/>
-              <a:t>18</a:t>
+              <a:t>19</a:t>
             </a:fld>
             <a:endParaRPr lang="zh-CN" altLang="en-US"/>
           </a:p>
@@ -810,7 +812,7 @@
           <a:p>
             <a:fld id="{D0CA3166-A36D-43A3-A50C-6C4A4EA83EFC}" type="slidenum">
               <a:rPr lang="zh-CN" altLang="en-US" smtClean="0"/>
-              <a:t>22</a:t>
+              <a:t>23</a:t>
             </a:fld>
             <a:endParaRPr lang="zh-CN" altLang="en-US"/>
           </a:p>
@@ -916,7 +918,7 @@
           <a:p>
             <a:fld id="{D0CA3166-A36D-43A3-A50C-6C4A4EA83EFC}" type="slidenum">
               <a:rPr lang="zh-CN" altLang="en-US" smtClean="0"/>
-              <a:t>24</a:t>
+              <a:t>25</a:t>
             </a:fld>
             <a:endParaRPr lang="zh-CN" altLang="en-US"/>
           </a:p>
@@ -1004,7 +1006,7 @@
           <a:p>
             <a:fld id="{D0CA3166-A36D-43A3-A50C-6C4A4EA83EFC}" type="slidenum">
               <a:rPr lang="zh-CN" altLang="en-US" smtClean="0"/>
-              <a:t>28</a:t>
+              <a:t>29</a:t>
             </a:fld>
             <a:endParaRPr lang="zh-CN" altLang="en-US"/>
           </a:p>
@@ -1110,7 +1112,7 @@
           <a:p>
             <a:fld id="{D0CA3166-A36D-43A3-A50C-6C4A4EA83EFC}" type="slidenum">
               <a:rPr lang="zh-CN" altLang="en-US" smtClean="0"/>
-              <a:t>31</a:t>
+              <a:t>32</a:t>
             </a:fld>
             <a:endParaRPr lang="zh-CN" altLang="en-US"/>
           </a:p>
@@ -1230,7 +1232,7 @@
           <a:p>
             <a:fld id="{D0CA3166-A36D-43A3-A50C-6C4A4EA83EFC}" type="slidenum">
               <a:rPr lang="zh-CN" altLang="en-US" smtClean="0"/>
-              <a:t>32</a:t>
+              <a:t>33</a:t>
             </a:fld>
             <a:endParaRPr lang="zh-CN" altLang="en-US"/>
           </a:p>
@@ -1314,7 +1316,7 @@
           <a:p>
             <a:fld id="{D0CA3166-A36D-43A3-A50C-6C4A4EA83EFC}" type="slidenum">
               <a:rPr lang="zh-CN" altLang="en-US" smtClean="0"/>
-              <a:t>33</a:t>
+              <a:t>34</a:t>
             </a:fld>
             <a:endParaRPr lang="zh-CN" altLang="en-US"/>
           </a:p>
@@ -1405,7 +1407,7 @@
           <a:p>
             <a:fld id="{D0CA3166-A36D-43A3-A50C-6C4A4EA83EFC}" type="slidenum">
               <a:rPr lang="zh-CN" altLang="en-US" smtClean="0"/>
-              <a:t>34</a:t>
+              <a:t>36</a:t>
             </a:fld>
             <a:endParaRPr lang="zh-CN" altLang="en-US"/>
           </a:p>
@@ -1493,7 +1495,7 @@
           <a:p>
             <a:fld id="{D0CA3166-A36D-43A3-A50C-6C4A4EA83EFC}" type="slidenum">
               <a:rPr lang="zh-CN" altLang="en-US" smtClean="0"/>
-              <a:t>38</a:t>
+              <a:t>40</a:t>
             </a:fld>
             <a:endParaRPr lang="zh-CN" altLang="en-US"/>
           </a:p>
@@ -2078,7 +2080,7 @@
           <a:p>
             <a:fld id="{D0CA3166-A36D-43A3-A50C-6C4A4EA83EFC}" type="slidenum">
               <a:rPr lang="zh-CN" altLang="en-US" smtClean="0"/>
-              <a:t>12</a:t>
+              <a:t>13</a:t>
             </a:fld>
             <a:endParaRPr lang="zh-CN" altLang="en-US"/>
           </a:p>
@@ -2180,7 +2182,7 @@
           <a:p>
             <a:fld id="{D0CA3166-A36D-43A3-A50C-6C4A4EA83EFC}" type="slidenum">
               <a:rPr lang="zh-CN" altLang="en-US" smtClean="0"/>
-              <a:t>13</a:t>
+              <a:t>14</a:t>
             </a:fld>
             <a:endParaRPr lang="zh-CN" altLang="en-US"/>
           </a:p>
@@ -2274,7 +2276,7 @@
           <a:p>
             <a:fld id="{D0CA3166-A36D-43A3-A50C-6C4A4EA83EFC}" type="slidenum">
               <a:rPr lang="zh-CN" altLang="en-US" smtClean="0"/>
-              <a:t>14</a:t>
+              <a:t>15</a:t>
             </a:fld>
             <a:endParaRPr lang="zh-CN" altLang="en-US"/>
           </a:p>
@@ -2362,7 +2364,7 @@
           <a:p>
             <a:fld id="{D0CA3166-A36D-43A3-A50C-6C4A4EA83EFC}" type="slidenum">
               <a:rPr lang="zh-CN" altLang="en-US" smtClean="0"/>
-              <a:t>16</a:t>
+              <a:t>17</a:t>
             </a:fld>
             <a:endParaRPr lang="zh-CN" altLang="en-US"/>
           </a:p>
@@ -2607,7 +2609,7 @@
           <a:p>
             <a:fld id="{4BDF68E2-58F2-4D09-BE8B-E3BD06533059}" type="datetimeFigureOut">
               <a:rPr lang="en-US" dirty="0"/>
-              <a:t>3/25/2019</a:t>
+              <a:t>3/27/2019</a:t>
             </a:fld>
             <a:endParaRPr lang="en-US" dirty="0"/>
           </a:p>
@@ -2839,7 +2841,7 @@
           <a:p>
             <a:fld id="{2E2D6473-DF6D-4702-B328-E0DD40540A4E}" type="datetimeFigureOut">
               <a:rPr lang="en-US" dirty="0"/>
-              <a:t>3/25/2019</a:t>
+              <a:t>3/27/2019</a:t>
             </a:fld>
             <a:endParaRPr lang="en-US" dirty="0"/>
           </a:p>
@@ -3119,7 +3121,7 @@
           <a:p>
             <a:fld id="{E26F7E3A-B166-407D-9866-32884E7D5B37}" type="datetimeFigureOut">
               <a:rPr lang="en-US" dirty="0"/>
-              <a:t>3/25/2019</a:t>
+              <a:t>3/27/2019</a:t>
             </a:fld>
             <a:endParaRPr lang="en-US" dirty="0"/>
           </a:p>
@@ -3317,7 +3319,7 @@
           <a:p>
             <a:fld id="{528FC5F6-F338-4AE4-BB23-26385BCFC423}" type="datetimeFigureOut">
               <a:rPr lang="en-US" dirty="0"/>
-              <a:t>3/25/2019</a:t>
+              <a:t>3/27/2019</a:t>
             </a:fld>
             <a:endParaRPr lang="en-US" dirty="0"/>
           </a:p>
@@ -3684,7 +3686,7 @@
           <a:p>
             <a:fld id="{20EBB0C4-6273-4C6E-B9BD-2EDC30F1CD52}" type="datetimeFigureOut">
               <a:rPr lang="en-US" dirty="0"/>
-              <a:t>3/25/2019</a:t>
+              <a:t>3/27/2019</a:t>
             </a:fld>
             <a:endParaRPr lang="en-US" dirty="0"/>
           </a:p>
@@ -3983,7 +3985,7 @@
           <a:p>
             <a:fld id="{19AB4D41-86C1-4908-B66A-0B50CEB3BF29}" type="datetimeFigureOut">
               <a:rPr lang="en-US" dirty="0"/>
-              <a:t>3/25/2019</a:t>
+              <a:t>3/27/2019</a:t>
             </a:fld>
             <a:endParaRPr lang="en-US" dirty="0"/>
           </a:p>
@@ -4386,7 +4388,7 @@
           <a:p>
             <a:fld id="{E6426E2C-56C1-4E0D-A793-0088A7FDD37E}" type="datetimeFigureOut">
               <a:rPr lang="en-US" dirty="0"/>
-              <a:t>3/25/2019</a:t>
+              <a:t>3/27/2019</a:t>
             </a:fld>
             <a:endParaRPr lang="en-US" dirty="0"/>
           </a:p>
@@ -4528,7 +4530,7 @@
           <a:p>
             <a:fld id="{C8C39B41-D8B5-4052-B551-9B5525EAA8B6}" type="datetimeFigureOut">
               <a:rPr lang="en-US" dirty="0"/>
-              <a:t>3/25/2019</a:t>
+              <a:t>3/27/2019</a:t>
             </a:fld>
             <a:endParaRPr lang="en-US" dirty="0"/>
           </a:p>
@@ -4723,7 +4725,7 @@
           <a:p>
             <a:fld id="{4D94136C-8742-45B2-AF27-D93DF72833A9}" type="datetimeFigureOut">
               <a:rPr lang="en-US" dirty="0"/>
-              <a:t>3/25/2019</a:t>
+              <a:t>3/27/2019</a:t>
             </a:fld>
             <a:endParaRPr lang="en-US" dirty="0"/>
           </a:p>
@@ -5102,7 +5104,7 @@
           <a:p>
             <a:fld id="{32ABBEA6-7C60-4B02-AE87-00D78D8422AF}" type="datetimeFigureOut">
               <a:rPr lang="en-US" dirty="0"/>
-              <a:t>3/25/2019</a:t>
+              <a:t>3/27/2019</a:t>
             </a:fld>
             <a:endParaRPr lang="en-US" dirty="0"/>
           </a:p>
@@ -5509,7 +5511,7 @@
           <a:p>
             <a:fld id="{C9CAD897-D46E-4AD2-BD9B-49DD3E640873}" type="datetimeFigureOut">
               <a:rPr lang="en-US" dirty="0"/>
-              <a:t>3/25/2019</a:t>
+              <a:t>3/27/2019</a:t>
             </a:fld>
             <a:endParaRPr lang="en-US" dirty="0"/>
           </a:p>
@@ -5820,7 +5822,7 @@
           <a:p>
             <a:fld id="{98624D31-43A5-475A-80CF-332C9F6DCF35}" type="datetimeFigureOut">
               <a:rPr lang="en-US" dirty="0"/>
-              <a:t>3/25/2019</a:t>
+              <a:t>3/27/2019</a:t>
             </a:fld>
             <a:endParaRPr lang="en-US" dirty="0"/>
           </a:p>
@@ -6981,6 +6983,70 @@
           <a:chExt cx="0" cy="0"/>
         </a:xfrm>
       </p:grpSpPr>
+      <p:pic>
+        <p:nvPicPr>
+          <p:cNvPr id="3" name="图片 2">
+            <a:extLst>
+              <a:ext uri="{FF2B5EF4-FFF2-40B4-BE49-F238E27FC236}">
+                <a16:creationId xmlns:a16="http://schemas.microsoft.com/office/drawing/2014/main" id="{9E4DEFF1-CEC1-4D2E-88A4-B3352C9BB7E5}"/>
+              </a:ext>
+            </a:extLst>
+          </p:cNvPr>
+          <p:cNvPicPr>
+            <a:picLocks noChangeAspect="1"/>
+          </p:cNvPicPr>
+          <p:nvPr>
+            <p:custDataLst>
+              <p:tags r:id="rId1"/>
+            </p:custDataLst>
+          </p:nvPr>
+        </p:nvPicPr>
+        <p:blipFill>
+          <a:blip r:embed="rId3"/>
+          <a:stretch>
+            <a:fillRect/>
+          </a:stretch>
+        </p:blipFill>
+        <p:spPr>
+          <a:xfrm>
+            <a:off x="490509" y="2991134"/>
+            <a:ext cx="9103618" cy="720254"/>
+          </a:xfrm>
+          <a:prstGeom prst="rect">
+            <a:avLst/>
+          </a:prstGeom>
+        </p:spPr>
+      </p:pic>
+    </p:spTree>
+    <p:extLst>
+      <p:ext uri="{BB962C8B-B14F-4D97-AF65-F5344CB8AC3E}">
+        <p14:creationId xmlns:p14="http://schemas.microsoft.com/office/powerpoint/2010/main" val="1277331098"/>
+      </p:ext>
+    </p:extLst>
+  </p:cSld>
+  <p:clrMapOvr>
+    <a:masterClrMapping/>
+  </p:clrMapOvr>
+</p:sld>
+</file>
+
+<file path=ppt/slides/slide13.xml><?xml version="1.0" encoding="utf-8"?>
+<p:sld xmlns:a="http://schemas.openxmlformats.org/drawingml/2006/main" xmlns:r="http://schemas.openxmlformats.org/officeDocument/2006/relationships" xmlns:p="http://schemas.openxmlformats.org/presentationml/2006/main">
+  <p:cSld>
+    <p:spTree>
+      <p:nvGrpSpPr>
+        <p:cNvPr id="1" name=""/>
+        <p:cNvGrpSpPr/>
+        <p:nvPr/>
+      </p:nvGrpSpPr>
+      <p:grpSpPr>
+        <a:xfrm>
+          <a:off x="0" y="0"/>
+          <a:ext cx="0" cy="0"/>
+          <a:chOff x="0" y="0"/>
+          <a:chExt cx="0" cy="0"/>
+        </a:xfrm>
+      </p:grpSpPr>
       <p:sp>
         <p:nvSpPr>
           <p:cNvPr id="2" name="标题 1">
@@ -7055,7 +7121,7 @@
 </p:sld>
 </file>
 
-<file path=ppt/slides/slide13.xml><?xml version="1.0" encoding="utf-8"?>
+<file path=ppt/slides/slide14.xml><?xml version="1.0" encoding="utf-8"?>
 <p:sld xmlns:a="http://schemas.openxmlformats.org/drawingml/2006/main" xmlns:r="http://schemas.openxmlformats.org/officeDocument/2006/relationships" xmlns:p="http://schemas.openxmlformats.org/presentationml/2006/main">
   <p:cSld>
     <p:spTree>
@@ -7169,7 +7235,7 @@
 </p:sld>
 </file>
 
-<file path=ppt/slides/slide14.xml><?xml version="1.0" encoding="utf-8"?>
+<file path=ppt/slides/slide15.xml><?xml version="1.0" encoding="utf-8"?>
 <p:sld xmlns:a="http://schemas.openxmlformats.org/drawingml/2006/main" xmlns:r="http://schemas.openxmlformats.org/officeDocument/2006/relationships" xmlns:p="http://schemas.openxmlformats.org/presentationml/2006/main">
   <p:cSld>
     <p:spTree>
@@ -7286,7 +7352,7 @@
 </p:sld>
 </file>
 
-<file path=ppt/slides/slide15.xml><?xml version="1.0" encoding="utf-8"?>
+<file path=ppt/slides/slide16.xml><?xml version="1.0" encoding="utf-8"?>
 <p:sld xmlns:a="http://schemas.openxmlformats.org/drawingml/2006/main" xmlns:r="http://schemas.openxmlformats.org/officeDocument/2006/relationships" xmlns:p="http://schemas.openxmlformats.org/presentationml/2006/main">
   <p:cSld>
     <p:spTree>
@@ -7406,110 +7472,6 @@
 </p:sld>
 </file>
 
-<file path=ppt/slides/slide16.xml><?xml version="1.0" encoding="utf-8"?>
-<p:sld xmlns:a="http://schemas.openxmlformats.org/drawingml/2006/main" xmlns:r="http://schemas.openxmlformats.org/officeDocument/2006/relationships" xmlns:p="http://schemas.openxmlformats.org/presentationml/2006/main">
-  <p:cSld>
-    <p:spTree>
-      <p:nvGrpSpPr>
-        <p:cNvPr id="1" name=""/>
-        <p:cNvGrpSpPr/>
-        <p:nvPr/>
-      </p:nvGrpSpPr>
-      <p:grpSpPr>
-        <a:xfrm>
-          <a:off x="0" y="0"/>
-          <a:ext cx="0" cy="0"/>
-          <a:chOff x="0" y="0"/>
-          <a:chExt cx="0" cy="0"/>
-        </a:xfrm>
-      </p:grpSpPr>
-      <p:sp>
-        <p:nvSpPr>
-          <p:cNvPr id="2" name="标题 1">
-            <a:extLst>
-              <a:ext uri="{FF2B5EF4-FFF2-40B4-BE49-F238E27FC236}">
-                <a16:creationId xmlns:a16="http://schemas.microsoft.com/office/drawing/2014/main" id="{9C3D5125-8964-4107-B173-0B3B7FDA4771}"/>
-              </a:ext>
-            </a:extLst>
-          </p:cNvPr>
-          <p:cNvSpPr>
-            <a:spLocks noGrp="1"/>
-          </p:cNvSpPr>
-          <p:nvPr>
-            <p:ph type="title"/>
-          </p:nvPr>
-        </p:nvSpPr>
-        <p:spPr/>
-        <p:txBody>
-          <a:bodyPr/>
-          <a:lstStyle/>
-          <a:p>
-            <a:r>
-              <a:rPr lang="en-US" altLang="zh-CN" dirty="0"/>
-              <a:t>Comments: %</a:t>
-            </a:r>
-            <a:endParaRPr lang="zh-CN" altLang="en-US" dirty="0"/>
-          </a:p>
-        </p:txBody>
-      </p:sp>
-      <p:sp>
-        <p:nvSpPr>
-          <p:cNvPr id="3" name="内容占位符 2">
-            <a:extLst>
-              <a:ext uri="{FF2B5EF4-FFF2-40B4-BE49-F238E27FC236}">
-                <a16:creationId xmlns:a16="http://schemas.microsoft.com/office/drawing/2014/main" id="{556B3C94-A24A-46CF-BE65-746C372A31D0}"/>
-              </a:ext>
-            </a:extLst>
-          </p:cNvPr>
-          <p:cNvSpPr>
-            <a:spLocks noGrp="1"/>
-          </p:cNvSpPr>
-          <p:nvPr>
-            <p:ph idx="1"/>
-          </p:nvPr>
-        </p:nvSpPr>
-        <p:spPr/>
-        <p:txBody>
-          <a:bodyPr>
-            <a:normAutofit/>
-          </a:bodyPr>
-          <a:lstStyle/>
-          <a:p>
-            <a:r>
-              <a:rPr lang="en-GB" altLang="zh-CN" sz="3600" dirty="0"/>
-              <a:t>it ignores the rest of the present line, </a:t>
-            </a:r>
-            <a:br>
-              <a:rPr lang="en-GB" altLang="zh-CN" sz="3600" dirty="0"/>
-            </a:br>
-            <a:r>
-              <a:rPr lang="en-GB" altLang="zh-CN" sz="3600" dirty="0"/>
-              <a:t>the line break, </a:t>
-            </a:r>
-            <a:br>
-              <a:rPr lang="en-GB" altLang="zh-CN" sz="3600" dirty="0"/>
-            </a:br>
-            <a:r>
-              <a:rPr lang="en-GB" altLang="zh-CN" sz="3600" dirty="0"/>
-              <a:t>and all whitespace at the beginning of the next line.</a:t>
-            </a:r>
-            <a:endParaRPr lang="zh-CN" altLang="en-US" sz="3600" dirty="0"/>
-          </a:p>
-        </p:txBody>
-      </p:sp>
-    </p:spTree>
-    <p:extLst>
-      <p:ext uri="{BB962C8B-B14F-4D97-AF65-F5344CB8AC3E}">
-        <p14:creationId xmlns:p14="http://schemas.microsoft.com/office/powerpoint/2010/main" val="2566866681"/>
-      </p:ext>
-    </p:extLst>
-  </p:cSld>
-  <p:clrMapOvr>
-    <a:masterClrMapping/>
-  </p:clrMapOvr>
-</p:sld>
-</file>
-
 <file path=ppt/slides/slide17.xml><?xml version="1.0" encoding="utf-8"?>
 <p:sld xmlns:a="http://schemas.openxmlformats.org/drawingml/2006/main" xmlns:r="http://schemas.openxmlformats.org/officeDocument/2006/relationships" xmlns:p="http://schemas.openxmlformats.org/presentationml/2006/main">
   <p:cSld>
@@ -7532,7 +7494,7 @@
           <p:cNvPr id="2" name="标题 1">
             <a:extLst>
               <a:ext uri="{FF2B5EF4-FFF2-40B4-BE49-F238E27FC236}">
-                <a16:creationId xmlns:a16="http://schemas.microsoft.com/office/drawing/2014/main" id="{0E93535A-A852-4400-893D-97E61F044D83}"/>
+                <a16:creationId xmlns:a16="http://schemas.microsoft.com/office/drawing/2014/main" id="{9C3D5125-8964-4107-B173-0B3B7FDA4771}"/>
               </a:ext>
             </a:extLst>
           </p:cNvPr>
@@ -7550,7 +7512,7 @@
           <a:p>
             <a:r>
               <a:rPr lang="en-US" altLang="zh-CN" dirty="0"/>
-              <a:t>Input File Structure</a:t>
+              <a:t>Comments: %</a:t>
             </a:r>
             <a:endParaRPr lang="zh-CN" altLang="en-US" dirty="0"/>
           </a:p>
@@ -7558,10 +7520,10 @@
       </p:sp>
       <p:sp>
         <p:nvSpPr>
-          <p:cNvPr id="3" name="文本占位符 2">
+          <p:cNvPr id="3" name="内容占位符 2">
             <a:extLst>
               <a:ext uri="{FF2B5EF4-FFF2-40B4-BE49-F238E27FC236}">
-                <a16:creationId xmlns:a16="http://schemas.microsoft.com/office/drawing/2014/main" id="{1E98514E-A71A-4C53-8C7C-EF503AD3E78B}"/>
+                <a16:creationId xmlns:a16="http://schemas.microsoft.com/office/drawing/2014/main" id="{556B3C94-A24A-46CF-BE65-746C372A31D0}"/>
               </a:ext>
             </a:extLst>
           </p:cNvPr>
@@ -7569,22 +7531,42 @@
             <a:spLocks noGrp="1"/>
           </p:cNvSpPr>
           <p:nvPr>
-            <p:ph type="body" idx="1"/>
-          </p:nvPr>
-        </p:nvSpPr>
-        <p:spPr/>
-        <p:txBody>
-          <a:bodyPr/>
-          <a:lstStyle/>
-          <a:p>
-            <a:endParaRPr lang="zh-CN" altLang="en-US"/>
+            <p:ph idx="1"/>
+          </p:nvPr>
+        </p:nvSpPr>
+        <p:spPr/>
+        <p:txBody>
+          <a:bodyPr>
+            <a:normAutofit/>
+          </a:bodyPr>
+          <a:lstStyle/>
+          <a:p>
+            <a:r>
+              <a:rPr lang="en-GB" altLang="zh-CN" sz="3600" dirty="0"/>
+              <a:t>it ignores the rest of the present line, </a:t>
+            </a:r>
+            <a:br>
+              <a:rPr lang="en-GB" altLang="zh-CN" sz="3600" dirty="0"/>
+            </a:br>
+            <a:r>
+              <a:rPr lang="en-GB" altLang="zh-CN" sz="3600" dirty="0"/>
+              <a:t>the line break, </a:t>
+            </a:r>
+            <a:br>
+              <a:rPr lang="en-GB" altLang="zh-CN" sz="3600" dirty="0"/>
+            </a:br>
+            <a:r>
+              <a:rPr lang="en-GB" altLang="zh-CN" sz="3600" dirty="0"/>
+              <a:t>and all whitespace at the beginning of the next line.</a:t>
+            </a:r>
+            <a:endParaRPr lang="zh-CN" altLang="en-US" sz="3600" dirty="0"/>
           </a:p>
         </p:txBody>
       </p:sp>
     </p:spTree>
     <p:extLst>
       <p:ext uri="{BB962C8B-B14F-4D97-AF65-F5344CB8AC3E}">
-        <p14:creationId xmlns:p14="http://schemas.microsoft.com/office/powerpoint/2010/main" val="1690489085"/>
+        <p14:creationId xmlns:p14="http://schemas.microsoft.com/office/powerpoint/2010/main" val="2566866681"/>
       </p:ext>
     </p:extLst>
   </p:cSld>
@@ -7616,7 +7598,7 @@
           <p:cNvPr id="2" name="标题 1">
             <a:extLst>
               <a:ext uri="{FF2B5EF4-FFF2-40B4-BE49-F238E27FC236}">
-                <a16:creationId xmlns:a16="http://schemas.microsoft.com/office/drawing/2014/main" id="{73AD5919-7DB8-4CE4-8C7E-8DFF4E11CEDA}"/>
+                <a16:creationId xmlns:a16="http://schemas.microsoft.com/office/drawing/2014/main" id="{0E93535A-A852-4400-893D-97E61F044D83}"/>
               </a:ext>
             </a:extLst>
           </p:cNvPr>
@@ -7632,16 +7614,20 @@
           <a:bodyPr/>
           <a:lstStyle/>
           <a:p>
-            <a:endParaRPr lang="zh-CN" altLang="en-US"/>
-          </a:p>
-        </p:txBody>
-      </p:sp>
-      <p:sp>
-        <p:nvSpPr>
-          <p:cNvPr id="3" name="内容占位符 2">
+            <a:r>
+              <a:rPr lang="en-US" altLang="zh-CN" dirty="0"/>
+              <a:t>Input File Structure</a:t>
+            </a:r>
+            <a:endParaRPr lang="zh-CN" altLang="en-US" dirty="0"/>
+          </a:p>
+        </p:txBody>
+      </p:sp>
+      <p:sp>
+        <p:nvSpPr>
+          <p:cNvPr id="3" name="文本占位符 2">
             <a:extLst>
               <a:ext uri="{FF2B5EF4-FFF2-40B4-BE49-F238E27FC236}">
-                <a16:creationId xmlns:a16="http://schemas.microsoft.com/office/drawing/2014/main" id="{BB9A016B-B32C-462F-ADC6-C6D70E489BD1}"/>
+                <a16:creationId xmlns:a16="http://schemas.microsoft.com/office/drawing/2014/main" id="{1E98514E-A71A-4C53-8C7C-EF503AD3E78B}"/>
               </a:ext>
             </a:extLst>
           </p:cNvPr>
@@ -7649,85 +7635,22 @@
             <a:spLocks noGrp="1"/>
           </p:cNvSpPr>
           <p:nvPr>
-            <p:ph idx="1"/>
-          </p:nvPr>
-        </p:nvSpPr>
-        <p:spPr/>
-        <p:txBody>
-          <a:bodyPr>
-            <a:normAutofit fontScale="92500" lnSpcReduction="20000"/>
-          </a:bodyPr>
-          <a:lstStyle/>
-          <a:p>
-            <a:r>
-              <a:rPr lang="en-GB" altLang="zh-CN" sz="3200" b="1" i="1" dirty="0"/>
-              <a:t>\</a:t>
-            </a:r>
-            <a:r>
-              <a:rPr lang="en-GB" altLang="zh-CN" sz="3200" b="1" i="1" dirty="0" err="1"/>
-              <a:t>documentclass</a:t>
-            </a:r>
-            <a:r>
-              <a:rPr lang="en-GB" altLang="zh-CN" sz="3200" b="1" i="1" dirty="0"/>
-              <a:t>{...}: </a:t>
-            </a:r>
-            <a:br>
-              <a:rPr lang="en-GB" altLang="zh-CN" sz="3200" dirty="0"/>
-            </a:br>
-            <a:r>
-              <a:rPr lang="en-GB" altLang="zh-CN" sz="3200" dirty="0"/>
-              <a:t>This specifies what sort of document you intend to write</a:t>
-            </a:r>
-          </a:p>
-          <a:p>
-            <a:r>
-              <a:rPr lang="en-GB" altLang="zh-CN" sz="3200" b="1" i="1" dirty="0"/>
-              <a:t>\</a:t>
-            </a:r>
-            <a:r>
-              <a:rPr lang="en-GB" altLang="zh-CN" sz="3200" b="1" i="1" dirty="0" err="1"/>
-              <a:t>usepackage</a:t>
-            </a:r>
-            <a:r>
-              <a:rPr lang="en-GB" altLang="zh-CN" sz="3200" b="1" i="1" dirty="0"/>
-              <a:t>{...}</a:t>
-            </a:r>
-            <a:br>
-              <a:rPr lang="en-GB" altLang="zh-CN" sz="3200" dirty="0"/>
-            </a:br>
-            <a:r>
-              <a:rPr lang="en-GB" altLang="zh-CN" sz="3200" dirty="0"/>
-              <a:t>commands to influence the style of the whole document, or load packages</a:t>
-            </a:r>
-          </a:p>
-          <a:p>
-            <a:endParaRPr lang="en-GB" altLang="zh-CN" sz="3200" dirty="0"/>
-          </a:p>
-          <a:p>
-            <a:r>
-              <a:rPr lang="en-GB" altLang="zh-CN" sz="3200" b="1" i="1" dirty="0"/>
-              <a:t>\begin{document}</a:t>
-            </a:r>
-          </a:p>
-          <a:p>
-            <a:r>
-              <a:rPr lang="en-GB" altLang="zh-CN" sz="3200" b="1" i="1" dirty="0"/>
-              <a:t>…</a:t>
-            </a:r>
-          </a:p>
-          <a:p>
-            <a:r>
-              <a:rPr lang="en-GB" altLang="zh-CN" sz="3200" b="1" i="1" dirty="0"/>
-              <a:t>\end{document}</a:t>
-            </a:r>
-            <a:endParaRPr lang="zh-CN" altLang="en-US" sz="3200" b="1" i="1" dirty="0"/>
+            <p:ph type="body" idx="1"/>
+          </p:nvPr>
+        </p:nvSpPr>
+        <p:spPr/>
+        <p:txBody>
+          <a:bodyPr/>
+          <a:lstStyle/>
+          <a:p>
+            <a:endParaRPr lang="zh-CN" altLang="en-US"/>
           </a:p>
         </p:txBody>
       </p:sp>
     </p:spTree>
     <p:extLst>
       <p:ext uri="{BB962C8B-B14F-4D97-AF65-F5344CB8AC3E}">
-        <p14:creationId xmlns:p14="http://schemas.microsoft.com/office/powerpoint/2010/main" val="3619729952"/>
+        <p14:creationId xmlns:p14="http://schemas.microsoft.com/office/powerpoint/2010/main" val="1690489085"/>
       </p:ext>
     </p:extLst>
   </p:cSld>
@@ -7759,7 +7682,7 @@
           <p:cNvPr id="2" name="标题 1">
             <a:extLst>
               <a:ext uri="{FF2B5EF4-FFF2-40B4-BE49-F238E27FC236}">
-                <a16:creationId xmlns:a16="http://schemas.microsoft.com/office/drawing/2014/main" id="{8323A7DB-6E4E-4CB6-8AE3-B3FF25154FA6}"/>
+                <a16:creationId xmlns:a16="http://schemas.microsoft.com/office/drawing/2014/main" id="{73AD5919-7DB8-4CE4-8C7E-8DFF4E11CEDA}"/>
               </a:ext>
             </a:extLst>
           </p:cNvPr>
@@ -7775,11 +7698,7 @@
           <a:bodyPr/>
           <a:lstStyle/>
           <a:p>
-            <a:r>
-              <a:rPr lang="en-US" altLang="zh-CN" dirty="0"/>
-              <a:t>Files You Might Encounter</a:t>
-            </a:r>
-            <a:endParaRPr lang="zh-CN" altLang="en-US" dirty="0"/>
+            <a:endParaRPr lang="zh-CN" altLang="en-US"/>
           </a:p>
         </p:txBody>
       </p:sp>
@@ -7788,7 +7707,7 @@
           <p:cNvPr id="3" name="内容占位符 2">
             <a:extLst>
               <a:ext uri="{FF2B5EF4-FFF2-40B4-BE49-F238E27FC236}">
-                <a16:creationId xmlns:a16="http://schemas.microsoft.com/office/drawing/2014/main" id="{CF1421B1-E2C0-4FB2-8966-E024C8DA48B9}"/>
+                <a16:creationId xmlns:a16="http://schemas.microsoft.com/office/drawing/2014/main" id="{BB9A016B-B32C-462F-ADC6-C6D70E489BD1}"/>
               </a:ext>
             </a:extLst>
           </p:cNvPr>
@@ -7802,21 +7721,49 @@
         <p:spPr/>
         <p:txBody>
           <a:bodyPr>
-            <a:normAutofit/>
+            <a:normAutofit fontScale="92500" lnSpcReduction="20000"/>
           </a:bodyPr>
           <a:lstStyle/>
           <a:p>
             <a:r>
+              <a:rPr lang="en-GB" altLang="zh-CN" sz="3200" b="1" i="1" dirty="0"/>
+              <a:t>\</a:t>
+            </a:r>
+            <a:r>
+              <a:rPr lang="en-GB" altLang="zh-CN" sz="3200" b="1" i="1" dirty="0" err="1"/>
+              <a:t>documentclass</a:t>
+            </a:r>
+            <a:r>
+              <a:rPr lang="en-GB" altLang="zh-CN" sz="3200" b="1" i="1" dirty="0"/>
+              <a:t>{...}: </a:t>
+            </a:r>
+            <a:br>
               <a:rPr lang="en-GB" altLang="zh-CN" sz="3200" dirty="0"/>
-              <a:t>.</a:t>
-            </a:r>
-            <a:r>
-              <a:rPr lang="en-GB" altLang="zh-CN" sz="3200" dirty="0" err="1"/>
-              <a:t>tex</a:t>
-            </a:r>
+            </a:br>
             <a:r>
               <a:rPr lang="en-GB" altLang="zh-CN" sz="3200" dirty="0"/>
-              <a:t>  LATEX or TEX input file. Can be compiled with latex.</a:t>
+              <a:t>This specifies what sort of document you intend to write</a:t>
+            </a:r>
+          </a:p>
+          <a:p>
+            <a:r>
+              <a:rPr lang="en-GB" altLang="zh-CN" sz="3200" b="1" i="1" dirty="0"/>
+              <a:t>\</a:t>
+            </a:r>
+            <a:r>
+              <a:rPr lang="en-GB" altLang="zh-CN" sz="3200" b="1" i="1" dirty="0" err="1"/>
+              <a:t>usepackage</a:t>
+            </a:r>
+            <a:r>
+              <a:rPr lang="en-GB" altLang="zh-CN" sz="3200" b="1" i="1" dirty="0"/>
+              <a:t>{...}</a:t>
+            </a:r>
+            <a:br>
+              <a:rPr lang="en-GB" altLang="zh-CN" sz="3200" dirty="0"/>
+            </a:br>
+            <a:r>
+              <a:rPr lang="en-GB" altLang="zh-CN" sz="3200" dirty="0"/>
+              <a:t>commands to influence the style of the whole document, or load packages</a:t>
             </a:r>
           </a:p>
           <a:p>
@@ -7824,25 +7771,29 @@
           </a:p>
           <a:p>
             <a:r>
-              <a:rPr lang="en-GB" altLang="zh-CN" sz="3200" dirty="0"/>
-              <a:t>.sty LATEX Macro package. Load this into your LATEX document using the \</a:t>
-            </a:r>
-            <a:r>
-              <a:rPr lang="en-GB" altLang="zh-CN" sz="3200" dirty="0" err="1"/>
-              <a:t>usepackage</a:t>
-            </a:r>
-            <a:r>
-              <a:rPr lang="en-GB" altLang="zh-CN" sz="3200" dirty="0"/>
-              <a:t> command.</a:t>
-            </a:r>
-            <a:endParaRPr lang="zh-CN" altLang="en-US" sz="3200" dirty="0"/>
+              <a:rPr lang="en-GB" altLang="zh-CN" sz="3200" b="1" i="1" dirty="0"/>
+              <a:t>\begin{document}</a:t>
+            </a:r>
+          </a:p>
+          <a:p>
+            <a:r>
+              <a:rPr lang="en-GB" altLang="zh-CN" sz="3200" b="1" i="1" dirty="0"/>
+              <a:t>…</a:t>
+            </a:r>
+          </a:p>
+          <a:p>
+            <a:r>
+              <a:rPr lang="en-GB" altLang="zh-CN" sz="3200" b="1" i="1" dirty="0"/>
+              <a:t>\end{document}</a:t>
+            </a:r>
+            <a:endParaRPr lang="zh-CN" altLang="en-US" sz="3200" b="1" i="1" dirty="0"/>
           </a:p>
         </p:txBody>
       </p:sp>
     </p:spTree>
     <p:extLst>
       <p:ext uri="{BB962C8B-B14F-4D97-AF65-F5344CB8AC3E}">
-        <p14:creationId xmlns:p14="http://schemas.microsoft.com/office/powerpoint/2010/main" val="3302138169"/>
+        <p14:creationId xmlns:p14="http://schemas.microsoft.com/office/powerpoint/2010/main" val="3619729952"/>
       </p:ext>
     </p:extLst>
   </p:cSld>
@@ -9412,6 +9363,121 @@
           <p:cNvPr id="2" name="标题 1">
             <a:extLst>
               <a:ext uri="{FF2B5EF4-FFF2-40B4-BE49-F238E27FC236}">
+                <a16:creationId xmlns:a16="http://schemas.microsoft.com/office/drawing/2014/main" id="{8323A7DB-6E4E-4CB6-8AE3-B3FF25154FA6}"/>
+              </a:ext>
+            </a:extLst>
+          </p:cNvPr>
+          <p:cNvSpPr>
+            <a:spLocks noGrp="1"/>
+          </p:cNvSpPr>
+          <p:nvPr>
+            <p:ph type="title"/>
+          </p:nvPr>
+        </p:nvSpPr>
+        <p:spPr/>
+        <p:txBody>
+          <a:bodyPr/>
+          <a:lstStyle/>
+          <a:p>
+            <a:r>
+              <a:rPr lang="en-US" altLang="zh-CN" dirty="0"/>
+              <a:t>Files You Might Encounter</a:t>
+            </a:r>
+            <a:endParaRPr lang="zh-CN" altLang="en-US" dirty="0"/>
+          </a:p>
+        </p:txBody>
+      </p:sp>
+      <p:sp>
+        <p:nvSpPr>
+          <p:cNvPr id="3" name="内容占位符 2">
+            <a:extLst>
+              <a:ext uri="{FF2B5EF4-FFF2-40B4-BE49-F238E27FC236}">
+                <a16:creationId xmlns:a16="http://schemas.microsoft.com/office/drawing/2014/main" id="{CF1421B1-E2C0-4FB2-8966-E024C8DA48B9}"/>
+              </a:ext>
+            </a:extLst>
+          </p:cNvPr>
+          <p:cNvSpPr>
+            <a:spLocks noGrp="1"/>
+          </p:cNvSpPr>
+          <p:nvPr>
+            <p:ph idx="1"/>
+          </p:nvPr>
+        </p:nvSpPr>
+        <p:spPr/>
+        <p:txBody>
+          <a:bodyPr>
+            <a:normAutofit/>
+          </a:bodyPr>
+          <a:lstStyle/>
+          <a:p>
+            <a:r>
+              <a:rPr lang="en-GB" altLang="zh-CN" sz="3200" dirty="0"/>
+              <a:t>.</a:t>
+            </a:r>
+            <a:r>
+              <a:rPr lang="en-GB" altLang="zh-CN" sz="3200" dirty="0" err="1"/>
+              <a:t>tex</a:t>
+            </a:r>
+            <a:r>
+              <a:rPr lang="en-GB" altLang="zh-CN" sz="3200" dirty="0"/>
+              <a:t>  LATEX or TEX input file. Can be compiled with latex.</a:t>
+            </a:r>
+          </a:p>
+          <a:p>
+            <a:endParaRPr lang="en-GB" altLang="zh-CN" sz="3200" dirty="0"/>
+          </a:p>
+          <a:p>
+            <a:r>
+              <a:rPr lang="en-GB" altLang="zh-CN" sz="3200" dirty="0"/>
+              <a:t>.sty LATEX Macro package. Load this into your LATEX document using the \</a:t>
+            </a:r>
+            <a:r>
+              <a:rPr lang="en-GB" altLang="zh-CN" sz="3200" dirty="0" err="1"/>
+              <a:t>usepackage</a:t>
+            </a:r>
+            <a:r>
+              <a:rPr lang="en-GB" altLang="zh-CN" sz="3200" dirty="0"/>
+              <a:t> command.</a:t>
+            </a:r>
+            <a:endParaRPr lang="zh-CN" altLang="en-US" sz="3200" dirty="0"/>
+          </a:p>
+        </p:txBody>
+      </p:sp>
+    </p:spTree>
+    <p:extLst>
+      <p:ext uri="{BB962C8B-B14F-4D97-AF65-F5344CB8AC3E}">
+        <p14:creationId xmlns:p14="http://schemas.microsoft.com/office/powerpoint/2010/main" val="3302138169"/>
+      </p:ext>
+    </p:extLst>
+  </p:cSld>
+  <p:clrMapOvr>
+    <a:masterClrMapping/>
+  </p:clrMapOvr>
+</p:sld>
+</file>
+
+<file path=ppt/slides/slide21.xml><?xml version="1.0" encoding="utf-8"?>
+<p:sld xmlns:a="http://schemas.openxmlformats.org/drawingml/2006/main" xmlns:r="http://schemas.openxmlformats.org/officeDocument/2006/relationships" xmlns:p="http://schemas.openxmlformats.org/presentationml/2006/main">
+  <p:cSld>
+    <p:spTree>
+      <p:nvGrpSpPr>
+        <p:cNvPr id="1" name=""/>
+        <p:cNvGrpSpPr/>
+        <p:nvPr/>
+      </p:nvGrpSpPr>
+      <p:grpSpPr>
+        <a:xfrm>
+          <a:off x="0" y="0"/>
+          <a:ext cx="0" cy="0"/>
+          <a:chOff x="0" y="0"/>
+          <a:chExt cx="0" cy="0"/>
+        </a:xfrm>
+      </p:grpSpPr>
+      <p:sp>
+        <p:nvSpPr>
+          <p:cNvPr id="2" name="标题 1">
+            <a:extLst>
+              <a:ext uri="{FF2B5EF4-FFF2-40B4-BE49-F238E27FC236}">
                 <a16:creationId xmlns:a16="http://schemas.microsoft.com/office/drawing/2014/main" id="{2C66AE8B-6C52-4F2C-AEAA-339B7A56AC67}"/>
               </a:ext>
             </a:extLst>
@@ -9511,7 +9577,7 @@
 </p:sld>
 </file>
 
-<file path=ppt/slides/slide21.xml><?xml version="1.0" encoding="utf-8"?>
+<file path=ppt/slides/slide22.xml><?xml version="1.0" encoding="utf-8"?>
 <p:sld xmlns:a="http://schemas.openxmlformats.org/drawingml/2006/main" xmlns:r="http://schemas.openxmlformats.org/officeDocument/2006/relationships" xmlns:p="http://schemas.openxmlformats.org/presentationml/2006/main">
   <p:cSld>
     <p:spTree>
@@ -9595,7 +9661,7 @@
 </p:sld>
 </file>
 
-<file path=ppt/slides/slide22.xml><?xml version="1.0" encoding="utf-8"?>
+<file path=ppt/slides/slide23.xml><?xml version="1.0" encoding="utf-8"?>
 <p:sld xmlns:a="http://schemas.openxmlformats.org/drawingml/2006/main" xmlns:r="http://schemas.openxmlformats.org/officeDocument/2006/relationships" xmlns:p="http://schemas.openxmlformats.org/presentationml/2006/main">
   <p:cSld>
     <p:spTree>
@@ -9733,7 +9799,7 @@
 </p:sld>
 </file>
 
-<file path=ppt/slides/slide23.xml><?xml version="1.0" encoding="utf-8"?>
+<file path=ppt/slides/slide24.xml><?xml version="1.0" encoding="utf-8"?>
 <p:sld xmlns:a="http://schemas.openxmlformats.org/drawingml/2006/main" xmlns:r="http://schemas.openxmlformats.org/officeDocument/2006/relationships" xmlns:p="http://schemas.openxmlformats.org/presentationml/2006/main">
   <p:cSld>
     <p:spTree>
@@ -9844,7 +9910,7 @@
           <p:nvPr>
             <p:extLst>
               <p:ext uri="{D42A27DB-BD31-4B8C-83A1-F6EECF244321}">
-                <p14:modId xmlns:p14="http://schemas.microsoft.com/office/powerpoint/2010/main" val="1087908641"/>
+                <p14:modId xmlns:p14="http://schemas.microsoft.com/office/powerpoint/2010/main" val="4215173647"/>
               </p:ext>
             </p:extLst>
           </p:nvPr>
@@ -9857,7 +9923,7 @@
           <a:graphicData uri="http://schemas.openxmlformats.org/presentationml/2006/ole">
             <mc:AlternateContent xmlns:mc="http://schemas.openxmlformats.org/markup-compatibility/2006">
               <mc:Choice xmlns:v="urn:schemas-microsoft-com:vml" Requires="v">
-                <p:oleObj spid="_x0000_s1028" name="包装程序外壳对象" showAsIcon="1" r:id="rId3" imgW="677880" imgH="324720" progId="Package">
+                <p:oleObj spid="_x0000_s1032" name="包装程序外壳对象" showAsIcon="1" r:id="rId3" imgW="677880" imgH="324720" progId="Package">
                   <p:embed/>
                 </p:oleObj>
               </mc:Choice>
@@ -9905,7 +9971,7 @@
 </p:sld>
 </file>
 
-<file path=ppt/slides/slide24.xml><?xml version="1.0" encoding="utf-8"?>
+<file path=ppt/slides/slide25.xml><?xml version="1.0" encoding="utf-8"?>
 <p:sld xmlns:a="http://schemas.openxmlformats.org/drawingml/2006/main" xmlns:r="http://schemas.openxmlformats.org/officeDocument/2006/relationships" xmlns:p="http://schemas.openxmlformats.org/presentationml/2006/main">
   <p:cSld>
     <p:spTree>
@@ -10030,7 +10096,7 @@
 </p:sld>
 </file>
 
-<file path=ppt/slides/slide25.xml><?xml version="1.0" encoding="utf-8"?>
+<file path=ppt/slides/slide26.xml><?xml version="1.0" encoding="utf-8"?>
 <p:sld xmlns:a="http://schemas.openxmlformats.org/drawingml/2006/main" xmlns:r="http://schemas.openxmlformats.org/officeDocument/2006/relationships" xmlns:p="http://schemas.openxmlformats.org/presentationml/2006/main">
   <p:cSld>
     <p:spTree>
@@ -10151,7 +10217,7 @@
 </p:sld>
 </file>
 
-<file path=ppt/slides/slide26.xml><?xml version="1.0" encoding="utf-8"?>
+<file path=ppt/slides/slide27.xml><?xml version="1.0" encoding="utf-8"?>
 <p:sld xmlns:a="http://schemas.openxmlformats.org/drawingml/2006/main" xmlns:r="http://schemas.openxmlformats.org/officeDocument/2006/relationships" xmlns:p="http://schemas.openxmlformats.org/presentationml/2006/main">
   <p:cSld>
     <p:spTree>
@@ -10272,7 +10338,7 @@
 </p:sld>
 </file>
 
-<file path=ppt/slides/slide27.xml><?xml version="1.0" encoding="utf-8"?>
+<file path=ppt/slides/slide28.xml><?xml version="1.0" encoding="utf-8"?>
 <p:sld xmlns:a="http://schemas.openxmlformats.org/drawingml/2006/main" xmlns:r="http://schemas.openxmlformats.org/officeDocument/2006/relationships" xmlns:p="http://schemas.openxmlformats.org/presentationml/2006/main">
   <p:cSld>
     <p:spTree>
@@ -10400,7 +10466,7 @@
 </p:sld>
 </file>
 
-<file path=ppt/slides/slide28.xml><?xml version="1.0" encoding="utf-8"?>
+<file path=ppt/slides/slide29.xml><?xml version="1.0" encoding="utf-8"?>
 <p:sld xmlns:a="http://schemas.openxmlformats.org/drawingml/2006/main" xmlns:r="http://schemas.openxmlformats.org/officeDocument/2006/relationships" xmlns:p="http://schemas.openxmlformats.org/presentationml/2006/main">
   <p:cSld>
     <p:spTree>
@@ -10521,7 +10587,147 @@
 </p:sld>
 </file>
 
-<file path=ppt/slides/slide29.xml><?xml version="1.0" encoding="utf-8"?>
+<file path=ppt/slides/slide3.xml><?xml version="1.0" encoding="utf-8"?>
+<p:sld xmlns:a="http://schemas.openxmlformats.org/drawingml/2006/main" xmlns:r="http://schemas.openxmlformats.org/officeDocument/2006/relationships" xmlns:p="http://schemas.openxmlformats.org/presentationml/2006/main">
+  <p:cSld>
+    <p:spTree>
+      <p:nvGrpSpPr>
+        <p:cNvPr id="1" name=""/>
+        <p:cNvGrpSpPr/>
+        <p:nvPr/>
+      </p:nvGrpSpPr>
+      <p:grpSpPr>
+        <a:xfrm>
+          <a:off x="0" y="0"/>
+          <a:ext cx="0" cy="0"/>
+          <a:chOff x="0" y="0"/>
+          <a:chExt cx="0" cy="0"/>
+        </a:xfrm>
+      </p:grpSpPr>
+      <p:sp>
+        <p:nvSpPr>
+          <p:cNvPr id="2" name="标题 1">
+            <a:extLst>
+              <a:ext uri="{FF2B5EF4-FFF2-40B4-BE49-F238E27FC236}">
+                <a16:creationId xmlns:a16="http://schemas.microsoft.com/office/drawing/2014/main" id="{83F2E84D-CEE3-45B9-8A3B-4598AD42E828}"/>
+              </a:ext>
+            </a:extLst>
+          </p:cNvPr>
+          <p:cNvSpPr>
+            <a:spLocks noGrp="1"/>
+          </p:cNvSpPr>
+          <p:nvPr>
+            <p:ph type="title"/>
+          </p:nvPr>
+        </p:nvSpPr>
+        <p:spPr/>
+        <p:txBody>
+          <a:bodyPr/>
+          <a:lstStyle/>
+          <a:p>
+            <a:r>
+              <a:rPr lang="en-US" altLang="zh-CN" dirty="0"/>
+              <a:t>Today’s agenda: Latex Tutorial</a:t>
+            </a:r>
+            <a:endParaRPr lang="zh-CN" altLang="en-US" dirty="0"/>
+          </a:p>
+        </p:txBody>
+      </p:sp>
+      <p:sp>
+        <p:nvSpPr>
+          <p:cNvPr id="7" name="内容占位符 6">
+            <a:extLst>
+              <a:ext uri="{FF2B5EF4-FFF2-40B4-BE49-F238E27FC236}">
+                <a16:creationId xmlns:a16="http://schemas.microsoft.com/office/drawing/2014/main" id="{BC8307D7-E7B8-4C0C-AF79-988E89063675}"/>
+              </a:ext>
+            </a:extLst>
+          </p:cNvPr>
+          <p:cNvSpPr>
+            <a:spLocks noGrp="1"/>
+          </p:cNvSpPr>
+          <p:nvPr>
+            <p:ph idx="1"/>
+          </p:nvPr>
+        </p:nvSpPr>
+        <p:spPr/>
+        <p:txBody>
+          <a:bodyPr>
+            <a:normAutofit/>
+          </a:bodyPr>
+          <a:lstStyle/>
+          <a:p>
+            <a:pPr>
+              <a:buFont typeface="Wingdings" panose="05000000000000000000" pitchFamily="2" charset="2"/>
+              <a:buChar char="l"/>
+            </a:pPr>
+            <a:endParaRPr lang="en-US" altLang="zh-CN" sz="3200" dirty="0"/>
+          </a:p>
+          <a:p>
+            <a:pPr>
+              <a:buFont typeface="Wingdings" panose="05000000000000000000" pitchFamily="2" charset="2"/>
+              <a:buChar char="l"/>
+            </a:pPr>
+            <a:r>
+              <a:rPr lang="en-US" altLang="zh-CN" sz="3200" dirty="0"/>
+              <a:t>History and software installation</a:t>
+            </a:r>
+          </a:p>
+          <a:p>
+            <a:pPr>
+              <a:buFont typeface="Wingdings" panose="05000000000000000000" pitchFamily="2" charset="2"/>
+              <a:buChar char="l"/>
+            </a:pPr>
+            <a:r>
+              <a:rPr lang="en-US" altLang="zh-CN" sz="3200" dirty="0"/>
+              <a:t>Input Files</a:t>
+            </a:r>
+          </a:p>
+          <a:p>
+            <a:pPr>
+              <a:buFont typeface="Wingdings" panose="05000000000000000000" pitchFamily="2" charset="2"/>
+              <a:buChar char="l"/>
+            </a:pPr>
+            <a:r>
+              <a:rPr lang="en-US" altLang="zh-CN" sz="3200" dirty="0"/>
+              <a:t>Typesetting Text</a:t>
+            </a:r>
+          </a:p>
+          <a:p>
+            <a:pPr>
+              <a:buFont typeface="Wingdings" panose="05000000000000000000" pitchFamily="2" charset="2"/>
+              <a:buChar char="l"/>
+            </a:pPr>
+            <a:r>
+              <a:rPr lang="en-US" altLang="zh-CN" sz="3200" dirty="0"/>
+              <a:t>Mathematical Formulae</a:t>
+            </a:r>
+          </a:p>
+          <a:p>
+            <a:pPr>
+              <a:buFont typeface="Wingdings" panose="05000000000000000000" pitchFamily="2" charset="2"/>
+              <a:buChar char="l"/>
+            </a:pPr>
+            <a:r>
+              <a:rPr lang="en-US" altLang="zh-CN" sz="3200" dirty="0"/>
+              <a:t>Specialties</a:t>
+            </a:r>
+          </a:p>
+        </p:txBody>
+      </p:sp>
+    </p:spTree>
+    <p:extLst>
+      <p:ext uri="{BB962C8B-B14F-4D97-AF65-F5344CB8AC3E}">
+        <p14:creationId xmlns:p14="http://schemas.microsoft.com/office/powerpoint/2010/main" val="1589704355"/>
+      </p:ext>
+    </p:extLst>
+  </p:cSld>
+  <p:clrMapOvr>
+    <a:masterClrMapping/>
+  </p:clrMapOvr>
+</p:sld>
+</file>
+
+<file path=ppt/slides/slide30.xml><?xml version="1.0" encoding="utf-8"?>
 <p:sld xmlns:a="http://schemas.openxmlformats.org/drawingml/2006/main" xmlns:r="http://schemas.openxmlformats.org/officeDocument/2006/relationships" xmlns:p="http://schemas.openxmlformats.org/presentationml/2006/main">
   <p:cSld>
     <p:spTree>
@@ -10665,7 +10871,7 @@
 </p:sld>
 </file>
 
-<file path=ppt/slides/slide3.xml><?xml version="1.0" encoding="utf-8"?>
+<file path=ppt/slides/slide31.xml><?xml version="1.0" encoding="utf-8"?>
 <p:sld xmlns:a="http://schemas.openxmlformats.org/drawingml/2006/main" xmlns:r="http://schemas.openxmlformats.org/officeDocument/2006/relationships" xmlns:p="http://schemas.openxmlformats.org/presentationml/2006/main">
   <p:cSld>
     <p:spTree>
@@ -10687,146 +10893,6 @@
           <p:cNvPr id="2" name="标题 1">
             <a:extLst>
               <a:ext uri="{FF2B5EF4-FFF2-40B4-BE49-F238E27FC236}">
-                <a16:creationId xmlns:a16="http://schemas.microsoft.com/office/drawing/2014/main" id="{83F2E84D-CEE3-45B9-8A3B-4598AD42E828}"/>
-              </a:ext>
-            </a:extLst>
-          </p:cNvPr>
-          <p:cNvSpPr>
-            <a:spLocks noGrp="1"/>
-          </p:cNvSpPr>
-          <p:nvPr>
-            <p:ph type="title"/>
-          </p:nvPr>
-        </p:nvSpPr>
-        <p:spPr/>
-        <p:txBody>
-          <a:bodyPr/>
-          <a:lstStyle/>
-          <a:p>
-            <a:r>
-              <a:rPr lang="en-US" altLang="zh-CN" dirty="0"/>
-              <a:t>Today’s agenda: Latex Tutorial</a:t>
-            </a:r>
-            <a:endParaRPr lang="zh-CN" altLang="en-US" dirty="0"/>
-          </a:p>
-        </p:txBody>
-      </p:sp>
-      <p:sp>
-        <p:nvSpPr>
-          <p:cNvPr id="7" name="内容占位符 6">
-            <a:extLst>
-              <a:ext uri="{FF2B5EF4-FFF2-40B4-BE49-F238E27FC236}">
-                <a16:creationId xmlns:a16="http://schemas.microsoft.com/office/drawing/2014/main" id="{BC8307D7-E7B8-4C0C-AF79-988E89063675}"/>
-              </a:ext>
-            </a:extLst>
-          </p:cNvPr>
-          <p:cNvSpPr>
-            <a:spLocks noGrp="1"/>
-          </p:cNvSpPr>
-          <p:nvPr>
-            <p:ph idx="1"/>
-          </p:nvPr>
-        </p:nvSpPr>
-        <p:spPr/>
-        <p:txBody>
-          <a:bodyPr>
-            <a:normAutofit/>
-          </a:bodyPr>
-          <a:lstStyle/>
-          <a:p>
-            <a:pPr>
-              <a:buFont typeface="Wingdings" panose="05000000000000000000" pitchFamily="2" charset="2"/>
-              <a:buChar char="l"/>
-            </a:pPr>
-            <a:endParaRPr lang="en-US" altLang="zh-CN" sz="3200" dirty="0"/>
-          </a:p>
-          <a:p>
-            <a:pPr>
-              <a:buFont typeface="Wingdings" panose="05000000000000000000" pitchFamily="2" charset="2"/>
-              <a:buChar char="l"/>
-            </a:pPr>
-            <a:r>
-              <a:rPr lang="en-US" altLang="zh-CN" sz="3200" dirty="0"/>
-              <a:t>History and software installation</a:t>
-            </a:r>
-          </a:p>
-          <a:p>
-            <a:pPr>
-              <a:buFont typeface="Wingdings" panose="05000000000000000000" pitchFamily="2" charset="2"/>
-              <a:buChar char="l"/>
-            </a:pPr>
-            <a:r>
-              <a:rPr lang="en-US" altLang="zh-CN" sz="3200" dirty="0"/>
-              <a:t>Input Files</a:t>
-            </a:r>
-          </a:p>
-          <a:p>
-            <a:pPr>
-              <a:buFont typeface="Wingdings" panose="05000000000000000000" pitchFamily="2" charset="2"/>
-              <a:buChar char="l"/>
-            </a:pPr>
-            <a:r>
-              <a:rPr lang="en-US" altLang="zh-CN" sz="3200" dirty="0"/>
-              <a:t>Typesetting Text</a:t>
-            </a:r>
-          </a:p>
-          <a:p>
-            <a:pPr>
-              <a:buFont typeface="Wingdings" panose="05000000000000000000" pitchFamily="2" charset="2"/>
-              <a:buChar char="l"/>
-            </a:pPr>
-            <a:r>
-              <a:rPr lang="en-US" altLang="zh-CN" sz="3200" dirty="0"/>
-              <a:t>Mathematical Formulae</a:t>
-            </a:r>
-          </a:p>
-          <a:p>
-            <a:pPr>
-              <a:buFont typeface="Wingdings" panose="05000000000000000000" pitchFamily="2" charset="2"/>
-              <a:buChar char="l"/>
-            </a:pPr>
-            <a:r>
-              <a:rPr lang="en-US" altLang="zh-CN" sz="3200" dirty="0"/>
-              <a:t>Specialties</a:t>
-            </a:r>
-          </a:p>
-        </p:txBody>
-      </p:sp>
-    </p:spTree>
-    <p:extLst>
-      <p:ext uri="{BB962C8B-B14F-4D97-AF65-F5344CB8AC3E}">
-        <p14:creationId xmlns:p14="http://schemas.microsoft.com/office/powerpoint/2010/main" val="1589704355"/>
-      </p:ext>
-    </p:extLst>
-  </p:cSld>
-  <p:clrMapOvr>
-    <a:masterClrMapping/>
-  </p:clrMapOvr>
-</p:sld>
-</file>
-
-<file path=ppt/slides/slide30.xml><?xml version="1.0" encoding="utf-8"?>
-<p:sld xmlns:a="http://schemas.openxmlformats.org/drawingml/2006/main" xmlns:r="http://schemas.openxmlformats.org/officeDocument/2006/relationships" xmlns:p="http://schemas.openxmlformats.org/presentationml/2006/main">
-  <p:cSld>
-    <p:spTree>
-      <p:nvGrpSpPr>
-        <p:cNvPr id="1" name=""/>
-        <p:cNvGrpSpPr/>
-        <p:nvPr/>
-      </p:nvGrpSpPr>
-      <p:grpSpPr>
-        <a:xfrm>
-          <a:off x="0" y="0"/>
-          <a:ext cx="0" cy="0"/>
-          <a:chOff x="0" y="0"/>
-          <a:chExt cx="0" cy="0"/>
-        </a:xfrm>
-      </p:grpSpPr>
-      <p:sp>
-        <p:nvSpPr>
-          <p:cNvPr id="2" name="标题 1">
-            <a:extLst>
-              <a:ext uri="{FF2B5EF4-FFF2-40B4-BE49-F238E27FC236}">
                 <a16:creationId xmlns:a16="http://schemas.microsoft.com/office/drawing/2014/main" id="{0B9AB2FE-4093-416B-AAE7-A4BEBBB4E2DB}"/>
               </a:ext>
             </a:extLst>
@@ -10896,7 +10962,7 @@
 </p:sld>
 </file>
 
-<file path=ppt/slides/slide31.xml><?xml version="1.0" encoding="utf-8"?>
+<file path=ppt/slides/slide32.xml><?xml version="1.0" encoding="utf-8"?>
 <p:sld xmlns:a="http://schemas.openxmlformats.org/drawingml/2006/main" xmlns:r="http://schemas.openxmlformats.org/officeDocument/2006/relationships" xmlns:p="http://schemas.openxmlformats.org/presentationml/2006/main">
   <p:cSld>
     <p:spTree>
@@ -11017,7 +11083,7 @@
 </p:sld>
 </file>
 
-<file path=ppt/slides/slide32.xml><?xml version="1.0" encoding="utf-8"?>
+<file path=ppt/slides/slide33.xml><?xml version="1.0" encoding="utf-8"?>
 <p:sld xmlns:a="http://schemas.openxmlformats.org/drawingml/2006/main" xmlns:r="http://schemas.openxmlformats.org/officeDocument/2006/relationships" xmlns:p="http://schemas.openxmlformats.org/presentationml/2006/main">
   <p:cSld>
     <p:spTree>
@@ -11108,7 +11174,7 @@
 </p:sld>
 </file>
 
-<file path=ppt/slides/slide33.xml><?xml version="1.0" encoding="utf-8"?>
+<file path=ppt/slides/slide34.xml><?xml version="1.0" encoding="utf-8"?>
 <p:sld xmlns:a="http://schemas.openxmlformats.org/drawingml/2006/main" xmlns:r="http://schemas.openxmlformats.org/officeDocument/2006/relationships" xmlns:p="http://schemas.openxmlformats.org/presentationml/2006/main">
   <p:cSld>
     <p:spTree>
@@ -11231,7 +11297,71 @@
 </p:sld>
 </file>
 
-<file path=ppt/slides/slide34.xml><?xml version="1.0" encoding="utf-8"?>
+<file path=ppt/slides/slide35.xml><?xml version="1.0" encoding="utf-8"?>
+<p:sld xmlns:a="http://schemas.openxmlformats.org/drawingml/2006/main" xmlns:r="http://schemas.openxmlformats.org/officeDocument/2006/relationships" xmlns:p="http://schemas.openxmlformats.org/presentationml/2006/main">
+  <p:cSld>
+    <p:spTree>
+      <p:nvGrpSpPr>
+        <p:cNvPr id="1" name=""/>
+        <p:cNvGrpSpPr/>
+        <p:nvPr/>
+      </p:nvGrpSpPr>
+      <p:grpSpPr>
+        <a:xfrm>
+          <a:off x="0" y="0"/>
+          <a:ext cx="0" cy="0"/>
+          <a:chOff x="0" y="0"/>
+          <a:chExt cx="0" cy="0"/>
+        </a:xfrm>
+      </p:grpSpPr>
+      <p:pic>
+        <p:nvPicPr>
+          <p:cNvPr id="7" name="图片 6">
+            <a:extLst>
+              <a:ext uri="{FF2B5EF4-FFF2-40B4-BE49-F238E27FC236}">
+                <a16:creationId xmlns:a16="http://schemas.microsoft.com/office/drawing/2014/main" id="{32A32B64-6CB0-457B-84A8-0ED13ADB167D}"/>
+              </a:ext>
+            </a:extLst>
+          </p:cNvPr>
+          <p:cNvPicPr>
+            <a:picLocks noChangeAspect="1"/>
+          </p:cNvPicPr>
+          <p:nvPr>
+            <p:custDataLst>
+              <p:tags r:id="rId1"/>
+            </p:custDataLst>
+          </p:nvPr>
+        </p:nvPicPr>
+        <p:blipFill>
+          <a:blip r:embed="rId3"/>
+          <a:stretch>
+            <a:fillRect/>
+          </a:stretch>
+        </p:blipFill>
+        <p:spPr>
+          <a:xfrm>
+            <a:off x="743472" y="2281816"/>
+            <a:ext cx="12584738" cy="3288134"/>
+          </a:xfrm>
+          <a:prstGeom prst="rect">
+            <a:avLst/>
+          </a:prstGeom>
+        </p:spPr>
+      </p:pic>
+    </p:spTree>
+    <p:extLst>
+      <p:ext uri="{BB962C8B-B14F-4D97-AF65-F5344CB8AC3E}">
+        <p14:creationId xmlns:p14="http://schemas.microsoft.com/office/powerpoint/2010/main" val="4172228059"/>
+      </p:ext>
+    </p:extLst>
+  </p:cSld>
+  <p:clrMapOvr>
+    <a:masterClrMapping/>
+  </p:clrMapOvr>
+</p:sld>
+</file>
+
+<file path=ppt/slides/slide36.xml><?xml version="1.0" encoding="utf-8"?>
 <p:sld xmlns:a="http://schemas.openxmlformats.org/drawingml/2006/main" xmlns:r="http://schemas.openxmlformats.org/officeDocument/2006/relationships" xmlns:p="http://schemas.openxmlformats.org/presentationml/2006/main">
   <p:cSld>
     <p:spTree>
@@ -11322,7 +11452,7 @@
 </p:sld>
 </file>
 
-<file path=ppt/slides/slide35.xml><?xml version="1.0" encoding="utf-8"?>
+<file path=ppt/slides/slide37.xml><?xml version="1.0" encoding="utf-8"?>
 <p:sld xmlns:a="http://schemas.openxmlformats.org/drawingml/2006/main" xmlns:r="http://schemas.openxmlformats.org/officeDocument/2006/relationships" xmlns:p="http://schemas.openxmlformats.org/presentationml/2006/main">
   <p:cSld>
     <p:spTree>
@@ -11525,7 +11655,7 @@
 </p:sld>
 </file>
 
-<file path=ppt/slides/slide36.xml><?xml version="1.0" encoding="utf-8"?>
+<file path=ppt/slides/slide38.xml><?xml version="1.0" encoding="utf-8"?>
 <p:sld xmlns:a="http://schemas.openxmlformats.org/drawingml/2006/main" xmlns:r="http://schemas.openxmlformats.org/officeDocument/2006/relationships" xmlns:p="http://schemas.openxmlformats.org/presentationml/2006/main">
   <p:cSld>
     <p:spTree>
@@ -11616,193 +11746,6 @@
 </p:sld>
 </file>
 
-<file path=ppt/slides/slide37.xml><?xml version="1.0" encoding="utf-8"?>
-<p:sld xmlns:a="http://schemas.openxmlformats.org/drawingml/2006/main" xmlns:r="http://schemas.openxmlformats.org/officeDocument/2006/relationships" xmlns:p="http://schemas.openxmlformats.org/presentationml/2006/main">
-  <p:cSld>
-    <p:spTree>
-      <p:nvGrpSpPr>
-        <p:cNvPr id="1" name=""/>
-        <p:cNvGrpSpPr/>
-        <p:nvPr/>
-      </p:nvGrpSpPr>
-      <p:grpSpPr>
-        <a:xfrm>
-          <a:off x="0" y="0"/>
-          <a:ext cx="0" cy="0"/>
-          <a:chOff x="0" y="0"/>
-          <a:chExt cx="0" cy="0"/>
-        </a:xfrm>
-      </p:grpSpPr>
-      <p:sp>
-        <p:nvSpPr>
-          <p:cNvPr id="2" name="标题 1">
-            <a:extLst>
-              <a:ext uri="{FF2B5EF4-FFF2-40B4-BE49-F238E27FC236}">
-                <a16:creationId xmlns:a16="http://schemas.microsoft.com/office/drawing/2014/main" id="{521AD368-9B06-4110-AA27-165FA0E48495}"/>
-              </a:ext>
-            </a:extLst>
-          </p:cNvPr>
-          <p:cNvSpPr>
-            <a:spLocks noGrp="1"/>
-          </p:cNvSpPr>
-          <p:nvPr>
-            <p:ph type="title"/>
-          </p:nvPr>
-        </p:nvSpPr>
-        <p:spPr/>
-        <p:txBody>
-          <a:bodyPr/>
-          <a:lstStyle/>
-          <a:p>
-            <a:r>
-              <a:rPr lang="en-GB" altLang="zh-CN" dirty="0"/>
-              <a:t>Lowercase Greek letters</a:t>
-            </a:r>
-            <a:endParaRPr lang="zh-CN" altLang="en-US" dirty="0"/>
-          </a:p>
-        </p:txBody>
-      </p:sp>
-      <p:sp>
-        <p:nvSpPr>
-          <p:cNvPr id="3" name="内容占位符 2">
-            <a:extLst>
-              <a:ext uri="{FF2B5EF4-FFF2-40B4-BE49-F238E27FC236}">
-                <a16:creationId xmlns:a16="http://schemas.microsoft.com/office/drawing/2014/main" id="{514F3810-5AD2-48E3-9CD9-DA1159701AC2}"/>
-              </a:ext>
-            </a:extLst>
-          </p:cNvPr>
-          <p:cNvSpPr>
-            <a:spLocks noGrp="1"/>
-          </p:cNvSpPr>
-          <p:nvPr>
-            <p:ph idx="1"/>
-          </p:nvPr>
-        </p:nvSpPr>
-        <p:spPr/>
-        <p:txBody>
-          <a:bodyPr>
-            <a:normAutofit/>
-          </a:bodyPr>
-          <a:lstStyle/>
-          <a:p>
-            <a:r>
-              <a:rPr lang="sv-SE" altLang="zh-CN" sz="3200" dirty="0"/>
-              <a:t>\alpha, \beta, \gamma, …,</a:t>
-            </a:r>
-          </a:p>
-          <a:p>
-            <a:r>
-              <a:rPr lang="sv-SE" altLang="zh-CN" sz="3200" dirty="0"/>
-              <a:t>uppercase letters are entered as \Gamma, \Delta,</a:t>
-            </a:r>
-            <a:endParaRPr lang="zh-CN" altLang="en-US" sz="3200" dirty="0"/>
-          </a:p>
-        </p:txBody>
-      </p:sp>
-    </p:spTree>
-    <p:extLst>
-      <p:ext uri="{BB962C8B-B14F-4D97-AF65-F5344CB8AC3E}">
-        <p14:creationId xmlns:p14="http://schemas.microsoft.com/office/powerpoint/2010/main" val="3018806152"/>
-      </p:ext>
-    </p:extLst>
-  </p:cSld>
-  <p:clrMapOvr>
-    <a:masterClrMapping/>
-  </p:clrMapOvr>
-</p:sld>
-</file>
-
-<file path=ppt/slides/slide38.xml><?xml version="1.0" encoding="utf-8"?>
-<p:sld xmlns:a="http://schemas.openxmlformats.org/drawingml/2006/main" xmlns:r="http://schemas.openxmlformats.org/officeDocument/2006/relationships" xmlns:p="http://schemas.openxmlformats.org/presentationml/2006/main">
-  <p:cSld>
-    <p:spTree>
-      <p:nvGrpSpPr>
-        <p:cNvPr id="1" name=""/>
-        <p:cNvGrpSpPr/>
-        <p:nvPr/>
-      </p:nvGrpSpPr>
-      <p:grpSpPr>
-        <a:xfrm>
-          <a:off x="0" y="0"/>
-          <a:ext cx="0" cy="0"/>
-          <a:chOff x="0" y="0"/>
-          <a:chExt cx="0" cy="0"/>
-        </a:xfrm>
-      </p:grpSpPr>
-      <p:sp>
-        <p:nvSpPr>
-          <p:cNvPr id="2" name="标题 1">
-            <a:extLst>
-              <a:ext uri="{FF2B5EF4-FFF2-40B4-BE49-F238E27FC236}">
-                <a16:creationId xmlns:a16="http://schemas.microsoft.com/office/drawing/2014/main" id="{65D42D1B-083C-4D6B-8793-36FCB66A6688}"/>
-              </a:ext>
-            </a:extLst>
-          </p:cNvPr>
-          <p:cNvSpPr>
-            <a:spLocks noGrp="1"/>
-          </p:cNvSpPr>
-          <p:nvPr>
-            <p:ph type="title"/>
-          </p:nvPr>
-        </p:nvSpPr>
-        <p:spPr/>
-        <p:txBody>
-          <a:bodyPr/>
-          <a:lstStyle/>
-          <a:p>
-            <a:r>
-              <a:rPr lang="en-GB" altLang="zh-CN" dirty="0"/>
-              <a:t>Exponents, Superscripts and Subscripts</a:t>
-            </a:r>
-            <a:endParaRPr lang="zh-CN" altLang="en-US" dirty="0"/>
-          </a:p>
-        </p:txBody>
-      </p:sp>
-      <p:pic>
-        <p:nvPicPr>
-          <p:cNvPr id="4" name="内容占位符 3">
-            <a:extLst>
-              <a:ext uri="{FF2B5EF4-FFF2-40B4-BE49-F238E27FC236}">
-                <a16:creationId xmlns:a16="http://schemas.microsoft.com/office/drawing/2014/main" id="{9FD258A6-D503-47AB-B80B-25DE59A1550F}"/>
-              </a:ext>
-            </a:extLst>
-          </p:cNvPr>
-          <p:cNvPicPr>
-            <a:picLocks noGrp="1" noChangeAspect="1"/>
-          </p:cNvPicPr>
-          <p:nvPr>
-            <p:ph idx="1"/>
-          </p:nvPr>
-        </p:nvPicPr>
-        <p:blipFill>
-          <a:blip r:embed="rId3"/>
-          <a:stretch>
-            <a:fillRect/>
-          </a:stretch>
-        </p:blipFill>
-        <p:spPr>
-          <a:xfrm>
-            <a:off x="817264" y="2924312"/>
-            <a:ext cx="10058400" cy="1759050"/>
-          </a:xfrm>
-          <a:prstGeom prst="rect">
-            <a:avLst/>
-          </a:prstGeom>
-        </p:spPr>
-      </p:pic>
-    </p:spTree>
-    <p:extLst>
-      <p:ext uri="{BB962C8B-B14F-4D97-AF65-F5344CB8AC3E}">
-        <p14:creationId xmlns:p14="http://schemas.microsoft.com/office/powerpoint/2010/main" val="3661812196"/>
-      </p:ext>
-    </p:extLst>
-  </p:cSld>
-  <p:clrMapOvr>
-    <a:masterClrMapping/>
-  </p:clrMapOvr>
-</p:sld>
-</file>
-
 <file path=ppt/slides/slide39.xml><?xml version="1.0" encoding="utf-8"?>
 <p:sld xmlns:a="http://schemas.openxmlformats.org/drawingml/2006/main" xmlns:r="http://schemas.openxmlformats.org/officeDocument/2006/relationships" xmlns:p="http://schemas.openxmlformats.org/presentationml/2006/main">
   <p:cSld>
@@ -11825,7 +11768,7 @@
           <p:cNvPr id="2" name="标题 1">
             <a:extLst>
               <a:ext uri="{FF2B5EF4-FFF2-40B4-BE49-F238E27FC236}">
-                <a16:creationId xmlns:a16="http://schemas.microsoft.com/office/drawing/2014/main" id="{0B9AB2FE-4093-416B-AAE7-A4BEBBB4E2DB}"/>
+                <a16:creationId xmlns:a16="http://schemas.microsoft.com/office/drawing/2014/main" id="{521AD368-9B06-4110-AA27-165FA0E48495}"/>
               </a:ext>
             </a:extLst>
           </p:cNvPr>
@@ -11843,7 +11786,7 @@
           <a:p>
             <a:r>
               <a:rPr lang="en-GB" altLang="zh-CN" dirty="0"/>
-              <a:t>Specialities</a:t>
+              <a:t>Lowercase Greek letters</a:t>
             </a:r>
             <a:endParaRPr lang="zh-CN" altLang="en-US" dirty="0"/>
           </a:p>
@@ -11851,10 +11794,10 @@
       </p:sp>
       <p:sp>
         <p:nvSpPr>
-          <p:cNvPr id="3" name="文本占位符 2">
+          <p:cNvPr id="3" name="内容占位符 2">
             <a:extLst>
               <a:ext uri="{FF2B5EF4-FFF2-40B4-BE49-F238E27FC236}">
-                <a16:creationId xmlns:a16="http://schemas.microsoft.com/office/drawing/2014/main" id="{81043F5E-A9C7-4F06-BDA3-5C7D4B49AAF7}"/>
+                <a16:creationId xmlns:a16="http://schemas.microsoft.com/office/drawing/2014/main" id="{514F3810-5AD2-48E3-9CD9-DA1159701AC2}"/>
               </a:ext>
             </a:extLst>
           </p:cNvPr>
@@ -11862,22 +11805,34 @@
             <a:spLocks noGrp="1"/>
           </p:cNvSpPr>
           <p:nvPr>
-            <p:ph type="body" idx="1"/>
-          </p:nvPr>
-        </p:nvSpPr>
-        <p:spPr/>
-        <p:txBody>
-          <a:bodyPr/>
-          <a:lstStyle/>
-          <a:p>
-            <a:endParaRPr lang="zh-CN" altLang="en-US" dirty="0"/>
+            <p:ph idx="1"/>
+          </p:nvPr>
+        </p:nvSpPr>
+        <p:spPr/>
+        <p:txBody>
+          <a:bodyPr>
+            <a:normAutofit/>
+          </a:bodyPr>
+          <a:lstStyle/>
+          <a:p>
+            <a:r>
+              <a:rPr lang="sv-SE" altLang="zh-CN" sz="3200" dirty="0"/>
+              <a:t>\alpha, \beta, \gamma, …,</a:t>
+            </a:r>
+          </a:p>
+          <a:p>
+            <a:r>
+              <a:rPr lang="sv-SE" altLang="zh-CN" sz="3200" dirty="0"/>
+              <a:t>uppercase letters are entered as \Gamma, \Delta,</a:t>
+            </a:r>
+            <a:endParaRPr lang="zh-CN" altLang="en-US" sz="3200" dirty="0"/>
           </a:p>
         </p:txBody>
       </p:sp>
     </p:spTree>
     <p:extLst>
       <p:ext uri="{BB962C8B-B14F-4D97-AF65-F5344CB8AC3E}">
-        <p14:creationId xmlns:p14="http://schemas.microsoft.com/office/powerpoint/2010/main" val="2856053494"/>
+        <p14:creationId xmlns:p14="http://schemas.microsoft.com/office/powerpoint/2010/main" val="3018806152"/>
       </p:ext>
     </p:extLst>
   </p:cSld>
@@ -11969,6 +11924,181 @@
           <p:cNvPr id="2" name="标题 1">
             <a:extLst>
               <a:ext uri="{FF2B5EF4-FFF2-40B4-BE49-F238E27FC236}">
+                <a16:creationId xmlns:a16="http://schemas.microsoft.com/office/drawing/2014/main" id="{65D42D1B-083C-4D6B-8793-36FCB66A6688}"/>
+              </a:ext>
+            </a:extLst>
+          </p:cNvPr>
+          <p:cNvSpPr>
+            <a:spLocks noGrp="1"/>
+          </p:cNvSpPr>
+          <p:nvPr>
+            <p:ph type="title"/>
+          </p:nvPr>
+        </p:nvSpPr>
+        <p:spPr/>
+        <p:txBody>
+          <a:bodyPr/>
+          <a:lstStyle/>
+          <a:p>
+            <a:r>
+              <a:rPr lang="en-GB" altLang="zh-CN" dirty="0"/>
+              <a:t>Exponents, Superscripts and Subscripts</a:t>
+            </a:r>
+            <a:endParaRPr lang="zh-CN" altLang="en-US" dirty="0"/>
+          </a:p>
+        </p:txBody>
+      </p:sp>
+      <p:pic>
+        <p:nvPicPr>
+          <p:cNvPr id="4" name="内容占位符 3">
+            <a:extLst>
+              <a:ext uri="{FF2B5EF4-FFF2-40B4-BE49-F238E27FC236}">
+                <a16:creationId xmlns:a16="http://schemas.microsoft.com/office/drawing/2014/main" id="{9FD258A6-D503-47AB-B80B-25DE59A1550F}"/>
+              </a:ext>
+            </a:extLst>
+          </p:cNvPr>
+          <p:cNvPicPr>
+            <a:picLocks noGrp="1" noChangeAspect="1"/>
+          </p:cNvPicPr>
+          <p:nvPr>
+            <p:ph idx="1"/>
+          </p:nvPr>
+        </p:nvPicPr>
+        <p:blipFill>
+          <a:blip r:embed="rId3"/>
+          <a:stretch>
+            <a:fillRect/>
+          </a:stretch>
+        </p:blipFill>
+        <p:spPr>
+          <a:xfrm>
+            <a:off x="817264" y="2924312"/>
+            <a:ext cx="10058400" cy="1759050"/>
+          </a:xfrm>
+          <a:prstGeom prst="rect">
+            <a:avLst/>
+          </a:prstGeom>
+        </p:spPr>
+      </p:pic>
+    </p:spTree>
+    <p:extLst>
+      <p:ext uri="{BB962C8B-B14F-4D97-AF65-F5344CB8AC3E}">
+        <p14:creationId xmlns:p14="http://schemas.microsoft.com/office/powerpoint/2010/main" val="3661812196"/>
+      </p:ext>
+    </p:extLst>
+  </p:cSld>
+  <p:clrMapOvr>
+    <a:masterClrMapping/>
+  </p:clrMapOvr>
+</p:sld>
+</file>
+
+<file path=ppt/slides/slide41.xml><?xml version="1.0" encoding="utf-8"?>
+<p:sld xmlns:a="http://schemas.openxmlformats.org/drawingml/2006/main" xmlns:r="http://schemas.openxmlformats.org/officeDocument/2006/relationships" xmlns:p="http://schemas.openxmlformats.org/presentationml/2006/main">
+  <p:cSld>
+    <p:spTree>
+      <p:nvGrpSpPr>
+        <p:cNvPr id="1" name=""/>
+        <p:cNvGrpSpPr/>
+        <p:nvPr/>
+      </p:nvGrpSpPr>
+      <p:grpSpPr>
+        <a:xfrm>
+          <a:off x="0" y="0"/>
+          <a:ext cx="0" cy="0"/>
+          <a:chOff x="0" y="0"/>
+          <a:chExt cx="0" cy="0"/>
+        </a:xfrm>
+      </p:grpSpPr>
+      <p:sp>
+        <p:nvSpPr>
+          <p:cNvPr id="2" name="标题 1">
+            <a:extLst>
+              <a:ext uri="{FF2B5EF4-FFF2-40B4-BE49-F238E27FC236}">
+                <a16:creationId xmlns:a16="http://schemas.microsoft.com/office/drawing/2014/main" id="{0B9AB2FE-4093-416B-AAE7-A4BEBBB4E2DB}"/>
+              </a:ext>
+            </a:extLst>
+          </p:cNvPr>
+          <p:cNvSpPr>
+            <a:spLocks noGrp="1"/>
+          </p:cNvSpPr>
+          <p:nvPr>
+            <p:ph type="title"/>
+          </p:nvPr>
+        </p:nvSpPr>
+        <p:spPr/>
+        <p:txBody>
+          <a:bodyPr/>
+          <a:lstStyle/>
+          <a:p>
+            <a:r>
+              <a:rPr lang="en-GB" altLang="zh-CN" dirty="0"/>
+              <a:t>Specialities</a:t>
+            </a:r>
+            <a:endParaRPr lang="zh-CN" altLang="en-US" dirty="0"/>
+          </a:p>
+        </p:txBody>
+      </p:sp>
+      <p:sp>
+        <p:nvSpPr>
+          <p:cNvPr id="3" name="文本占位符 2">
+            <a:extLst>
+              <a:ext uri="{FF2B5EF4-FFF2-40B4-BE49-F238E27FC236}">
+                <a16:creationId xmlns:a16="http://schemas.microsoft.com/office/drawing/2014/main" id="{81043F5E-A9C7-4F06-BDA3-5C7D4B49AAF7}"/>
+              </a:ext>
+            </a:extLst>
+          </p:cNvPr>
+          <p:cNvSpPr>
+            <a:spLocks noGrp="1"/>
+          </p:cNvSpPr>
+          <p:nvPr>
+            <p:ph type="body" idx="1"/>
+          </p:nvPr>
+        </p:nvSpPr>
+        <p:spPr/>
+        <p:txBody>
+          <a:bodyPr/>
+          <a:lstStyle/>
+          <a:p>
+            <a:endParaRPr lang="zh-CN" altLang="en-US" dirty="0"/>
+          </a:p>
+        </p:txBody>
+      </p:sp>
+    </p:spTree>
+    <p:extLst>
+      <p:ext uri="{BB962C8B-B14F-4D97-AF65-F5344CB8AC3E}">
+        <p14:creationId xmlns:p14="http://schemas.microsoft.com/office/powerpoint/2010/main" val="2856053494"/>
+      </p:ext>
+    </p:extLst>
+  </p:cSld>
+  <p:clrMapOvr>
+    <a:masterClrMapping/>
+  </p:clrMapOvr>
+</p:sld>
+</file>
+
+<file path=ppt/slides/slide42.xml><?xml version="1.0" encoding="utf-8"?>
+<p:sld xmlns:a="http://schemas.openxmlformats.org/drawingml/2006/main" xmlns:r="http://schemas.openxmlformats.org/officeDocument/2006/relationships" xmlns:p="http://schemas.openxmlformats.org/presentationml/2006/main">
+  <p:cSld>
+    <p:spTree>
+      <p:nvGrpSpPr>
+        <p:cNvPr id="1" name=""/>
+        <p:cNvGrpSpPr/>
+        <p:nvPr/>
+      </p:nvGrpSpPr>
+      <p:grpSpPr>
+        <a:xfrm>
+          <a:off x="0" y="0"/>
+          <a:ext cx="0" cy="0"/>
+          <a:chOff x="0" y="0"/>
+          <a:chExt cx="0" cy="0"/>
+        </a:xfrm>
+      </p:grpSpPr>
+      <p:sp>
+        <p:nvSpPr>
+          <p:cNvPr id="2" name="标题 1">
+            <a:extLst>
+              <a:ext uri="{FF2B5EF4-FFF2-40B4-BE49-F238E27FC236}">
                 <a16:creationId xmlns:a16="http://schemas.microsoft.com/office/drawing/2014/main" id="{C635C24D-2413-4E91-89F8-745CDF46094D}"/>
               </a:ext>
             </a:extLst>
@@ -12098,7 +12228,7 @@
 </p:sld>
 </file>
 
-<file path=ppt/slides/slide41.xml><?xml version="1.0" encoding="utf-8"?>
+<file path=ppt/slides/slide43.xml><?xml version="1.0" encoding="utf-8"?>
 <p:sld xmlns:a="http://schemas.openxmlformats.org/drawingml/2006/main" xmlns:r="http://schemas.openxmlformats.org/officeDocument/2006/relationships" xmlns:p="http://schemas.openxmlformats.org/presentationml/2006/main">
   <p:cSld>
     <p:spTree>
@@ -12182,7 +12312,7 @@
 </p:sld>
 </file>
 
-<file path=ppt/slides/slide42.xml><?xml version="1.0" encoding="utf-8"?>
+<file path=ppt/slides/slide44.xml><?xml version="1.0" encoding="utf-8"?>
 <p:sld xmlns:a="http://schemas.openxmlformats.org/drawingml/2006/main" xmlns:r="http://schemas.openxmlformats.org/officeDocument/2006/relationships" xmlns:p="http://schemas.openxmlformats.org/presentationml/2006/main">
   <p:cSld>
     <p:spTree>
@@ -13112,6 +13242,44 @@
     <a:masterClrMapping/>
   </p:clrMapOvr>
 </p:sld>
+</file>
+
+<file path=ppt/tags/tag1.xml><?xml version="1.0" encoding="utf-8"?>
+<p:tagLst xmlns:a="http://schemas.openxmlformats.org/drawingml/2006/main" xmlns:r="http://schemas.openxmlformats.org/officeDocument/2006/relationships" xmlns:p="http://schemas.openxmlformats.org/presentationml/2006/main">
+  <p:tag name="OUTPUTDPI" val="1200"/>
+  <p:tag name="ORIGINALHEIGHT" val="110.25"/>
+  <p:tag name="ORIGINALWIDTH" val="1393.5"/>
+  <p:tag name="LATEXADDIN" val="\documentclass{article}&#10;\usepackage{amsmath}&#10;\pagestyle{empty}&#10;\begin{document}&#10;&#10;two {} spaces&#10;three {} {} spaces&#10;&#10;\end{document}"/>
+  <p:tag name="IGUANATEXSIZE" val="20"/>
+  <p:tag name="IGUANATEXCURSOR" val="114"/>
+  <p:tag name="TRANSPARENCY" val="True"/>
+  <p:tag name="FILENAME" val=""/>
+  <p:tag name="LATEXENGINEID" val="0"/>
+  <p:tag name="TEMPFOLDER" val="C:\Users\steve\"/>
+  <p:tag name="LATEXFORMHEIGHT" val="312"/>
+  <p:tag name="LATEXFORMWIDTH" val="384"/>
+  <p:tag name="LATEXFORMWRAP" val="True"/>
+  <p:tag name="BITMAPVECTOR" val="0"/>
+</p:tagLst>
+</file>
+
+<file path=ppt/tags/tag2.xml><?xml version="1.0" encoding="utf-8"?>
+<p:tagLst xmlns:a="http://schemas.openxmlformats.org/drawingml/2006/main" xmlns:r="http://schemas.openxmlformats.org/officeDocument/2006/relationships" xmlns:p="http://schemas.openxmlformats.org/presentationml/2006/main">
+  <p:tag name="OUTPUTDPI" val="1200"/>
+  <p:tag name="ORIGINALHEIGHT" val="291"/>
+  <p:tag name="ORIGINALWIDTH" val="1113.75"/>
+  <p:tag name="LATEXADDIN" val="\documentclass{article}&#10;\usepackage{amsmath}&#10;\pagestyle{empty}&#10;\begin{document}&#10;&#10;This is $d_{e_{e_p}}$.&#10;&#10;This line is less \smash{$d_{e_{e_p}}$}.&#10;&#10;&#10;\end{document}"/>
+  <p:tag name="IGUANATEXSIZE" val="20"/>
+  <p:tag name="IGUANATEXCURSOR" val="104"/>
+  <p:tag name="TRANSPARENCY" val="True"/>
+  <p:tag name="FILENAME" val=""/>
+  <p:tag name="LATEXENGINEID" val="0"/>
+  <p:tag name="TEMPFOLDER" val="C:\Users\steve\"/>
+  <p:tag name="LATEXFORMHEIGHT" val="312"/>
+  <p:tag name="LATEXFORMWIDTH" val="384"/>
+  <p:tag name="LATEXFORMWRAP" val="True"/>
+  <p:tag name="BITMAPVECTOR" val="0"/>
+</p:tagLst>
 </file>
 
 <file path=ppt/theme/theme1.xml><?xml version="1.0" encoding="utf-8"?>

--- a/AI_Precourse/Week2_Latex.pptx
+++ b/AI_Precourse/Week2_Latex.pptx
@@ -5,51 +5,51 @@
     <p:sldMasterId id="2147483648" r:id="rId1"/>
   </p:sldMasterIdLst>
   <p:notesMasterIdLst>
-    <p:notesMasterId r:id="rId44"/>
+    <p:notesMasterId r:id="rId8"/>
   </p:notesMasterIdLst>
   <p:sldIdLst>
-    <p:sldId id="256" r:id="rId2"/>
-    <p:sldId id="257" r:id="rId3"/>
-    <p:sldId id="314" r:id="rId4"/>
-    <p:sldId id="328" r:id="rId5"/>
-    <p:sldId id="329" r:id="rId6"/>
-    <p:sldId id="330" r:id="rId7"/>
-    <p:sldId id="331" r:id="rId8"/>
-    <p:sldId id="335" r:id="rId9"/>
-    <p:sldId id="332" r:id="rId10"/>
-    <p:sldId id="336" r:id="rId11"/>
-    <p:sldId id="337" r:id="rId12"/>
-    <p:sldId id="339" r:id="rId13"/>
-    <p:sldId id="340" r:id="rId14"/>
-    <p:sldId id="341" r:id="rId15"/>
-    <p:sldId id="343" r:id="rId16"/>
-    <p:sldId id="344" r:id="rId17"/>
-    <p:sldId id="338" r:id="rId18"/>
-    <p:sldId id="345" r:id="rId19"/>
-    <p:sldId id="346" r:id="rId20"/>
-    <p:sldId id="347" r:id="rId21"/>
-    <p:sldId id="348" r:id="rId22"/>
-    <p:sldId id="349" r:id="rId23"/>
-    <p:sldId id="350" r:id="rId24"/>
-    <p:sldId id="333" r:id="rId25"/>
-    <p:sldId id="334" r:id="rId26"/>
-    <p:sldId id="351" r:id="rId27"/>
-    <p:sldId id="352" r:id="rId28"/>
-    <p:sldId id="353" r:id="rId29"/>
-    <p:sldId id="354" r:id="rId30"/>
-    <p:sldId id="357" r:id="rId31"/>
-    <p:sldId id="359" r:id="rId32"/>
-    <p:sldId id="360" r:id="rId33"/>
-    <p:sldId id="361" r:id="rId34"/>
-    <p:sldId id="362" r:id="rId35"/>
-    <p:sldId id="364" r:id="rId36"/>
-    <p:sldId id="363" r:id="rId37"/>
-    <p:sldId id="365" r:id="rId38"/>
-    <p:sldId id="366" r:id="rId39"/>
-    <p:sldId id="358" r:id="rId40"/>
-    <p:sldId id="355" r:id="rId41"/>
-    <p:sldId id="356" r:id="rId42"/>
-    <p:sldId id="342" r:id="rId43"/>
+    <p:sldId id="256" r:id="rId3"/>
+    <p:sldId id="257" r:id="rId4"/>
+    <p:sldId id="314" r:id="rId5"/>
+    <p:sldId id="328" r:id="rId6"/>
+    <p:sldId id="329" r:id="rId7"/>
+    <p:sldId id="330" r:id="rId9"/>
+    <p:sldId id="331" r:id="rId10"/>
+    <p:sldId id="335" r:id="rId11"/>
+    <p:sldId id="332" r:id="rId12"/>
+    <p:sldId id="336" r:id="rId13"/>
+    <p:sldId id="337" r:id="rId14"/>
+    <p:sldId id="339" r:id="rId15"/>
+    <p:sldId id="340" r:id="rId16"/>
+    <p:sldId id="341" r:id="rId17"/>
+    <p:sldId id="343" r:id="rId18"/>
+    <p:sldId id="344" r:id="rId19"/>
+    <p:sldId id="338" r:id="rId20"/>
+    <p:sldId id="345" r:id="rId21"/>
+    <p:sldId id="346" r:id="rId22"/>
+    <p:sldId id="347" r:id="rId23"/>
+    <p:sldId id="348" r:id="rId24"/>
+    <p:sldId id="349" r:id="rId25"/>
+    <p:sldId id="350" r:id="rId26"/>
+    <p:sldId id="333" r:id="rId27"/>
+    <p:sldId id="334" r:id="rId28"/>
+    <p:sldId id="351" r:id="rId29"/>
+    <p:sldId id="352" r:id="rId30"/>
+    <p:sldId id="353" r:id="rId31"/>
+    <p:sldId id="354" r:id="rId32"/>
+    <p:sldId id="357" r:id="rId33"/>
+    <p:sldId id="359" r:id="rId34"/>
+    <p:sldId id="360" r:id="rId35"/>
+    <p:sldId id="361" r:id="rId36"/>
+    <p:sldId id="362" r:id="rId37"/>
+    <p:sldId id="364" r:id="rId38"/>
+    <p:sldId id="363" r:id="rId39"/>
+    <p:sldId id="365" r:id="rId40"/>
+    <p:sldId id="366" r:id="rId41"/>
+    <p:sldId id="358" r:id="rId42"/>
+    <p:sldId id="355" r:id="rId43"/>
+    <p:sldId id="356" r:id="rId44"/>
+    <p:sldId id="342" r:id="rId45"/>
   </p:sldIdLst>
   <p:sldSz cx="12192000" cy="6858000"/>
   <p:notesSz cx="6858000" cy="9144000"/>
@@ -148,11 +148,6 @@
       </a:defRPr>
     </a:lvl9pPr>
   </p:defaultTextStyle>
-  <p:extLst>
-    <p:ext uri="{EFAFB233-063F-42B5-8137-9DF3F51BA10A}">
-      <p15:sldGuideLst xmlns:p15="http://schemas.microsoft.com/office/powerpoint/2012/main"/>
-    </p:ext>
-  </p:extLst>
 </p:presentation>
 </file>
 
@@ -238,7 +233,6 @@
           <a:p>
             <a:fld id="{7D19DF80-F79F-43E6-A18A-9BE4C93656DA}" type="datetimeFigureOut">
               <a:rPr lang="zh-CN" altLang="en-US" smtClean="0"/>
-              <a:t>2019/3/25</a:t>
             </a:fld>
             <a:endParaRPr lang="zh-CN" altLang="en-US"/>
           </a:p>
@@ -305,6 +299,7 @@
               <a:rPr lang="zh-CN" altLang="en-US"/>
               <a:t>编辑母版文本样式</a:t>
             </a:r>
+            <a:endParaRPr lang="zh-CN" altLang="en-US"/>
           </a:p>
           <a:p>
             <a:pPr lvl="1"/>
@@ -312,6 +307,7 @@
               <a:rPr lang="zh-CN" altLang="en-US"/>
               <a:t>第二级</a:t>
             </a:r>
+            <a:endParaRPr lang="zh-CN" altLang="en-US"/>
           </a:p>
           <a:p>
             <a:pPr lvl="2"/>
@@ -319,6 +315,7 @@
               <a:rPr lang="zh-CN" altLang="en-US"/>
               <a:t>第三级</a:t>
             </a:r>
+            <a:endParaRPr lang="zh-CN" altLang="en-US"/>
           </a:p>
           <a:p>
             <a:pPr lvl="3"/>
@@ -326,6 +323,7 @@
               <a:rPr lang="zh-CN" altLang="en-US"/>
               <a:t>第四级</a:t>
             </a:r>
+            <a:endParaRPr lang="zh-CN" altLang="en-US"/>
           </a:p>
           <a:p>
             <a:pPr lvl="4"/>
@@ -333,6 +331,7 @@
               <a:rPr lang="zh-CN" altLang="en-US"/>
               <a:t>第五级</a:t>
             </a:r>
+            <a:endParaRPr lang="zh-CN" altLang="en-US"/>
           </a:p>
         </p:txBody>
       </p:sp>
@@ -396,18 +395,12 @@
           <a:p>
             <a:fld id="{D0CA3166-A36D-43A3-A50C-6C4A4EA83EFC}" type="slidenum">
               <a:rPr lang="zh-CN" altLang="en-US" smtClean="0"/>
-              <a:t>‹#›</a:t>
             </a:fld>
             <a:endParaRPr lang="zh-CN" altLang="en-US"/>
           </a:p>
         </p:txBody>
       </p:sp>
     </p:spTree>
-    <p:extLst>
-      <p:ext uri="{BB962C8B-B14F-4D97-AF65-F5344CB8AC3E}">
-        <p14:creationId xmlns:p14="http://schemas.microsoft.com/office/powerpoint/2010/main" val="4114517264"/>
-      </p:ext>
-    </p:extLst>
   </p:cSld>
   <p:clrMap bg1="lt1" tx1="dk1" bg2="lt2" tx2="dk2" accent1="accent1" accent2="accent2" accent3="accent3" accent4="accent4" accent5="accent5" accent6="accent6" hlink="hlink" folHlink="folHlink"/>
   <p:notesStyle>
@@ -563,13 +556,13 @@
               <a:buSzTx/>
               <a:buFontTx/>
               <a:buNone/>
-              <a:tabLst/>
               <a:defRPr/>
             </a:pPr>
             <a:r>
               <a:rPr lang="en-US" altLang="zh-CN" dirty="0"/>
               <a:t>(anyone here use Linux or Mac OS?)</a:t>
             </a:r>
+            <a:endParaRPr lang="en-US" altLang="zh-CN" dirty="0"/>
           </a:p>
           <a:p>
             <a:endParaRPr lang="zh-CN" altLang="en-US" dirty="0"/>
@@ -593,18 +586,12 @@
           <a:p>
             <a:fld id="{D0CA3166-A36D-43A3-A50C-6C4A4EA83EFC}" type="slidenum">
               <a:rPr lang="zh-CN" altLang="en-US" smtClean="0"/>
-              <a:t>5</a:t>
             </a:fld>
             <a:endParaRPr lang="zh-CN" altLang="en-US"/>
           </a:p>
         </p:txBody>
       </p:sp>
     </p:spTree>
-    <p:extLst>
-      <p:ext uri="{BB962C8B-B14F-4D97-AF65-F5344CB8AC3E}">
-        <p14:creationId xmlns:p14="http://schemas.microsoft.com/office/powerpoint/2010/main" val="1360924523"/>
-      </p:ext>
-    </p:extLst>
   </p:cSld>
   <p:clrMapOvr>
     <a:masterClrMapping/>
@@ -663,12 +650,14 @@
               <a:rPr lang="en-GB" altLang="zh-CN" sz="1200" dirty="0"/>
               <a:t>Now you enter the text mixed with some useful Latex commands. At</a:t>
             </a:r>
+            <a:endParaRPr lang="en-GB" altLang="zh-CN" sz="1200" dirty="0"/>
           </a:p>
           <a:p>
             <a:r>
               <a:rPr lang="en-GB" altLang="zh-CN" sz="1200" dirty="0"/>
               <a:t>the end of the document you add the</a:t>
             </a:r>
+            <a:endParaRPr lang="en-GB" altLang="zh-CN" sz="1200" dirty="0"/>
           </a:p>
           <a:p>
             <a:endParaRPr lang="en-GB" altLang="zh-CN" dirty="0"/>
@@ -710,18 +699,12 @@
           <a:p>
             <a:fld id="{D0CA3166-A36D-43A3-A50C-6C4A4EA83EFC}" type="slidenum">
               <a:rPr lang="zh-CN" altLang="en-US" smtClean="0"/>
-              <a:t>18</a:t>
             </a:fld>
             <a:endParaRPr lang="zh-CN" altLang="en-US"/>
           </a:p>
         </p:txBody>
       </p:sp>
     </p:spTree>
-    <p:extLst>
-      <p:ext uri="{BB962C8B-B14F-4D97-AF65-F5344CB8AC3E}">
-        <p14:creationId xmlns:p14="http://schemas.microsoft.com/office/powerpoint/2010/main" val="2167483904"/>
-      </p:ext>
-    </p:extLst>
   </p:cSld>
   <p:clrMapOvr>
     <a:masterClrMapping/>
@@ -777,12 +760,14 @@
               <a:rPr lang="en-GB" altLang="zh-CN" dirty="0"/>
               <a:t>Yes I know the rendering is not ideal, it’s really a back-tick or grave</a:t>
             </a:r>
+            <a:endParaRPr lang="en-GB" altLang="zh-CN" dirty="0"/>
           </a:p>
           <a:p>
             <a:r>
               <a:rPr lang="en-GB" altLang="zh-CN" dirty="0"/>
               <a:t>accent (‘) for opening quotes and vertical quote (’) for closing, despite what</a:t>
             </a:r>
+            <a:endParaRPr lang="en-GB" altLang="zh-CN" dirty="0"/>
           </a:p>
           <a:p>
             <a:r>
@@ -810,18 +795,12 @@
           <a:p>
             <a:fld id="{D0CA3166-A36D-43A3-A50C-6C4A4EA83EFC}" type="slidenum">
               <a:rPr lang="zh-CN" altLang="en-US" smtClean="0"/>
-              <a:t>22</a:t>
             </a:fld>
             <a:endParaRPr lang="zh-CN" altLang="en-US"/>
           </a:p>
         </p:txBody>
       </p:sp>
     </p:spTree>
-    <p:extLst>
-      <p:ext uri="{BB962C8B-B14F-4D97-AF65-F5344CB8AC3E}">
-        <p14:creationId xmlns:p14="http://schemas.microsoft.com/office/powerpoint/2010/main" val="1251286300"/>
-      </p:ext>
-    </p:extLst>
   </p:cSld>
   <p:clrMapOvr>
     <a:masterClrMapping/>
@@ -877,18 +856,21 @@
               <a:rPr lang="en-GB" altLang="zh-CN" dirty="0"/>
               <a:t>All sectioning commands listed above also exist as “starred” versions.</a:t>
             </a:r>
+            <a:endParaRPr lang="en-GB" altLang="zh-CN" dirty="0"/>
           </a:p>
           <a:p>
             <a:r>
               <a:rPr lang="en-GB" altLang="zh-CN" dirty="0"/>
               <a:t> A “starred” version of a command is built by adding a star * after the command name. </a:t>
             </a:r>
+            <a:endParaRPr lang="en-GB" altLang="zh-CN" dirty="0"/>
           </a:p>
           <a:p>
             <a:r>
               <a:rPr lang="en-GB" altLang="zh-CN" dirty="0"/>
               <a:t>This generates section headings that do not show up in the table</a:t>
             </a:r>
+            <a:endParaRPr lang="en-GB" altLang="zh-CN" dirty="0"/>
           </a:p>
           <a:p>
             <a:r>
@@ -916,18 +898,12 @@
           <a:p>
             <a:fld id="{D0CA3166-A36D-43A3-A50C-6C4A4EA83EFC}" type="slidenum">
               <a:rPr lang="zh-CN" altLang="en-US" smtClean="0"/>
-              <a:t>24</a:t>
             </a:fld>
             <a:endParaRPr lang="zh-CN" altLang="en-US"/>
           </a:p>
         </p:txBody>
       </p:sp>
     </p:spTree>
-    <p:extLst>
-      <p:ext uri="{BB962C8B-B14F-4D97-AF65-F5344CB8AC3E}">
-        <p14:creationId xmlns:p14="http://schemas.microsoft.com/office/powerpoint/2010/main" val="946671578"/>
-      </p:ext>
-    </p:extLst>
   </p:cSld>
   <p:clrMapOvr>
     <a:masterClrMapping/>
@@ -1004,18 +980,12 @@
           <a:p>
             <a:fld id="{D0CA3166-A36D-43A3-A50C-6C4A4EA83EFC}" type="slidenum">
               <a:rPr lang="zh-CN" altLang="en-US" smtClean="0"/>
-              <a:t>28</a:t>
             </a:fld>
             <a:endParaRPr lang="zh-CN" altLang="en-US"/>
           </a:p>
         </p:txBody>
       </p:sp>
     </p:spTree>
-    <p:extLst>
-      <p:ext uri="{BB962C8B-B14F-4D97-AF65-F5344CB8AC3E}">
-        <p14:creationId xmlns:p14="http://schemas.microsoft.com/office/powerpoint/2010/main" val="2765544133"/>
-      </p:ext>
-    </p:extLst>
   </p:cSld>
   <p:clrMapOvr>
     <a:masterClrMapping/>
@@ -1071,18 +1041,21 @@
               <a:rPr lang="en-GB" altLang="zh-CN" dirty="0"/>
               <a:t>A mathematical formula can be typeset in-line within a paragraph (text</a:t>
             </a:r>
+            <a:endParaRPr lang="en-GB" altLang="zh-CN" dirty="0"/>
           </a:p>
           <a:p>
             <a:r>
               <a:rPr lang="en-GB" altLang="zh-CN" dirty="0"/>
               <a:t>style), or the paragraph can be broken and the formula typeset separately</a:t>
             </a:r>
+            <a:endParaRPr lang="en-GB" altLang="zh-CN" dirty="0"/>
           </a:p>
           <a:p>
             <a:r>
               <a:rPr lang="en-GB" altLang="zh-CN" dirty="0"/>
               <a:t>(display style). Mathematical equations within a paragraph are entered be-</a:t>
             </a:r>
+            <a:endParaRPr lang="en-GB" altLang="zh-CN" dirty="0"/>
           </a:p>
           <a:p>
             <a:r>
@@ -1110,18 +1083,12 @@
           <a:p>
             <a:fld id="{D0CA3166-A36D-43A3-A50C-6C4A4EA83EFC}" type="slidenum">
               <a:rPr lang="zh-CN" altLang="en-US" smtClean="0"/>
-              <a:t>31</a:t>
             </a:fld>
             <a:endParaRPr lang="zh-CN" altLang="en-US"/>
           </a:p>
         </p:txBody>
       </p:sp>
     </p:spTree>
-    <p:extLst>
-      <p:ext uri="{BB962C8B-B14F-4D97-AF65-F5344CB8AC3E}">
-        <p14:creationId xmlns:p14="http://schemas.microsoft.com/office/powerpoint/2010/main" val="3856649196"/>
-      </p:ext>
-    </p:extLst>
   </p:cSld>
   <p:clrMapOvr>
     <a:masterClrMapping/>
@@ -1177,6 +1144,7 @@
               <a:rPr lang="en-GB" altLang="zh-CN" dirty="0"/>
               <a:t>If you want your larger equations to be set apart from the rest of the paragraph, it is preferable to display them rather than to break the paragraph apart. </a:t>
             </a:r>
+            <a:endParaRPr lang="en-GB" altLang="zh-CN" dirty="0"/>
           </a:p>
           <a:p>
             <a:endParaRPr lang="en-GB" altLang="zh-CN" dirty="0"/>
@@ -1186,6 +1154,7 @@
               <a:rPr lang="en-GB" altLang="zh-CN" dirty="0"/>
               <a:t>To do this, you enclose them between \begin{equation} and \end{equation}. </a:t>
             </a:r>
+            <a:endParaRPr lang="en-GB" altLang="zh-CN" dirty="0"/>
           </a:p>
           <a:p>
             <a:r>
@@ -1200,6 +1169,7 @@
               <a:rPr lang="en-GB" altLang="zh-CN" dirty="0"/>
               <a:t> command. </a:t>
             </a:r>
+            <a:endParaRPr lang="en-GB" altLang="zh-CN" dirty="0"/>
           </a:p>
           <a:p>
             <a:endParaRPr lang="en-GB" altLang="zh-CN" dirty="0"/>
@@ -1230,18 +1200,12 @@
           <a:p>
             <a:fld id="{D0CA3166-A36D-43A3-A50C-6C4A4EA83EFC}" type="slidenum">
               <a:rPr lang="zh-CN" altLang="en-US" smtClean="0"/>
-              <a:t>32</a:t>
             </a:fld>
             <a:endParaRPr lang="zh-CN" altLang="en-US"/>
           </a:p>
         </p:txBody>
       </p:sp>
     </p:spTree>
-    <p:extLst>
-      <p:ext uri="{BB962C8B-B14F-4D97-AF65-F5344CB8AC3E}">
-        <p14:creationId xmlns:p14="http://schemas.microsoft.com/office/powerpoint/2010/main" val="3736106206"/>
-      </p:ext>
-    </p:extLst>
   </p:cSld>
   <p:clrMapOvr>
     <a:masterClrMapping/>
@@ -1314,18 +1278,12 @@
           <a:p>
             <a:fld id="{D0CA3166-A36D-43A3-A50C-6C4A4EA83EFC}" type="slidenum">
               <a:rPr lang="zh-CN" altLang="en-US" smtClean="0"/>
-              <a:t>33</a:t>
             </a:fld>
             <a:endParaRPr lang="zh-CN" altLang="en-US"/>
           </a:p>
         </p:txBody>
       </p:sp>
     </p:spTree>
-    <p:extLst>
-      <p:ext uri="{BB962C8B-B14F-4D97-AF65-F5344CB8AC3E}">
-        <p14:creationId xmlns:p14="http://schemas.microsoft.com/office/powerpoint/2010/main" val="513136953"/>
-      </p:ext>
-    </p:extLst>
   </p:cSld>
   <p:clrMapOvr>
     <a:masterClrMapping/>
@@ -1405,18 +1363,12 @@
           <a:p>
             <a:fld id="{D0CA3166-A36D-43A3-A50C-6C4A4EA83EFC}" type="slidenum">
               <a:rPr lang="zh-CN" altLang="en-US" smtClean="0"/>
-              <a:t>34</a:t>
             </a:fld>
             <a:endParaRPr lang="zh-CN" altLang="en-US"/>
           </a:p>
         </p:txBody>
       </p:sp>
     </p:spTree>
-    <p:extLst>
-      <p:ext uri="{BB962C8B-B14F-4D97-AF65-F5344CB8AC3E}">
-        <p14:creationId xmlns:p14="http://schemas.microsoft.com/office/powerpoint/2010/main" val="3528325948"/>
-      </p:ext>
-    </p:extLst>
   </p:cSld>
   <p:clrMapOvr>
     <a:masterClrMapping/>
@@ -1493,18 +1445,12 @@
           <a:p>
             <a:fld id="{D0CA3166-A36D-43A3-A50C-6C4A4EA83EFC}" type="slidenum">
               <a:rPr lang="zh-CN" altLang="en-US" smtClean="0"/>
-              <a:t>38</a:t>
             </a:fld>
             <a:endParaRPr lang="zh-CN" altLang="en-US"/>
           </a:p>
         </p:txBody>
       </p:sp>
     </p:spTree>
-    <p:extLst>
-      <p:ext uri="{BB962C8B-B14F-4D97-AF65-F5344CB8AC3E}">
-        <p14:creationId xmlns:p14="http://schemas.microsoft.com/office/powerpoint/2010/main" val="3941092513"/>
-      </p:ext>
-    </p:extLst>
   </p:cSld>
   <p:clrMapOvr>
     <a:masterClrMapping/>
@@ -1570,7 +1516,6 @@
               <a:buSzTx/>
               <a:buFontTx/>
               <a:buNone/>
-              <a:tabLst/>
               <a:defRPr/>
             </a:pPr>
             <a:r>
@@ -1622,18 +1567,12 @@
           <a:p>
             <a:fld id="{D0CA3166-A36D-43A3-A50C-6C4A4EA83EFC}" type="slidenum">
               <a:rPr lang="zh-CN" altLang="en-US" smtClean="0"/>
-              <a:t>7</a:t>
             </a:fld>
             <a:endParaRPr lang="zh-CN" altLang="en-US"/>
           </a:p>
         </p:txBody>
       </p:sp>
     </p:spTree>
-    <p:extLst>
-      <p:ext uri="{BB962C8B-B14F-4D97-AF65-F5344CB8AC3E}">
-        <p14:creationId xmlns:p14="http://schemas.microsoft.com/office/powerpoint/2010/main" val="1353950481"/>
-      </p:ext>
-    </p:extLst>
   </p:cSld>
   <p:clrMapOvr>
     <a:masterClrMapping/>
@@ -1689,6 +1628,7 @@
               <a:rPr lang="en-GB" altLang="zh-CN" dirty="0"/>
               <a:t> What you see is what you get.</a:t>
             </a:r>
+            <a:endParaRPr lang="en-GB" altLang="zh-CN" dirty="0"/>
           </a:p>
           <a:p>
             <a:endParaRPr lang="en-GB" altLang="zh-CN" dirty="0"/>
@@ -1706,6 +1646,7 @@
               <a:rPr lang="en-GB" altLang="zh-CN" dirty="0"/>
               <a:t> approach that most modern word processors, such as MS Word or LibreOffice. With these applications, authors specify the document layout interactively while typing text into the computer. They can see on the screen how the final work will look when it is printed.</a:t>
             </a:r>
+            <a:endParaRPr lang="en-GB" altLang="zh-CN" dirty="0"/>
           </a:p>
           <a:p>
             <a:r>
@@ -1736,18 +1677,12 @@
           <a:p>
             <a:fld id="{D0CA3166-A36D-43A3-A50C-6C4A4EA83EFC}" type="slidenum">
               <a:rPr lang="zh-CN" altLang="en-US" smtClean="0"/>
-              <a:t>8</a:t>
             </a:fld>
             <a:endParaRPr lang="zh-CN" altLang="en-US"/>
           </a:p>
         </p:txBody>
       </p:sp>
     </p:spTree>
-    <p:extLst>
-      <p:ext uri="{BB962C8B-B14F-4D97-AF65-F5344CB8AC3E}">
-        <p14:creationId xmlns:p14="http://schemas.microsoft.com/office/powerpoint/2010/main" val="621040157"/>
-      </p:ext>
-    </p:extLst>
   </p:cSld>
   <p:clrMapOvr>
     <a:masterClrMapping/>
@@ -1803,6 +1738,7 @@
               <a:rPr lang="en-GB" altLang="zh-CN" dirty="0"/>
               <a:t>Typographical design is a craft. Unskilled authors often commit serious formatting errors by assuming that book design is mostly a question of aesthetics—“If a document looks good artistically, it is well designed.” But as a document has to be read and not hung up in a picture gallery, the readability and understandability is much more important than the beautiful look of it. Examples:</a:t>
             </a:r>
+            <a:endParaRPr lang="en-GB" altLang="zh-CN" dirty="0"/>
           </a:p>
           <a:p>
             <a:endParaRPr lang="en-GB" altLang="zh-CN" dirty="0"/>
@@ -1812,6 +1748,7 @@
               <a:rPr lang="en-GB" altLang="zh-CN" dirty="0"/>
               <a:t> The font size and the numbering of headings have to be chosen to make the structure of chapters and sections clear to the reader.</a:t>
             </a:r>
+            <a:endParaRPr lang="en-GB" altLang="zh-CN" dirty="0"/>
           </a:p>
           <a:p>
             <a:r>
@@ -1839,18 +1776,12 @@
           <a:p>
             <a:fld id="{D0CA3166-A36D-43A3-A50C-6C4A4EA83EFC}" type="slidenum">
               <a:rPr lang="zh-CN" altLang="en-US" smtClean="0"/>
-              <a:t>9</a:t>
             </a:fld>
             <a:endParaRPr lang="zh-CN" altLang="en-US"/>
           </a:p>
         </p:txBody>
       </p:sp>
     </p:spTree>
-    <p:extLst>
-      <p:ext uri="{BB962C8B-B14F-4D97-AF65-F5344CB8AC3E}">
-        <p14:creationId xmlns:p14="http://schemas.microsoft.com/office/powerpoint/2010/main" val="2253607061"/>
-      </p:ext>
-    </p:extLst>
   </p:cSld>
   <p:clrMapOvr>
     <a:masterClrMapping/>
@@ -1906,48 +1837,56 @@
               <a:rPr lang="en-GB" altLang="zh-CN" dirty="0"/>
               <a:t>• Professionally crafted layouts are available, which make a document really look as if “printed.”</a:t>
             </a:r>
+            <a:endParaRPr lang="en-GB" altLang="zh-CN" dirty="0"/>
           </a:p>
           <a:p>
             <a:r>
               <a:rPr lang="en-GB" altLang="zh-CN" dirty="0"/>
               <a:t>• The typesetting of mathematical formulae is supported in a convenient way.</a:t>
             </a:r>
+            <a:endParaRPr lang="en-GB" altLang="zh-CN" dirty="0"/>
           </a:p>
           <a:p>
             <a:r>
               <a:rPr lang="en-GB" altLang="zh-CN" dirty="0"/>
               <a:t>• Even complex structures such as footnotes, references, table of contents, and bibliographies can be generated easily.</a:t>
             </a:r>
+            <a:endParaRPr lang="en-GB" altLang="zh-CN" dirty="0"/>
           </a:p>
           <a:p>
             <a:r>
               <a:rPr lang="en-GB" altLang="zh-CN" dirty="0"/>
               <a:t>• Free add-on packages exist for many typographical tasks not directly supported by basic LATEX. For example, packages are available to</a:t>
             </a:r>
+            <a:endParaRPr lang="en-GB" altLang="zh-CN" dirty="0"/>
           </a:p>
           <a:p>
             <a:r>
               <a:rPr lang="en-GB" altLang="zh-CN" dirty="0"/>
               <a:t>include POSTSCRIPT graphics or to typeset bibliographies conforming</a:t>
             </a:r>
+            <a:endParaRPr lang="en-GB" altLang="zh-CN" dirty="0"/>
           </a:p>
           <a:p>
             <a:r>
               <a:rPr lang="en-GB" altLang="zh-CN" dirty="0"/>
               <a:t>to exact standards. Many of these add-on packages are described in</a:t>
             </a:r>
+            <a:endParaRPr lang="en-GB" altLang="zh-CN" dirty="0"/>
           </a:p>
           <a:p>
             <a:r>
               <a:rPr lang="en-GB" altLang="zh-CN" dirty="0"/>
               <a:t>The L A T E X Companion [3].</a:t>
             </a:r>
+            <a:endParaRPr lang="en-GB" altLang="zh-CN" dirty="0"/>
           </a:p>
           <a:p>
             <a:r>
               <a:rPr lang="en-GB" altLang="zh-CN" dirty="0"/>
               <a:t>• L A T E X encourages authors to write well-structured texts, because this</a:t>
             </a:r>
+            <a:endParaRPr lang="en-GB" altLang="zh-CN" dirty="0"/>
           </a:p>
           <a:p>
             <a:r>
@@ -1975,18 +1914,12 @@
           <a:p>
             <a:fld id="{D0CA3166-A36D-43A3-A50C-6C4A4EA83EFC}" type="slidenum">
               <a:rPr lang="zh-CN" altLang="en-US" smtClean="0"/>
-              <a:t>10</a:t>
             </a:fld>
             <a:endParaRPr lang="zh-CN" altLang="en-US"/>
           </a:p>
         </p:txBody>
       </p:sp>
     </p:spTree>
-    <p:extLst>
-      <p:ext uri="{BB962C8B-B14F-4D97-AF65-F5344CB8AC3E}">
-        <p14:creationId xmlns:p14="http://schemas.microsoft.com/office/powerpoint/2010/main" val="715904097"/>
-      </p:ext>
-    </p:extLst>
   </p:cSld>
   <p:clrMapOvr>
     <a:masterClrMapping/>
@@ -2042,12 +1975,14 @@
               <a:rPr lang="en-GB" altLang="zh-CN" dirty="0"/>
               <a:t>“Whitespace” characters, such as blank or tab, are treated uniformly as “space” by LATEX. Several consecutive whitespace characters are treated as one “space”. Whitespace at the start of a line is generally ignored, and a</a:t>
             </a:r>
+            <a:endParaRPr lang="en-GB" altLang="zh-CN" dirty="0"/>
           </a:p>
           <a:p>
             <a:r>
               <a:rPr lang="en-GB" altLang="zh-CN" dirty="0"/>
               <a:t>single line break is treated as “whitespace”.</a:t>
             </a:r>
+            <a:endParaRPr lang="en-GB" altLang="zh-CN" dirty="0"/>
           </a:p>
           <a:p>
             <a:endParaRPr lang="en-GB" altLang="zh-CN" dirty="0"/>
@@ -2078,18 +2013,12 @@
           <a:p>
             <a:fld id="{D0CA3166-A36D-43A3-A50C-6C4A4EA83EFC}" type="slidenum">
               <a:rPr lang="zh-CN" altLang="en-US" smtClean="0"/>
-              <a:t>12</a:t>
             </a:fld>
             <a:endParaRPr lang="zh-CN" altLang="en-US"/>
           </a:p>
         </p:txBody>
       </p:sp>
     </p:spTree>
-    <p:extLst>
-      <p:ext uri="{BB962C8B-B14F-4D97-AF65-F5344CB8AC3E}">
-        <p14:creationId xmlns:p14="http://schemas.microsoft.com/office/powerpoint/2010/main" val="3701961796"/>
-      </p:ext>
-    </p:extLst>
   </p:cSld>
   <p:clrMapOvr>
     <a:masterClrMapping/>
@@ -2145,6 +2074,7 @@
               <a:rPr lang="en-GB" altLang="zh-CN" dirty="0"/>
               <a:t>The backslash character \ can not be entered by adding another backslash in front of it (\\); this sequence is</a:t>
             </a:r>
+            <a:endParaRPr lang="en-GB" altLang="zh-CN" dirty="0"/>
           </a:p>
           <a:p>
             <a:r>
@@ -2180,18 +2110,12 @@
           <a:p>
             <a:fld id="{D0CA3166-A36D-43A3-A50C-6C4A4EA83EFC}" type="slidenum">
               <a:rPr lang="zh-CN" altLang="en-US" smtClean="0"/>
-              <a:t>13</a:t>
             </a:fld>
             <a:endParaRPr lang="zh-CN" altLang="en-US"/>
           </a:p>
         </p:txBody>
       </p:sp>
     </p:spTree>
-    <p:extLst>
-      <p:ext uri="{BB962C8B-B14F-4D97-AF65-F5344CB8AC3E}">
-        <p14:creationId xmlns:p14="http://schemas.microsoft.com/office/powerpoint/2010/main" val="4182210913"/>
-      </p:ext>
-    </p:extLst>
   </p:cSld>
   <p:clrMapOvr>
     <a:masterClrMapping/>
@@ -2247,6 +2171,7 @@
               <a:rPr lang="en-GB" altLang="zh-CN" dirty="0"/>
               <a:t>LATEX ignores whitespace after commands.</a:t>
             </a:r>
+            <a:endParaRPr lang="en-GB" altLang="zh-CN" dirty="0"/>
           </a:p>
           <a:p>
             <a:r>
@@ -2274,18 +2199,12 @@
           <a:p>
             <a:fld id="{D0CA3166-A36D-43A3-A50C-6C4A4EA83EFC}" type="slidenum">
               <a:rPr lang="zh-CN" altLang="en-US" smtClean="0"/>
-              <a:t>14</a:t>
             </a:fld>
             <a:endParaRPr lang="zh-CN" altLang="en-US"/>
           </a:p>
         </p:txBody>
       </p:sp>
     </p:spTree>
-    <p:extLst>
-      <p:ext uri="{BB962C8B-B14F-4D97-AF65-F5344CB8AC3E}">
-        <p14:creationId xmlns:p14="http://schemas.microsoft.com/office/powerpoint/2010/main" val="2178878372"/>
-      </p:ext>
-    </p:extLst>
   </p:cSld>
   <p:clrMapOvr>
     <a:masterClrMapping/>
@@ -2362,18 +2281,12 @@
           <a:p>
             <a:fld id="{D0CA3166-A36D-43A3-A50C-6C4A4EA83EFC}" type="slidenum">
               <a:rPr lang="zh-CN" altLang="en-US" smtClean="0"/>
-              <a:t>16</a:t>
             </a:fld>
             <a:endParaRPr lang="zh-CN" altLang="en-US"/>
           </a:p>
         </p:txBody>
       </p:sp>
     </p:spTree>
-    <p:extLst>
-      <p:ext uri="{BB962C8B-B14F-4D97-AF65-F5344CB8AC3E}">
-        <p14:creationId xmlns:p14="http://schemas.microsoft.com/office/powerpoint/2010/main" val="1703488441"/>
-      </p:ext>
-    </p:extLst>
   </p:cSld>
   <p:clrMapOvr>
     <a:masterClrMapping/>
@@ -2382,7 +2295,7 @@
 </file>
 
 <file path=ppt/slideLayouts/slideLayout1.xml><?xml version="1.0" encoding="utf-8"?>
-<p:sldLayout xmlns:a="http://schemas.openxmlformats.org/drawingml/2006/main" xmlns:r="http://schemas.openxmlformats.org/officeDocument/2006/relationships" xmlns:p="http://schemas.openxmlformats.org/presentationml/2006/main" showMasterSp="0" type="title" preserve="1">
+<p:sldLayout xmlns:a="http://schemas.openxmlformats.org/drawingml/2006/main" xmlns:r="http://schemas.openxmlformats.org/officeDocument/2006/relationships" xmlns:p="http://schemas.openxmlformats.org/presentationml/2006/main" type="title" preserve="1" showMasterSp="0">
   <p:cSld name="Title Slide">
     <p:spTree>
       <p:nvGrpSpPr>
@@ -2607,7 +2520,6 @@
           <a:p>
             <a:fld id="{4BDF68E2-58F2-4D09-BE8B-E3BD06533059}" type="datetimeFigureOut">
               <a:rPr lang="en-US" dirty="0"/>
-              <a:t>3/25/2019</a:t>
             </a:fld>
             <a:endParaRPr lang="en-US" dirty="0"/>
           </a:p>
@@ -2649,7 +2561,6 @@
           <a:p>
             <a:fld id="{4FAB73BC-B049-4115-A692-8D63A059BFB8}" type="slidenum">
               <a:rPr lang="en-US" dirty="0"/>
-              <a:t>‹#›</a:t>
             </a:fld>
             <a:endParaRPr lang="en-US" dirty="0"/>
           </a:p>
@@ -2695,13 +2606,7 @@
       </p:cxnSp>
       <p:pic>
         <p:nvPicPr>
-          <p:cNvPr id="11" name="图片 10">
-            <a:extLst>
-              <a:ext uri="{FF2B5EF4-FFF2-40B4-BE49-F238E27FC236}">
-                <a16:creationId xmlns:a16="http://schemas.microsoft.com/office/drawing/2014/main" id="{BF13E3E2-C83A-4ED4-B6B3-9607503E80DD}"/>
-              </a:ext>
-            </a:extLst>
-          </p:cNvPr>
+          <p:cNvPr id="11" name="图片 10"/>
           <p:cNvPicPr>
             <a:picLocks noChangeAspect="1"/>
           </p:cNvPicPr>
@@ -2710,7 +2615,9 @@
         <p:blipFill rotWithShape="1">
           <a:blip r:embed="rId2"/>
           <a:srcRect l="21732" t="17280" r="23222" b="10233"/>
-          <a:stretch/>
+          <a:stretch>
+            <a:fillRect/>
+          </a:stretch>
         </p:blipFill>
         <p:spPr>
           <a:xfrm>
@@ -2790,6 +2697,7 @@
               <a:rPr lang="en-US"/>
               <a:t>Click to edit Master text styles</a:t>
             </a:r>
+            <a:endParaRPr lang="en-US"/>
           </a:p>
           <a:p>
             <a:pPr lvl="1"/>
@@ -2797,6 +2705,7 @@
               <a:rPr lang="en-US"/>
               <a:t>Second level</a:t>
             </a:r>
+            <a:endParaRPr lang="en-US"/>
           </a:p>
           <a:p>
             <a:pPr lvl="2"/>
@@ -2804,6 +2713,7 @@
               <a:rPr lang="en-US"/>
               <a:t>Third level</a:t>
             </a:r>
+            <a:endParaRPr lang="en-US"/>
           </a:p>
           <a:p>
             <a:pPr lvl="3"/>
@@ -2811,6 +2721,7 @@
               <a:rPr lang="en-US"/>
               <a:t>Fourth level</a:t>
             </a:r>
+            <a:endParaRPr lang="en-US"/>
           </a:p>
           <a:p>
             <a:pPr lvl="4"/>
@@ -2839,7 +2750,6 @@
           <a:p>
             <a:fld id="{2E2D6473-DF6D-4702-B328-E0DD40540A4E}" type="datetimeFigureOut">
               <a:rPr lang="en-US" dirty="0"/>
-              <a:t>3/25/2019</a:t>
             </a:fld>
             <a:endParaRPr lang="en-US" dirty="0"/>
           </a:p>
@@ -2881,7 +2791,6 @@
           <a:p>
             <a:fld id="{4FAB73BC-B049-4115-A692-8D63A059BFB8}" type="slidenum">
               <a:rPr lang="en-US" dirty="0"/>
-              <a:t>‹#›</a:t>
             </a:fld>
             <a:endParaRPr lang="en-US" dirty="0"/>
           </a:p>
@@ -2889,13 +2798,7 @@
       </p:sp>
       <p:pic>
         <p:nvPicPr>
-          <p:cNvPr id="7" name="图片 6">
-            <a:extLst>
-              <a:ext uri="{FF2B5EF4-FFF2-40B4-BE49-F238E27FC236}">
-                <a16:creationId xmlns:a16="http://schemas.microsoft.com/office/drawing/2014/main" id="{88E2727B-1BDE-42AB-82B8-14D196CBA5EF}"/>
-              </a:ext>
-            </a:extLst>
-          </p:cNvPr>
+          <p:cNvPr id="7" name="图片 6"/>
           <p:cNvPicPr>
             <a:picLocks noChangeAspect="1"/>
           </p:cNvPicPr>
@@ -2904,7 +2807,9 @@
         <p:blipFill rotWithShape="1">
           <a:blip r:embed="rId2"/>
           <a:srcRect l="21732" t="17280" r="23222" b="10233"/>
-          <a:stretch/>
+          <a:stretch>
+            <a:fillRect/>
+          </a:stretch>
         </p:blipFill>
         <p:spPr>
           <a:xfrm>
@@ -2925,7 +2830,7 @@
 </file>
 
 <file path=ppt/slideLayouts/slideLayout11.xml><?xml version="1.0" encoding="utf-8"?>
-<p:sldLayout xmlns:a="http://schemas.openxmlformats.org/drawingml/2006/main" xmlns:r="http://schemas.openxmlformats.org/officeDocument/2006/relationships" xmlns:p="http://schemas.openxmlformats.org/presentationml/2006/main" showMasterSp="0" type="vertTitleAndTx" preserve="1">
+<p:sldLayout xmlns:a="http://schemas.openxmlformats.org/drawingml/2006/main" xmlns:r="http://schemas.openxmlformats.org/officeDocument/2006/relationships" xmlns:p="http://schemas.openxmlformats.org/presentationml/2006/main" type="vertTitleAndTx" preserve="1" showMasterSp="0">
   <p:cSld name="Vertical Title and Text">
     <p:spTree>
       <p:nvGrpSpPr>
@@ -3070,6 +2975,7 @@
               <a:rPr lang="en-US"/>
               <a:t>Click to edit Master text styles</a:t>
             </a:r>
+            <a:endParaRPr lang="en-US"/>
           </a:p>
           <a:p>
             <a:pPr lvl="1"/>
@@ -3077,6 +2983,7 @@
               <a:rPr lang="en-US"/>
               <a:t>Second level</a:t>
             </a:r>
+            <a:endParaRPr lang="en-US"/>
           </a:p>
           <a:p>
             <a:pPr lvl="2"/>
@@ -3084,6 +2991,7 @@
               <a:rPr lang="en-US"/>
               <a:t>Third level</a:t>
             </a:r>
+            <a:endParaRPr lang="en-US"/>
           </a:p>
           <a:p>
             <a:pPr lvl="3"/>
@@ -3091,6 +2999,7 @@
               <a:rPr lang="en-US"/>
               <a:t>Fourth level</a:t>
             </a:r>
+            <a:endParaRPr lang="en-US"/>
           </a:p>
           <a:p>
             <a:pPr lvl="4"/>
@@ -3119,7 +3028,6 @@
           <a:p>
             <a:fld id="{E26F7E3A-B166-407D-9866-32884E7D5B37}" type="datetimeFigureOut">
               <a:rPr lang="en-US" dirty="0"/>
-              <a:t>3/25/2019</a:t>
             </a:fld>
             <a:endParaRPr lang="en-US" dirty="0"/>
           </a:p>
@@ -3161,7 +3069,6 @@
           <a:p>
             <a:fld id="{4FAB73BC-B049-4115-A692-8D63A059BFB8}" type="slidenum">
               <a:rPr lang="en-US" dirty="0"/>
-              <a:t>‹#›</a:t>
             </a:fld>
             <a:endParaRPr lang="en-US" dirty="0"/>
           </a:p>
@@ -3169,13 +3076,7 @@
       </p:sp>
       <p:pic>
         <p:nvPicPr>
-          <p:cNvPr id="9" name="图片 8">
-            <a:extLst>
-              <a:ext uri="{FF2B5EF4-FFF2-40B4-BE49-F238E27FC236}">
-                <a16:creationId xmlns:a16="http://schemas.microsoft.com/office/drawing/2014/main" id="{787BEA9B-983C-4DA5-8525-0D7D415348D6}"/>
-              </a:ext>
-            </a:extLst>
-          </p:cNvPr>
+          <p:cNvPr id="9" name="图片 8"/>
           <p:cNvPicPr>
             <a:picLocks noChangeAspect="1"/>
           </p:cNvPicPr>
@@ -3184,7 +3085,9 @@
         <p:blipFill rotWithShape="1">
           <a:blip r:embed="rId2"/>
           <a:srcRect l="21732" t="17280" r="23222" b="10233"/>
-          <a:stretch/>
+          <a:stretch>
+            <a:fillRect/>
+          </a:stretch>
         </p:blipFill>
         <p:spPr>
           <a:xfrm>
@@ -3268,6 +3171,7 @@
               <a:rPr lang="en-US"/>
               <a:t>Click to edit Master text styles</a:t>
             </a:r>
+            <a:endParaRPr lang="en-US"/>
           </a:p>
           <a:p>
             <a:pPr lvl="1"/>
@@ -3275,6 +3179,7 @@
               <a:rPr lang="en-US"/>
               <a:t>Second level</a:t>
             </a:r>
+            <a:endParaRPr lang="en-US"/>
           </a:p>
           <a:p>
             <a:pPr lvl="2"/>
@@ -3282,6 +3187,7 @@
               <a:rPr lang="en-US"/>
               <a:t>Third level</a:t>
             </a:r>
+            <a:endParaRPr lang="en-US"/>
           </a:p>
           <a:p>
             <a:pPr lvl="3"/>
@@ -3289,6 +3195,7 @@
               <a:rPr lang="en-US"/>
               <a:t>Fourth level</a:t>
             </a:r>
+            <a:endParaRPr lang="en-US"/>
           </a:p>
           <a:p>
             <a:pPr lvl="4"/>
@@ -3317,7 +3224,6 @@
           <a:p>
             <a:fld id="{528FC5F6-F338-4AE4-BB23-26385BCFC423}" type="datetimeFigureOut">
               <a:rPr lang="en-US" dirty="0"/>
-              <a:t>3/25/2019</a:t>
             </a:fld>
             <a:endParaRPr lang="en-US" dirty="0"/>
           </a:p>
@@ -3359,7 +3265,6 @@
           <a:p>
             <a:fld id="{6113E31D-E2AB-40D1-8B51-AFA5AFEF393A}" type="slidenum">
               <a:rPr lang="en-US" dirty="0"/>
-              <a:t>‹#›</a:t>
             </a:fld>
             <a:endParaRPr lang="en-US" dirty="0"/>
           </a:p>
@@ -3367,13 +3272,7 @@
       </p:sp>
       <p:pic>
         <p:nvPicPr>
-          <p:cNvPr id="7" name="图片 6">
-            <a:extLst>
-              <a:ext uri="{FF2B5EF4-FFF2-40B4-BE49-F238E27FC236}">
-                <a16:creationId xmlns:a16="http://schemas.microsoft.com/office/drawing/2014/main" id="{AE89E293-C0B5-49AB-8874-2BD8E6FA002D}"/>
-              </a:ext>
-            </a:extLst>
-          </p:cNvPr>
+          <p:cNvPr id="7" name="图片 6"/>
           <p:cNvPicPr>
             <a:picLocks noChangeAspect="1"/>
           </p:cNvPicPr>
@@ -3382,7 +3281,9 @@
         <p:blipFill rotWithShape="1">
           <a:blip r:embed="rId2"/>
           <a:srcRect l="21732" t="17280" r="23222" b="10233"/>
-          <a:stretch/>
+          <a:stretch>
+            <a:fillRect/>
+          </a:stretch>
         </p:blipFill>
         <p:spPr>
           <a:xfrm>
@@ -3403,7 +3304,7 @@
 </file>
 
 <file path=ppt/slideLayouts/slideLayout3.xml><?xml version="1.0" encoding="utf-8"?>
-<p:sldLayout xmlns:a="http://schemas.openxmlformats.org/drawingml/2006/main" xmlns:r="http://schemas.openxmlformats.org/officeDocument/2006/relationships" xmlns:p="http://schemas.openxmlformats.org/presentationml/2006/main" showMasterSp="0" type="secHead" preserve="1">
+<p:sldLayout xmlns:a="http://schemas.openxmlformats.org/drawingml/2006/main" xmlns:r="http://schemas.openxmlformats.org/officeDocument/2006/relationships" xmlns:p="http://schemas.openxmlformats.org/presentationml/2006/main" type="secHead" preserve="1" showMasterSp="0">
   <p:cSld name="Section Header">
     <p:bg>
       <p:bgPr>
@@ -3664,6 +3565,7 @@
               <a:rPr lang="en-US"/>
               <a:t>Click to edit Master text styles</a:t>
             </a:r>
+            <a:endParaRPr lang="en-US"/>
           </a:p>
         </p:txBody>
       </p:sp>
@@ -3684,7 +3586,6 @@
           <a:p>
             <a:fld id="{20EBB0C4-6273-4C6E-B9BD-2EDC30F1CD52}" type="datetimeFigureOut">
               <a:rPr lang="en-US" dirty="0"/>
-              <a:t>3/25/2019</a:t>
             </a:fld>
             <a:endParaRPr lang="en-US" dirty="0"/>
           </a:p>
@@ -3726,7 +3627,6 @@
           <a:p>
             <a:fld id="{4FAB73BC-B049-4115-A692-8D63A059BFB8}" type="slidenum">
               <a:rPr lang="en-US" dirty="0"/>
-              <a:t>‹#›</a:t>
             </a:fld>
             <a:endParaRPr lang="en-US" dirty="0"/>
           </a:p>
@@ -3772,13 +3672,7 @@
       </p:cxnSp>
       <p:pic>
         <p:nvPicPr>
-          <p:cNvPr id="10" name="图片 9">
-            <a:extLst>
-              <a:ext uri="{FF2B5EF4-FFF2-40B4-BE49-F238E27FC236}">
-                <a16:creationId xmlns:a16="http://schemas.microsoft.com/office/drawing/2014/main" id="{03E6E54F-DC6E-44EC-BCAF-6A6AC63030F7}"/>
-              </a:ext>
-            </a:extLst>
-          </p:cNvPr>
+          <p:cNvPr id="10" name="图片 9"/>
           <p:cNvPicPr>
             <a:picLocks noChangeAspect="1"/>
           </p:cNvPicPr>
@@ -3787,7 +3681,9 @@
         <p:blipFill rotWithShape="1">
           <a:blip r:embed="rId2"/>
           <a:srcRect l="21732" t="17280" r="23222" b="10233"/>
-          <a:stretch/>
+          <a:stretch>
+            <a:fillRect/>
+          </a:stretch>
         </p:blipFill>
         <p:spPr>
           <a:xfrm>
@@ -3877,6 +3773,7 @@
               <a:rPr lang="en-US"/>
               <a:t>Click to edit Master text styles</a:t>
             </a:r>
+            <a:endParaRPr lang="en-US"/>
           </a:p>
           <a:p>
             <a:pPr lvl="1"/>
@@ -3884,6 +3781,7 @@
               <a:rPr lang="en-US"/>
               <a:t>Second level</a:t>
             </a:r>
+            <a:endParaRPr lang="en-US"/>
           </a:p>
           <a:p>
             <a:pPr lvl="2"/>
@@ -3891,6 +3789,7 @@
               <a:rPr lang="en-US"/>
               <a:t>Third level</a:t>
             </a:r>
+            <a:endParaRPr lang="en-US"/>
           </a:p>
           <a:p>
             <a:pPr lvl="3"/>
@@ -3898,6 +3797,7 @@
               <a:rPr lang="en-US"/>
               <a:t>Fourth level</a:t>
             </a:r>
+            <a:endParaRPr lang="en-US"/>
           </a:p>
           <a:p>
             <a:pPr lvl="4"/>
@@ -3934,6 +3834,7 @@
               <a:rPr lang="en-US"/>
               <a:t>Click to edit Master text styles</a:t>
             </a:r>
+            <a:endParaRPr lang="en-US"/>
           </a:p>
           <a:p>
             <a:pPr lvl="1"/>
@@ -3941,6 +3842,7 @@
               <a:rPr lang="en-US"/>
               <a:t>Second level</a:t>
             </a:r>
+            <a:endParaRPr lang="en-US"/>
           </a:p>
           <a:p>
             <a:pPr lvl="2"/>
@@ -3948,6 +3850,7 @@
               <a:rPr lang="en-US"/>
               <a:t>Third level</a:t>
             </a:r>
+            <a:endParaRPr lang="en-US"/>
           </a:p>
           <a:p>
             <a:pPr lvl="3"/>
@@ -3955,6 +3858,7 @@
               <a:rPr lang="en-US"/>
               <a:t>Fourth level</a:t>
             </a:r>
+            <a:endParaRPr lang="en-US"/>
           </a:p>
           <a:p>
             <a:pPr lvl="4"/>
@@ -3983,7 +3887,6 @@
           <a:p>
             <a:fld id="{19AB4D41-86C1-4908-B66A-0B50CEB3BF29}" type="datetimeFigureOut">
               <a:rPr lang="en-US" dirty="0"/>
-              <a:t>3/25/2019</a:t>
             </a:fld>
             <a:endParaRPr lang="en-US" dirty="0"/>
           </a:p>
@@ -4025,7 +3928,6 @@
           <a:p>
             <a:fld id="{4FAB73BC-B049-4115-A692-8D63A059BFB8}" type="slidenum">
               <a:rPr lang="en-US" dirty="0"/>
-              <a:t>‹#›</a:t>
             </a:fld>
             <a:endParaRPr lang="en-US" dirty="0"/>
           </a:p>
@@ -4033,13 +3935,7 @@
       </p:sp>
       <p:pic>
         <p:nvPicPr>
-          <p:cNvPr id="9" name="图片 8">
-            <a:extLst>
-              <a:ext uri="{FF2B5EF4-FFF2-40B4-BE49-F238E27FC236}">
-                <a16:creationId xmlns:a16="http://schemas.microsoft.com/office/drawing/2014/main" id="{397F6173-DDDE-4BDA-BA5F-FC24D986BDE0}"/>
-              </a:ext>
-            </a:extLst>
-          </p:cNvPr>
+          <p:cNvPr id="9" name="图片 8"/>
           <p:cNvPicPr>
             <a:picLocks noChangeAspect="1"/>
           </p:cNvPicPr>
@@ -4048,7 +3944,9 @@
         <p:blipFill rotWithShape="1">
           <a:blip r:embed="rId2"/>
           <a:srcRect l="21732" t="17280" r="23222" b="10233"/>
-          <a:stretch/>
+          <a:stretch>
+            <a:fillRect/>
+          </a:stretch>
         </p:blipFill>
         <p:spPr>
           <a:xfrm>
@@ -4181,6 +4079,7 @@
               <a:rPr lang="en-US"/>
               <a:t>Click to edit Master text styles</a:t>
             </a:r>
+            <a:endParaRPr lang="en-US"/>
           </a:p>
         </p:txBody>
       </p:sp>
@@ -4209,6 +4108,7 @@
               <a:rPr lang="en-US"/>
               <a:t>Click to edit Master text styles</a:t>
             </a:r>
+            <a:endParaRPr lang="en-US"/>
           </a:p>
           <a:p>
             <a:pPr lvl="1"/>
@@ -4216,6 +4116,7 @@
               <a:rPr lang="en-US"/>
               <a:t>Second level</a:t>
             </a:r>
+            <a:endParaRPr lang="en-US"/>
           </a:p>
           <a:p>
             <a:pPr lvl="2"/>
@@ -4223,6 +4124,7 @@
               <a:rPr lang="en-US"/>
               <a:t>Third level</a:t>
             </a:r>
+            <a:endParaRPr lang="en-US"/>
           </a:p>
           <a:p>
             <a:pPr lvl="3"/>
@@ -4230,6 +4132,7 @@
               <a:rPr lang="en-US"/>
               <a:t>Fourth level</a:t>
             </a:r>
+            <a:endParaRPr lang="en-US"/>
           </a:p>
           <a:p>
             <a:pPr lvl="4"/>
@@ -4309,6 +4212,7 @@
               <a:rPr lang="en-US"/>
               <a:t>Click to edit Master text styles</a:t>
             </a:r>
+            <a:endParaRPr lang="en-US"/>
           </a:p>
         </p:txBody>
       </p:sp>
@@ -4337,6 +4241,7 @@
               <a:rPr lang="en-US"/>
               <a:t>Click to edit Master text styles</a:t>
             </a:r>
+            <a:endParaRPr lang="en-US"/>
           </a:p>
           <a:p>
             <a:pPr lvl="1"/>
@@ -4344,6 +4249,7 @@
               <a:rPr lang="en-US"/>
               <a:t>Second level</a:t>
             </a:r>
+            <a:endParaRPr lang="en-US"/>
           </a:p>
           <a:p>
             <a:pPr lvl="2"/>
@@ -4351,6 +4257,7 @@
               <a:rPr lang="en-US"/>
               <a:t>Third level</a:t>
             </a:r>
+            <a:endParaRPr lang="en-US"/>
           </a:p>
           <a:p>
             <a:pPr lvl="3"/>
@@ -4358,6 +4265,7 @@
               <a:rPr lang="en-US"/>
               <a:t>Fourth level</a:t>
             </a:r>
+            <a:endParaRPr lang="en-US"/>
           </a:p>
           <a:p>
             <a:pPr lvl="4"/>
@@ -4386,7 +4294,6 @@
           <a:p>
             <a:fld id="{E6426E2C-56C1-4E0D-A793-0088A7FDD37E}" type="datetimeFigureOut">
               <a:rPr lang="en-US" dirty="0"/>
-              <a:t>3/25/2019</a:t>
             </a:fld>
             <a:endParaRPr lang="en-US" dirty="0"/>
           </a:p>
@@ -4428,7 +4335,6 @@
           <a:p>
             <a:fld id="{4FAB73BC-B049-4115-A692-8D63A059BFB8}" type="slidenum">
               <a:rPr lang="en-US" dirty="0"/>
-              <a:t>‹#›</a:t>
             </a:fld>
             <a:endParaRPr lang="en-US" dirty="0"/>
           </a:p>
@@ -4436,13 +4342,7 @@
       </p:sp>
       <p:pic>
         <p:nvPicPr>
-          <p:cNvPr id="11" name="图片 10">
-            <a:extLst>
-              <a:ext uri="{FF2B5EF4-FFF2-40B4-BE49-F238E27FC236}">
-                <a16:creationId xmlns:a16="http://schemas.microsoft.com/office/drawing/2014/main" id="{83842BEF-495A-4AA4-8157-9B5DA794AC49}"/>
-              </a:ext>
-            </a:extLst>
-          </p:cNvPr>
+          <p:cNvPr id="11" name="图片 10"/>
           <p:cNvPicPr>
             <a:picLocks noChangeAspect="1"/>
           </p:cNvPicPr>
@@ -4451,7 +4351,9 @@
         <p:blipFill rotWithShape="1">
           <a:blip r:embed="rId2"/>
           <a:srcRect l="21732" t="17280" r="23222" b="10233"/>
-          <a:stretch/>
+          <a:stretch>
+            <a:fillRect/>
+          </a:stretch>
         </p:blipFill>
         <p:spPr>
           <a:xfrm>
@@ -4528,7 +4430,6 @@
           <a:p>
             <a:fld id="{C8C39B41-D8B5-4052-B551-9B5525EAA8B6}" type="datetimeFigureOut">
               <a:rPr lang="en-US" dirty="0"/>
-              <a:t>3/25/2019</a:t>
             </a:fld>
             <a:endParaRPr lang="en-US" dirty="0"/>
           </a:p>
@@ -4570,7 +4471,6 @@
           <a:p>
             <a:fld id="{4FAB73BC-B049-4115-A692-8D63A059BFB8}" type="slidenum">
               <a:rPr lang="en-US" dirty="0"/>
-              <a:t>‹#›</a:t>
             </a:fld>
             <a:endParaRPr lang="en-US" dirty="0"/>
           </a:p>
@@ -4578,13 +4478,7 @@
       </p:sp>
       <p:pic>
         <p:nvPicPr>
-          <p:cNvPr id="6" name="图片 5">
-            <a:extLst>
-              <a:ext uri="{FF2B5EF4-FFF2-40B4-BE49-F238E27FC236}">
-                <a16:creationId xmlns:a16="http://schemas.microsoft.com/office/drawing/2014/main" id="{7E3F76F3-A3ED-4AF7-9EAA-2EB4E720C4FB}"/>
-              </a:ext>
-            </a:extLst>
-          </p:cNvPr>
+          <p:cNvPr id="6" name="图片 5"/>
           <p:cNvPicPr>
             <a:picLocks noChangeAspect="1"/>
           </p:cNvPicPr>
@@ -4593,7 +4487,9 @@
         <p:blipFill rotWithShape="1">
           <a:blip r:embed="rId2"/>
           <a:srcRect l="21732" t="17280" r="23222" b="10233"/>
-          <a:stretch/>
+          <a:stretch>
+            <a:fillRect/>
+          </a:stretch>
         </p:blipFill>
         <p:spPr>
           <a:xfrm>
@@ -4614,7 +4510,7 @@
 </file>
 
 <file path=ppt/slideLayouts/slideLayout7.xml><?xml version="1.0" encoding="utf-8"?>
-<p:sldLayout xmlns:a="http://schemas.openxmlformats.org/drawingml/2006/main" xmlns:r="http://schemas.openxmlformats.org/officeDocument/2006/relationships" xmlns:p="http://schemas.openxmlformats.org/presentationml/2006/main" showMasterSp="0" type="blank" preserve="1">
+<p:sldLayout xmlns:a="http://schemas.openxmlformats.org/drawingml/2006/main" xmlns:r="http://schemas.openxmlformats.org/officeDocument/2006/relationships" xmlns:p="http://schemas.openxmlformats.org/presentationml/2006/main" type="blank" preserve="1" showMasterSp="0">
   <p:cSld name="Blank">
     <p:spTree>
       <p:nvGrpSpPr>
@@ -4723,7 +4619,6 @@
           <a:p>
             <a:fld id="{4D94136C-8742-45B2-AF27-D93DF72833A9}" type="datetimeFigureOut">
               <a:rPr lang="en-US" dirty="0"/>
-              <a:t>3/25/2019</a:t>
             </a:fld>
             <a:endParaRPr lang="en-US" dirty="0"/>
           </a:p>
@@ -4773,8 +4668,6 @@
           <a:p>
             <a:fld id="{4FAB73BC-B049-4115-A692-8D63A059BFB8}" type="slidenum">
               <a:rPr lang="en-US" dirty="0"/>
-              <a:pPr/>
-              <a:t>‹#›</a:t>
             </a:fld>
             <a:endParaRPr lang="en-US" dirty="0"/>
           </a:p>
@@ -4782,13 +4675,7 @@
       </p:sp>
       <p:pic>
         <p:nvPicPr>
-          <p:cNvPr id="10" name="图片 9">
-            <a:extLst>
-              <a:ext uri="{FF2B5EF4-FFF2-40B4-BE49-F238E27FC236}">
-                <a16:creationId xmlns:a16="http://schemas.microsoft.com/office/drawing/2014/main" id="{F1F98C1B-D083-44F9-B41C-A9417FBA6AEC}"/>
-              </a:ext>
-            </a:extLst>
-          </p:cNvPr>
+          <p:cNvPr id="10" name="图片 9"/>
           <p:cNvPicPr>
             <a:picLocks noChangeAspect="1"/>
           </p:cNvPicPr>
@@ -4797,7 +4684,9 @@
         <p:blipFill rotWithShape="1">
           <a:blip r:embed="rId2"/>
           <a:srcRect l="21732" t="17280" r="23222" b="10233"/>
-          <a:stretch/>
+          <a:stretch>
+            <a:fillRect/>
+          </a:stretch>
         </p:blipFill>
         <p:spPr>
           <a:xfrm>
@@ -4818,7 +4707,7 @@
 </file>
 
 <file path=ppt/slideLayouts/slideLayout8.xml><?xml version="1.0" encoding="utf-8"?>
-<p:sldLayout xmlns:a="http://schemas.openxmlformats.org/drawingml/2006/main" xmlns:r="http://schemas.openxmlformats.org/officeDocument/2006/relationships" xmlns:p="http://schemas.openxmlformats.org/presentationml/2006/main" showMasterSp="0" type="objTx" preserve="1">
+<p:sldLayout xmlns:a="http://schemas.openxmlformats.org/drawingml/2006/main" xmlns:r="http://schemas.openxmlformats.org/officeDocument/2006/relationships" xmlns:p="http://schemas.openxmlformats.org/presentationml/2006/main" type="objTx" preserve="1" showMasterSp="0">
   <p:cSld name="Content with Caption">
     <p:spTree>
       <p:nvGrpSpPr>
@@ -4973,6 +4862,7 @@
               <a:rPr lang="en-US"/>
               <a:t>Click to edit Master text styles</a:t>
             </a:r>
+            <a:endParaRPr lang="en-US"/>
           </a:p>
           <a:p>
             <a:pPr lvl="1"/>
@@ -4980,6 +4870,7 @@
               <a:rPr lang="en-US"/>
               <a:t>Second level</a:t>
             </a:r>
+            <a:endParaRPr lang="en-US"/>
           </a:p>
           <a:p>
             <a:pPr lvl="2"/>
@@ -4987,6 +4878,7 @@
               <a:rPr lang="en-US"/>
               <a:t>Third level</a:t>
             </a:r>
+            <a:endParaRPr lang="en-US"/>
           </a:p>
           <a:p>
             <a:pPr lvl="3"/>
@@ -4994,6 +4886,7 @@
               <a:rPr lang="en-US"/>
               <a:t>Fourth level</a:t>
             </a:r>
+            <a:endParaRPr lang="en-US"/>
           </a:p>
           <a:p>
             <a:pPr lvl="4"/>
@@ -5073,6 +4966,7 @@
               <a:rPr lang="en-US"/>
               <a:t>Click to edit Master text styles</a:t>
             </a:r>
+            <a:endParaRPr lang="en-US"/>
           </a:p>
         </p:txBody>
       </p:sp>
@@ -5102,7 +4996,6 @@
           <a:p>
             <a:fld id="{32ABBEA6-7C60-4B02-AE87-00D78D8422AF}" type="datetimeFigureOut">
               <a:rPr lang="en-US" dirty="0"/>
-              <a:t>3/25/2019</a:t>
             </a:fld>
             <a:endParaRPr lang="en-US" dirty="0"/>
           </a:p>
@@ -5165,8 +5058,6 @@
           <a:p>
             <a:fld id="{4FAB73BC-B049-4115-A692-8D63A059BFB8}" type="slidenum">
               <a:rPr lang="en-US" dirty="0"/>
-              <a:pPr/>
-              <a:t>‹#›</a:t>
             </a:fld>
             <a:endParaRPr lang="en-US" dirty="0"/>
           </a:p>
@@ -5174,13 +5065,7 @@
       </p:sp>
       <p:pic>
         <p:nvPicPr>
-          <p:cNvPr id="10" name="图片 9">
-            <a:extLst>
-              <a:ext uri="{FF2B5EF4-FFF2-40B4-BE49-F238E27FC236}">
-                <a16:creationId xmlns:a16="http://schemas.microsoft.com/office/drawing/2014/main" id="{E69D50FF-33EE-432F-8D2D-154CB25EF1EE}"/>
-              </a:ext>
-            </a:extLst>
-          </p:cNvPr>
+          <p:cNvPr id="10" name="图片 9"/>
           <p:cNvPicPr>
             <a:picLocks noChangeAspect="1"/>
           </p:cNvPicPr>
@@ -5189,7 +5074,9 @@
         <p:blipFill rotWithShape="1">
           <a:blip r:embed="rId2"/>
           <a:srcRect l="21732" t="17280" r="23222" b="10233"/>
-          <a:stretch/>
+          <a:stretch>
+            <a:fillRect/>
+          </a:stretch>
         </p:blipFill>
         <p:spPr>
           <a:xfrm>
@@ -5210,7 +5097,7 @@
 </file>
 
 <file path=ppt/slideLayouts/slideLayout9.xml><?xml version="1.0" encoding="utf-8"?>
-<p:sldLayout xmlns:a="http://schemas.openxmlformats.org/drawingml/2006/main" xmlns:r="http://schemas.openxmlformats.org/officeDocument/2006/relationships" xmlns:p="http://schemas.openxmlformats.org/presentationml/2006/main" showMasterSp="0" type="picTx" preserve="1">
+<p:sldLayout xmlns:a="http://schemas.openxmlformats.org/drawingml/2006/main" xmlns:r="http://schemas.openxmlformats.org/officeDocument/2006/relationships" xmlns:p="http://schemas.openxmlformats.org/presentationml/2006/main" type="picTx" preserve="1" showMasterSp="0">
   <p:cSld name="Picture with Caption">
     <p:spTree>
       <p:nvGrpSpPr>
@@ -5489,6 +5376,7 @@
               <a:rPr lang="en-US"/>
               <a:t>Click to edit Master text styles</a:t>
             </a:r>
+            <a:endParaRPr lang="en-US"/>
           </a:p>
         </p:txBody>
       </p:sp>
@@ -5509,7 +5397,6 @@
           <a:p>
             <a:fld id="{C9CAD897-D46E-4AD2-BD9B-49DD3E640873}" type="datetimeFigureOut">
               <a:rPr lang="en-US" dirty="0"/>
-              <a:t>3/25/2019</a:t>
             </a:fld>
             <a:endParaRPr lang="en-US" dirty="0"/>
           </a:p>
@@ -5551,7 +5438,6 @@
           <a:p>
             <a:fld id="{4FAB73BC-B049-4115-A692-8D63A059BFB8}" type="slidenum">
               <a:rPr lang="en-US" dirty="0"/>
-              <a:t>‹#›</a:t>
             </a:fld>
             <a:endParaRPr lang="en-US" dirty="0"/>
           </a:p>
@@ -5559,13 +5445,7 @@
       </p:sp>
       <p:pic>
         <p:nvPicPr>
-          <p:cNvPr id="10" name="图片 9">
-            <a:extLst>
-              <a:ext uri="{FF2B5EF4-FFF2-40B4-BE49-F238E27FC236}">
-                <a16:creationId xmlns:a16="http://schemas.microsoft.com/office/drawing/2014/main" id="{2BD12C3B-F559-40DA-8956-CA706B28A92B}"/>
-              </a:ext>
-            </a:extLst>
-          </p:cNvPr>
+          <p:cNvPr id="10" name="图片 9"/>
           <p:cNvPicPr>
             <a:picLocks noChangeAspect="1"/>
           </p:cNvPicPr>
@@ -5574,7 +5454,9 @@
         <p:blipFill rotWithShape="1">
           <a:blip r:embed="rId3"/>
           <a:srcRect l="21732" t="17280" r="23222" b="10233"/>
-          <a:stretch/>
+          <a:stretch>
+            <a:fillRect/>
+          </a:stretch>
         </p:blipFill>
         <p:spPr>
           <a:xfrm>
@@ -5755,6 +5637,7 @@
               <a:rPr lang="en-US"/>
               <a:t>Click to edit Master text styles</a:t>
             </a:r>
+            <a:endParaRPr lang="en-US"/>
           </a:p>
           <a:p>
             <a:pPr lvl="1"/>
@@ -5762,6 +5645,7 @@
               <a:rPr lang="en-US"/>
               <a:t>Second level</a:t>
             </a:r>
+            <a:endParaRPr lang="en-US"/>
           </a:p>
           <a:p>
             <a:pPr lvl="2"/>
@@ -5769,6 +5653,7 @@
               <a:rPr lang="en-US"/>
               <a:t>Third level</a:t>
             </a:r>
+            <a:endParaRPr lang="en-US"/>
           </a:p>
           <a:p>
             <a:pPr lvl="3"/>
@@ -5776,6 +5661,7 @@
               <a:rPr lang="en-US"/>
               <a:t>Fourth level</a:t>
             </a:r>
+            <a:endParaRPr lang="en-US"/>
           </a:p>
           <a:p>
             <a:pPr lvl="4"/>
@@ -5820,7 +5706,6 @@
           <a:p>
             <a:fld id="{98624D31-43A5-475A-80CF-332C9F6DCF35}" type="datetimeFigureOut">
               <a:rPr lang="en-US" dirty="0"/>
-              <a:t>3/25/2019</a:t>
             </a:fld>
             <a:endParaRPr lang="en-US" dirty="0"/>
           </a:p>
@@ -5894,8 +5779,6 @@
           <a:p>
             <a:fld id="{4FAB73BC-B049-4115-A692-8D63A059BFB8}" type="slidenum">
               <a:rPr lang="en-US" dirty="0"/>
-              <a:pPr/>
-              <a:t>‹#›</a:t>
             </a:fld>
             <a:endParaRPr lang="en-US" dirty="0"/>
           </a:p>
@@ -5944,7 +5827,7 @@
   <p:clrMap bg1="lt1" tx1="dk1" bg2="lt2" tx2="dk2" accent1="accent1" accent2="accent2" accent3="accent3" accent4="accent4" accent5="accent5" accent6="accent6" hlink="hlink" folHlink="folHlink"/>
   <p:sldLayoutIdLst>
     <p:sldLayoutId id="2147483649" r:id="rId1"/>
-    <p:sldLayoutId id="2147483660" r:id="rId2"/>
+    <p:sldLayoutId id="2147483650" r:id="rId2"/>
     <p:sldLayoutId id="2147483651" r:id="rId3"/>
     <p:sldLayoutId id="2147483652" r:id="rId4"/>
     <p:sldLayoutId id="2147483653" r:id="rId5"/>
@@ -6008,7 +5891,7 @@
           <a:cs typeface="+mn-cs"/>
         </a:defRPr>
       </a:lvl1pPr>
-      <a:lvl2pPr marL="384048" indent="-182880" algn="l" defTabSz="914400" rtl="0" eaLnBrk="1" latinLnBrk="0" hangingPunct="1">
+      <a:lvl2pPr marL="384175" indent="-182880" algn="l" defTabSz="914400" rtl="0" eaLnBrk="1" latinLnBrk="0" hangingPunct="1">
         <a:lnSpc>
           <a:spcPct val="90000"/>
         </a:lnSpc>
@@ -6021,7 +5904,7 @@
         <a:buClr>
           <a:schemeClr val="accent1"/>
         </a:buClr>
-        <a:buFont typeface="Calibri" pitchFamily="34" charset="0"/>
+        <a:buFont typeface="Calibri" panose="020F0502020204030204" pitchFamily="34" charset="0"/>
         <a:buChar char="◦"/>
         <a:defRPr sz="1800" kern="1200">
           <a:solidFill>
@@ -6035,7 +5918,7 @@
           <a:cs typeface="+mn-cs"/>
         </a:defRPr>
       </a:lvl2pPr>
-      <a:lvl3pPr marL="566928" indent="-182880" algn="l" defTabSz="914400" rtl="0" eaLnBrk="1" latinLnBrk="0" hangingPunct="1">
+      <a:lvl3pPr marL="567055" indent="-182880" algn="l" defTabSz="914400" rtl="0" eaLnBrk="1" latinLnBrk="0" hangingPunct="1">
         <a:lnSpc>
           <a:spcPct val="90000"/>
         </a:lnSpc>
@@ -6048,7 +5931,7 @@
         <a:buClr>
           <a:schemeClr val="accent1"/>
         </a:buClr>
-        <a:buFont typeface="Calibri" pitchFamily="34" charset="0"/>
+        <a:buFont typeface="Calibri" panose="020F0502020204030204" pitchFamily="34" charset="0"/>
         <a:buChar char="◦"/>
         <a:defRPr sz="1400" kern="1200">
           <a:solidFill>
@@ -6062,7 +5945,7 @@
           <a:cs typeface="+mn-cs"/>
         </a:defRPr>
       </a:lvl3pPr>
-      <a:lvl4pPr marL="749808" indent="-182880" algn="l" defTabSz="914400" rtl="0" eaLnBrk="1" latinLnBrk="0" hangingPunct="1">
+      <a:lvl4pPr marL="749935" indent="-182880" algn="l" defTabSz="914400" rtl="0" eaLnBrk="1" latinLnBrk="0" hangingPunct="1">
         <a:lnSpc>
           <a:spcPct val="90000"/>
         </a:lnSpc>
@@ -6075,7 +5958,7 @@
         <a:buClr>
           <a:schemeClr val="accent1"/>
         </a:buClr>
-        <a:buFont typeface="Calibri" pitchFamily="34" charset="0"/>
+        <a:buFont typeface="Calibri" panose="020F0502020204030204" pitchFamily="34" charset="0"/>
         <a:buChar char="◦"/>
         <a:defRPr sz="1400" kern="1200">
           <a:solidFill>
@@ -6089,7 +5972,7 @@
           <a:cs typeface="+mn-cs"/>
         </a:defRPr>
       </a:lvl4pPr>
-      <a:lvl5pPr marL="932688" indent="-182880" algn="l" defTabSz="914400" rtl="0" eaLnBrk="1" latinLnBrk="0" hangingPunct="1">
+      <a:lvl5pPr marL="932815" indent="-182880" algn="l" defTabSz="914400" rtl="0" eaLnBrk="1" latinLnBrk="0" hangingPunct="1">
         <a:lnSpc>
           <a:spcPct val="90000"/>
         </a:lnSpc>
@@ -6102,7 +5985,7 @@
         <a:buClr>
           <a:schemeClr val="accent1"/>
         </a:buClr>
-        <a:buFont typeface="Calibri" pitchFamily="34" charset="0"/>
+        <a:buFont typeface="Calibri" panose="020F0502020204030204" pitchFamily="34" charset="0"/>
         <a:buChar char="◦"/>
         <a:defRPr sz="1400" kern="1200">
           <a:solidFill>
@@ -6116,7 +5999,7 @@
           <a:cs typeface="+mn-cs"/>
         </a:defRPr>
       </a:lvl5pPr>
-      <a:lvl6pPr marL="1100000" indent="-228600" algn="l" defTabSz="914400" rtl="0" eaLnBrk="1" latinLnBrk="0" hangingPunct="1">
+      <a:lvl6pPr marL="1099820" indent="-228600" algn="l" defTabSz="914400" rtl="0" eaLnBrk="1" latinLnBrk="0" hangingPunct="1">
         <a:lnSpc>
           <a:spcPct val="90000"/>
         </a:lnSpc>
@@ -6129,7 +6012,7 @@
         <a:buClr>
           <a:schemeClr val="accent1"/>
         </a:buClr>
-        <a:buFont typeface="Calibri" pitchFamily="34" charset="0"/>
+        <a:buFont typeface="Calibri" panose="020F0502020204030204" pitchFamily="34" charset="0"/>
         <a:buChar char="◦"/>
         <a:defRPr sz="1400" kern="1200">
           <a:solidFill>
@@ -6143,7 +6026,7 @@
           <a:cs typeface="+mn-cs"/>
         </a:defRPr>
       </a:lvl6pPr>
-      <a:lvl7pPr marL="1300000" indent="-228600" algn="l" defTabSz="914400" rtl="0" eaLnBrk="1" latinLnBrk="0" hangingPunct="1">
+      <a:lvl7pPr marL="1299845" indent="-228600" algn="l" defTabSz="914400" rtl="0" eaLnBrk="1" latinLnBrk="0" hangingPunct="1">
         <a:lnSpc>
           <a:spcPct val="90000"/>
         </a:lnSpc>
@@ -6156,7 +6039,7 @@
         <a:buClr>
           <a:schemeClr val="accent1"/>
         </a:buClr>
-        <a:buFont typeface="Calibri" pitchFamily="34" charset="0"/>
+        <a:buFont typeface="Calibri" panose="020F0502020204030204" pitchFamily="34" charset="0"/>
         <a:buChar char="◦"/>
         <a:defRPr sz="1400" kern="1200">
           <a:solidFill>
@@ -6170,7 +6053,7 @@
           <a:cs typeface="+mn-cs"/>
         </a:defRPr>
       </a:lvl7pPr>
-      <a:lvl8pPr marL="1500000" indent="-228600" algn="l" defTabSz="914400" rtl="0" eaLnBrk="1" latinLnBrk="0" hangingPunct="1">
+      <a:lvl8pPr marL="1499870" indent="-228600" algn="l" defTabSz="914400" rtl="0" eaLnBrk="1" latinLnBrk="0" hangingPunct="1">
         <a:lnSpc>
           <a:spcPct val="90000"/>
         </a:lnSpc>
@@ -6183,7 +6066,7 @@
         <a:buClr>
           <a:schemeClr val="accent1"/>
         </a:buClr>
-        <a:buFont typeface="Calibri" pitchFamily="34" charset="0"/>
+        <a:buFont typeface="Calibri" panose="020F0502020204030204" pitchFamily="34" charset="0"/>
         <a:buChar char="◦"/>
         <a:defRPr sz="1400" kern="1200">
           <a:solidFill>
@@ -6197,7 +6080,7 @@
           <a:cs typeface="+mn-cs"/>
         </a:defRPr>
       </a:lvl8pPr>
-      <a:lvl9pPr marL="1700000" indent="-228600" algn="l" defTabSz="914400" rtl="0" eaLnBrk="1" latinLnBrk="0" hangingPunct="1">
+      <a:lvl9pPr marL="1699895" indent="-228600" algn="l" defTabSz="914400" rtl="0" eaLnBrk="1" latinLnBrk="0" hangingPunct="1">
         <a:lnSpc>
           <a:spcPct val="90000"/>
         </a:lnSpc>
@@ -6210,7 +6093,7 @@
         <a:buClr>
           <a:schemeClr val="accent1"/>
         </a:buClr>
-        <a:buFont typeface="Calibri" pitchFamily="34" charset="0"/>
+        <a:buFont typeface="Calibri" panose="020F0502020204030204" pitchFamily="34" charset="0"/>
         <a:buChar char="◦"/>
         <a:defRPr sz="1400" kern="1200">
           <a:solidFill>
@@ -6393,11 +6276,6 @@
         </p:txBody>
       </p:sp>
     </p:spTree>
-    <p:extLst>
-      <p:ext uri="{BB962C8B-B14F-4D97-AF65-F5344CB8AC3E}">
-        <p14:creationId xmlns:p14="http://schemas.microsoft.com/office/powerpoint/2010/main" val="165968008"/>
-      </p:ext>
-    </p:extLst>
   </p:cSld>
   <p:clrMapOvr>
     <a:masterClrMapping/>
@@ -6424,13 +6302,7 @@
       </p:grpSpPr>
       <p:sp>
         <p:nvSpPr>
-          <p:cNvPr id="2" name="标题 1">
-            <a:extLst>
-              <a:ext uri="{FF2B5EF4-FFF2-40B4-BE49-F238E27FC236}">
-                <a16:creationId xmlns:a16="http://schemas.microsoft.com/office/drawing/2014/main" id="{45B52BD5-94A6-472B-B98B-1D525AAC92BC}"/>
-              </a:ext>
-            </a:extLst>
-          </p:cNvPr>
+          <p:cNvPr id="2" name="标题 1"/>
           <p:cNvSpPr>
             <a:spLocks noGrp="1"/>
           </p:cNvSpPr>
@@ -6453,13 +6325,7 @@
       </p:sp>
       <p:sp>
         <p:nvSpPr>
-          <p:cNvPr id="3" name="内容占位符 2">
-            <a:extLst>
-              <a:ext uri="{FF2B5EF4-FFF2-40B4-BE49-F238E27FC236}">
-                <a16:creationId xmlns:a16="http://schemas.microsoft.com/office/drawing/2014/main" id="{736D005E-76D6-4BDE-857D-B4447EDBD449}"/>
-              </a:ext>
-            </a:extLst>
-          </p:cNvPr>
+          <p:cNvPr id="3" name="内容占位符 2"/>
           <p:cNvSpPr>
             <a:spLocks noGrp="1"/>
           </p:cNvSpPr>
@@ -6480,6 +6346,7 @@
               <a:rPr lang="en-US" altLang="zh-CN" sz="3200" dirty="0"/>
               <a:t>Professionally crafted layouts</a:t>
             </a:r>
+            <a:endParaRPr lang="en-US" altLang="zh-CN" sz="3200" dirty="0"/>
           </a:p>
           <a:p>
             <a:pPr>
@@ -6490,6 +6357,7 @@
               <a:rPr lang="en-US" altLang="zh-CN" sz="3200" dirty="0"/>
               <a:t>The typesetting of mathematical formulae</a:t>
             </a:r>
+            <a:endParaRPr lang="en-US" altLang="zh-CN" sz="3200" dirty="0"/>
           </a:p>
           <a:p>
             <a:pPr>
@@ -6500,6 +6368,7 @@
               <a:rPr lang="en-GB" altLang="zh-CN" sz="3200" dirty="0"/>
               <a:t>Even complex structures such as footnotes, references, table of   contents, and bibliographies can be generated easily.</a:t>
             </a:r>
+            <a:endParaRPr lang="en-GB" altLang="zh-CN" sz="3200" dirty="0"/>
           </a:p>
           <a:p>
             <a:pPr>
@@ -6510,6 +6379,7 @@
               <a:rPr lang="en-GB" altLang="zh-CN" sz="3200" dirty="0"/>
               <a:t>Encourages authors to write well-structured texts.</a:t>
             </a:r>
+            <a:endParaRPr lang="en-GB" altLang="zh-CN" sz="3200" dirty="0"/>
           </a:p>
           <a:p>
             <a:pPr>
@@ -6520,6 +6390,7 @@
               <a:rPr lang="en-GB" altLang="zh-CN" sz="3200" dirty="0"/>
               <a:t> highly portable and free</a:t>
             </a:r>
+            <a:endParaRPr lang="en-GB" altLang="zh-CN" sz="3200" dirty="0"/>
           </a:p>
           <a:p>
             <a:endParaRPr lang="en-US" altLang="zh-CN" dirty="0"/>
@@ -6530,11 +6401,6 @@
         </p:txBody>
       </p:sp>
     </p:spTree>
-    <p:extLst>
-      <p:ext uri="{BB962C8B-B14F-4D97-AF65-F5344CB8AC3E}">
-        <p14:creationId xmlns:p14="http://schemas.microsoft.com/office/powerpoint/2010/main" val="2920750887"/>
-      </p:ext>
-    </p:extLst>
   </p:cSld>
   <p:clrMapOvr>
     <a:masterClrMapping/>
@@ -6899,13 +6765,7 @@
       </p:grpSpPr>
       <p:sp>
         <p:nvSpPr>
-          <p:cNvPr id="2" name="标题 1">
-            <a:extLst>
-              <a:ext uri="{FF2B5EF4-FFF2-40B4-BE49-F238E27FC236}">
-                <a16:creationId xmlns:a16="http://schemas.microsoft.com/office/drawing/2014/main" id="{187AC2C1-F0E5-4863-A439-D4D59E507A94}"/>
-              </a:ext>
-            </a:extLst>
-          </p:cNvPr>
+          <p:cNvPr id="2" name="标题 1"/>
           <p:cNvSpPr>
             <a:spLocks noGrp="1"/>
           </p:cNvSpPr>
@@ -6928,13 +6788,7 @@
       </p:sp>
       <p:sp>
         <p:nvSpPr>
-          <p:cNvPr id="3" name="文本占位符 2">
-            <a:extLst>
-              <a:ext uri="{FF2B5EF4-FFF2-40B4-BE49-F238E27FC236}">
-                <a16:creationId xmlns:a16="http://schemas.microsoft.com/office/drawing/2014/main" id="{3A6FDEB4-35F6-4303-808D-E6463C382D3D}"/>
-              </a:ext>
-            </a:extLst>
-          </p:cNvPr>
+          <p:cNvPr id="3" name="文本占位符 2"/>
           <p:cNvSpPr>
             <a:spLocks noGrp="1"/>
           </p:cNvSpPr>
@@ -6952,11 +6806,6 @@
         </p:txBody>
       </p:sp>
     </p:spTree>
-    <p:extLst>
-      <p:ext uri="{BB962C8B-B14F-4D97-AF65-F5344CB8AC3E}">
-        <p14:creationId xmlns:p14="http://schemas.microsoft.com/office/powerpoint/2010/main" val="648025668"/>
-      </p:ext>
-    </p:extLst>
   </p:cSld>
   <p:clrMapOvr>
     <a:masterClrMapping/>
@@ -6983,13 +6832,7 @@
       </p:grpSpPr>
       <p:sp>
         <p:nvSpPr>
-          <p:cNvPr id="2" name="标题 1">
-            <a:extLst>
-              <a:ext uri="{FF2B5EF4-FFF2-40B4-BE49-F238E27FC236}">
-                <a16:creationId xmlns:a16="http://schemas.microsoft.com/office/drawing/2014/main" id="{E866B4D4-7D56-4850-AC05-8B98CCEE0987}"/>
-              </a:ext>
-            </a:extLst>
-          </p:cNvPr>
+          <p:cNvPr id="2" name="标题 1"/>
           <p:cNvSpPr>
             <a:spLocks noGrp="1"/>
           </p:cNvSpPr>
@@ -7012,13 +6855,7 @@
       </p:sp>
       <p:pic>
         <p:nvPicPr>
-          <p:cNvPr id="4" name="内容占位符 3">
-            <a:extLst>
-              <a:ext uri="{FF2B5EF4-FFF2-40B4-BE49-F238E27FC236}">
-                <a16:creationId xmlns:a16="http://schemas.microsoft.com/office/drawing/2014/main" id="{B70853EF-0F0A-49C9-A31F-EC96B66EE6F3}"/>
-              </a:ext>
-            </a:extLst>
-          </p:cNvPr>
+          <p:cNvPr id="4" name="内容占位符 3"/>
           <p:cNvPicPr>
             <a:picLocks noGrp="1" noChangeAspect="1"/>
           </p:cNvPicPr>
@@ -7027,7 +6864,7 @@
           </p:nvPr>
         </p:nvPicPr>
         <p:blipFill>
-          <a:blip r:embed="rId3"/>
+          <a:blip r:embed="rId1"/>
           <a:stretch>
             <a:fillRect/>
           </a:stretch>
@@ -7043,11 +6880,6 @@
         </p:spPr>
       </p:pic>
     </p:spTree>
-    <p:extLst>
-      <p:ext uri="{BB962C8B-B14F-4D97-AF65-F5344CB8AC3E}">
-        <p14:creationId xmlns:p14="http://schemas.microsoft.com/office/powerpoint/2010/main" val="146484444"/>
-      </p:ext>
-    </p:extLst>
   </p:cSld>
   <p:clrMapOvr>
     <a:masterClrMapping/>
@@ -7074,13 +6906,7 @@
       </p:grpSpPr>
       <p:sp>
         <p:nvSpPr>
-          <p:cNvPr id="2" name="标题 1">
-            <a:extLst>
-              <a:ext uri="{FF2B5EF4-FFF2-40B4-BE49-F238E27FC236}">
-                <a16:creationId xmlns:a16="http://schemas.microsoft.com/office/drawing/2014/main" id="{81B69017-65C8-4910-8BF9-55E09C742ACD}"/>
-              </a:ext>
-            </a:extLst>
-          </p:cNvPr>
+          <p:cNvPr id="2" name="标题 1"/>
           <p:cNvSpPr>
             <a:spLocks noGrp="1"/>
           </p:cNvSpPr>
@@ -7103,13 +6929,7 @@
       </p:sp>
       <p:sp>
         <p:nvSpPr>
-          <p:cNvPr id="3" name="内容占位符 2">
-            <a:extLst>
-              <a:ext uri="{FF2B5EF4-FFF2-40B4-BE49-F238E27FC236}">
-                <a16:creationId xmlns:a16="http://schemas.microsoft.com/office/drawing/2014/main" id="{3D876BAE-FA6A-4579-BE85-2B8A7272AF7E}"/>
-              </a:ext>
-            </a:extLst>
-          </p:cNvPr>
+          <p:cNvPr id="3" name="内容占位符 2"/>
           <p:cNvSpPr>
             <a:spLocks noGrp="1"/>
           </p:cNvSpPr>
@@ -7128,20 +6948,14 @@
       </p:sp>
       <p:pic>
         <p:nvPicPr>
-          <p:cNvPr id="4" name="图片 3">
-            <a:extLst>
-              <a:ext uri="{FF2B5EF4-FFF2-40B4-BE49-F238E27FC236}">
-                <a16:creationId xmlns:a16="http://schemas.microsoft.com/office/drawing/2014/main" id="{EF6237DE-BA9F-4D52-ACE1-5467DA745CA2}"/>
-              </a:ext>
-            </a:extLst>
-          </p:cNvPr>
+          <p:cNvPr id="4" name="图片 3"/>
           <p:cNvPicPr>
             <a:picLocks noChangeAspect="1"/>
           </p:cNvPicPr>
           <p:nvPr/>
         </p:nvPicPr>
         <p:blipFill>
-          <a:blip r:embed="rId3"/>
+          <a:blip r:embed="rId1"/>
           <a:stretch>
             <a:fillRect/>
           </a:stretch>
@@ -7157,11 +6971,6 @@
         </p:spPr>
       </p:pic>
     </p:spTree>
-    <p:extLst>
-      <p:ext uri="{BB962C8B-B14F-4D97-AF65-F5344CB8AC3E}">
-        <p14:creationId xmlns:p14="http://schemas.microsoft.com/office/powerpoint/2010/main" val="2626600433"/>
-      </p:ext>
-    </p:extLst>
   </p:cSld>
   <p:clrMapOvr>
     <a:masterClrMapping/>
@@ -7188,13 +6997,7 @@
       </p:grpSpPr>
       <p:sp>
         <p:nvSpPr>
-          <p:cNvPr id="2" name="标题 1">
-            <a:extLst>
-              <a:ext uri="{FF2B5EF4-FFF2-40B4-BE49-F238E27FC236}">
-                <a16:creationId xmlns:a16="http://schemas.microsoft.com/office/drawing/2014/main" id="{2B4D1C56-2241-4985-8445-F50B6CCE58FF}"/>
-              </a:ext>
-            </a:extLst>
-          </p:cNvPr>
+          <p:cNvPr id="2" name="标题 1"/>
           <p:cNvSpPr>
             <a:spLocks noGrp="1"/>
           </p:cNvSpPr>
@@ -7217,13 +7020,7 @@
       </p:sp>
       <p:sp>
         <p:nvSpPr>
-          <p:cNvPr id="3" name="内容占位符 2">
-            <a:extLst>
-              <a:ext uri="{FF2B5EF4-FFF2-40B4-BE49-F238E27FC236}">
-                <a16:creationId xmlns:a16="http://schemas.microsoft.com/office/drawing/2014/main" id="{F63D146A-8B9F-43F4-90B4-30C331E07829}"/>
-              </a:ext>
-            </a:extLst>
-          </p:cNvPr>
+          <p:cNvPr id="3" name="内容占位符 2"/>
           <p:cNvSpPr>
             <a:spLocks noGrp="1"/>
           </p:cNvSpPr>
@@ -7240,45 +7037,45 @@
               <a:rPr lang="en-GB" altLang="zh-CN" dirty="0"/>
               <a:t>case sensitive</a:t>
             </a:r>
+            <a:endParaRPr lang="en-GB" altLang="zh-CN" dirty="0"/>
           </a:p>
           <a:p>
             <a:r>
               <a:rPr lang="en-GB" altLang="zh-CN" dirty="0"/>
               <a:t>• They start with a backslash \ and then have a name consisting of letters only. </a:t>
             </a:r>
+            <a:endParaRPr lang="en-GB" altLang="zh-CN" dirty="0"/>
           </a:p>
           <a:p>
             <a:r>
               <a:rPr lang="en-GB" altLang="zh-CN" dirty="0"/>
               <a:t>Command names are terminated by a space, a number or any other ‘non-letter.’</a:t>
             </a:r>
+            <a:endParaRPr lang="en-GB" altLang="zh-CN" dirty="0"/>
           </a:p>
           <a:p>
             <a:r>
               <a:rPr lang="en-GB" altLang="zh-CN" dirty="0"/>
               <a:t>• They consist of a backslash and exactly one non-letter.</a:t>
             </a:r>
+            <a:endParaRPr lang="en-GB" altLang="zh-CN" dirty="0"/>
           </a:p>
           <a:p>
             <a:r>
               <a:rPr lang="en-GB" altLang="zh-CN" dirty="0"/>
               <a:t>• Many commands exist in a ‘starred variant’ where a star is appended to the command name.</a:t>
             </a:r>
-          </a:p>
-          <a:p>
             <a:endParaRPr lang="en-GB" altLang="zh-CN" dirty="0"/>
           </a:p>
           <a:p>
+            <a:endParaRPr lang="en-GB" altLang="zh-CN" dirty="0"/>
+          </a:p>
+          <a:p>
             <a:endParaRPr lang="zh-CN" altLang="en-US" dirty="0"/>
           </a:p>
         </p:txBody>
       </p:sp>
     </p:spTree>
-    <p:extLst>
-      <p:ext uri="{BB962C8B-B14F-4D97-AF65-F5344CB8AC3E}">
-        <p14:creationId xmlns:p14="http://schemas.microsoft.com/office/powerpoint/2010/main" val="2799809183"/>
-      </p:ext>
-    </p:extLst>
   </p:cSld>
   <p:clrMapOvr>
     <a:masterClrMapping/>
@@ -7305,13 +7102,7 @@
       </p:grpSpPr>
       <p:sp>
         <p:nvSpPr>
-          <p:cNvPr id="2" name="标题 1">
-            <a:extLst>
-              <a:ext uri="{FF2B5EF4-FFF2-40B4-BE49-F238E27FC236}">
-                <a16:creationId xmlns:a16="http://schemas.microsoft.com/office/drawing/2014/main" id="{36A7D571-F7D8-42ED-AE37-3E90197C4EF2}"/>
-              </a:ext>
-            </a:extLst>
-          </p:cNvPr>
+          <p:cNvPr id="2" name="标题 1"/>
           <p:cNvSpPr>
             <a:spLocks noGrp="1"/>
           </p:cNvSpPr>
@@ -7334,13 +7125,7 @@
       </p:sp>
       <p:sp>
         <p:nvSpPr>
-          <p:cNvPr id="3" name="内容占位符 2">
-            <a:extLst>
-              <a:ext uri="{FF2B5EF4-FFF2-40B4-BE49-F238E27FC236}">
-                <a16:creationId xmlns:a16="http://schemas.microsoft.com/office/drawing/2014/main" id="{69ABF4F2-E78D-4456-AFAB-B6C787F6E1FD}"/>
-              </a:ext>
-            </a:extLst>
-          </p:cNvPr>
+          <p:cNvPr id="3" name="内容占位符 2"/>
           <p:cNvSpPr>
             <a:spLocks noGrp="1"/>
           </p:cNvSpPr>
@@ -7365,20 +7150,14 @@
       </p:sp>
       <p:pic>
         <p:nvPicPr>
-          <p:cNvPr id="4" name="图片 3">
-            <a:extLst>
-              <a:ext uri="{FF2B5EF4-FFF2-40B4-BE49-F238E27FC236}">
-                <a16:creationId xmlns:a16="http://schemas.microsoft.com/office/drawing/2014/main" id="{A12CF092-446C-4006-9095-1F0397D1A1E1}"/>
-              </a:ext>
-            </a:extLst>
-          </p:cNvPr>
+          <p:cNvPr id="4" name="图片 3"/>
           <p:cNvPicPr>
             <a:picLocks noChangeAspect="1"/>
           </p:cNvPicPr>
           <p:nvPr/>
         </p:nvPicPr>
         <p:blipFill>
-          <a:blip r:embed="rId2"/>
+          <a:blip r:embed="rId1"/>
           <a:stretch>
             <a:fillRect/>
           </a:stretch>
@@ -7394,11 +7173,6 @@
         </p:spPr>
       </p:pic>
     </p:spTree>
-    <p:extLst>
-      <p:ext uri="{BB962C8B-B14F-4D97-AF65-F5344CB8AC3E}">
-        <p14:creationId xmlns:p14="http://schemas.microsoft.com/office/powerpoint/2010/main" val="882724061"/>
-      </p:ext>
-    </p:extLst>
   </p:cSld>
   <p:clrMapOvr>
     <a:masterClrMapping/>
@@ -7425,13 +7199,7 @@
       </p:grpSpPr>
       <p:sp>
         <p:nvSpPr>
-          <p:cNvPr id="2" name="标题 1">
-            <a:extLst>
-              <a:ext uri="{FF2B5EF4-FFF2-40B4-BE49-F238E27FC236}">
-                <a16:creationId xmlns:a16="http://schemas.microsoft.com/office/drawing/2014/main" id="{9C3D5125-8964-4107-B173-0B3B7FDA4771}"/>
-              </a:ext>
-            </a:extLst>
-          </p:cNvPr>
+          <p:cNvPr id="2" name="标题 1"/>
           <p:cNvSpPr>
             <a:spLocks noGrp="1"/>
           </p:cNvSpPr>
@@ -7454,13 +7222,7 @@
       </p:sp>
       <p:sp>
         <p:nvSpPr>
-          <p:cNvPr id="3" name="内容占位符 2">
-            <a:extLst>
-              <a:ext uri="{FF2B5EF4-FFF2-40B4-BE49-F238E27FC236}">
-                <a16:creationId xmlns:a16="http://schemas.microsoft.com/office/drawing/2014/main" id="{556B3C94-A24A-46CF-BE65-746C372A31D0}"/>
-              </a:ext>
-            </a:extLst>
-          </p:cNvPr>
+          <p:cNvPr id="3" name="内容占位符 2"/>
           <p:cNvSpPr>
             <a:spLocks noGrp="1"/>
           </p:cNvSpPr>
@@ -7498,11 +7260,6 @@
         </p:txBody>
       </p:sp>
     </p:spTree>
-    <p:extLst>
-      <p:ext uri="{BB962C8B-B14F-4D97-AF65-F5344CB8AC3E}">
-        <p14:creationId xmlns:p14="http://schemas.microsoft.com/office/powerpoint/2010/main" val="2566866681"/>
-      </p:ext>
-    </p:extLst>
   </p:cSld>
   <p:clrMapOvr>
     <a:masterClrMapping/>
@@ -7529,13 +7286,7 @@
       </p:grpSpPr>
       <p:sp>
         <p:nvSpPr>
-          <p:cNvPr id="2" name="标题 1">
-            <a:extLst>
-              <a:ext uri="{FF2B5EF4-FFF2-40B4-BE49-F238E27FC236}">
-                <a16:creationId xmlns:a16="http://schemas.microsoft.com/office/drawing/2014/main" id="{0E93535A-A852-4400-893D-97E61F044D83}"/>
-              </a:ext>
-            </a:extLst>
-          </p:cNvPr>
+          <p:cNvPr id="2" name="标题 1"/>
           <p:cNvSpPr>
             <a:spLocks noGrp="1"/>
           </p:cNvSpPr>
@@ -7558,13 +7309,7 @@
       </p:sp>
       <p:sp>
         <p:nvSpPr>
-          <p:cNvPr id="3" name="文本占位符 2">
-            <a:extLst>
-              <a:ext uri="{FF2B5EF4-FFF2-40B4-BE49-F238E27FC236}">
-                <a16:creationId xmlns:a16="http://schemas.microsoft.com/office/drawing/2014/main" id="{1E98514E-A71A-4C53-8C7C-EF503AD3E78B}"/>
-              </a:ext>
-            </a:extLst>
-          </p:cNvPr>
+          <p:cNvPr id="3" name="文本占位符 2"/>
           <p:cNvSpPr>
             <a:spLocks noGrp="1"/>
           </p:cNvSpPr>
@@ -7582,11 +7327,6 @@
         </p:txBody>
       </p:sp>
     </p:spTree>
-    <p:extLst>
-      <p:ext uri="{BB962C8B-B14F-4D97-AF65-F5344CB8AC3E}">
-        <p14:creationId xmlns:p14="http://schemas.microsoft.com/office/powerpoint/2010/main" val="1690489085"/>
-      </p:ext>
-    </p:extLst>
   </p:cSld>
   <p:clrMapOvr>
     <a:masterClrMapping/>
@@ -7613,13 +7353,7 @@
       </p:grpSpPr>
       <p:sp>
         <p:nvSpPr>
-          <p:cNvPr id="2" name="标题 1">
-            <a:extLst>
-              <a:ext uri="{FF2B5EF4-FFF2-40B4-BE49-F238E27FC236}">
-                <a16:creationId xmlns:a16="http://schemas.microsoft.com/office/drawing/2014/main" id="{73AD5919-7DB8-4CE4-8C7E-8DFF4E11CEDA}"/>
-              </a:ext>
-            </a:extLst>
-          </p:cNvPr>
+          <p:cNvPr id="2" name="标题 1"/>
           <p:cNvSpPr>
             <a:spLocks noGrp="1"/>
           </p:cNvSpPr>
@@ -7638,13 +7372,7 @@
       </p:sp>
       <p:sp>
         <p:nvSpPr>
-          <p:cNvPr id="3" name="内容占位符 2">
-            <a:extLst>
-              <a:ext uri="{FF2B5EF4-FFF2-40B4-BE49-F238E27FC236}">
-                <a16:creationId xmlns:a16="http://schemas.microsoft.com/office/drawing/2014/main" id="{BB9A016B-B32C-462F-ADC6-C6D70E489BD1}"/>
-              </a:ext>
-            </a:extLst>
-          </p:cNvPr>
+          <p:cNvPr id="3" name="内容占位符 2"/>
           <p:cNvSpPr>
             <a:spLocks noGrp="1"/>
           </p:cNvSpPr>
@@ -7678,6 +7406,7 @@
               <a:rPr lang="en-GB" altLang="zh-CN" sz="3200" dirty="0"/>
               <a:t>This specifies what sort of document you intend to write</a:t>
             </a:r>
+            <a:endParaRPr lang="en-GB" altLang="zh-CN" sz="3200" dirty="0"/>
           </a:p>
           <a:p>
             <a:r>
@@ -7699,6 +7428,7 @@
               <a:rPr lang="en-GB" altLang="zh-CN" sz="3200" dirty="0"/>
               <a:t>commands to influence the style of the whole document, or load packages</a:t>
             </a:r>
+            <a:endParaRPr lang="en-GB" altLang="zh-CN" sz="3200" dirty="0"/>
           </a:p>
           <a:p>
             <a:endParaRPr lang="en-GB" altLang="zh-CN" sz="3200" dirty="0"/>
@@ -7708,12 +7438,14 @@
               <a:rPr lang="en-GB" altLang="zh-CN" sz="3200" b="1" i="1" dirty="0"/>
               <a:t>\begin{document}</a:t>
             </a:r>
+            <a:endParaRPr lang="en-GB" altLang="zh-CN" sz="3200" b="1" i="1" dirty="0"/>
           </a:p>
           <a:p>
             <a:r>
               <a:rPr lang="en-GB" altLang="zh-CN" sz="3200" b="1" i="1" dirty="0"/>
               <a:t>…</a:t>
             </a:r>
+            <a:endParaRPr lang="en-GB" altLang="zh-CN" sz="3200" b="1" i="1" dirty="0"/>
           </a:p>
           <a:p>
             <a:r>
@@ -7725,11 +7457,6 @@
         </p:txBody>
       </p:sp>
     </p:spTree>
-    <p:extLst>
-      <p:ext uri="{BB962C8B-B14F-4D97-AF65-F5344CB8AC3E}">
-        <p14:creationId xmlns:p14="http://schemas.microsoft.com/office/powerpoint/2010/main" val="3619729952"/>
-      </p:ext>
-    </p:extLst>
   </p:cSld>
   <p:clrMapOvr>
     <a:masterClrMapping/>
@@ -7756,13 +7483,7 @@
       </p:grpSpPr>
       <p:sp>
         <p:nvSpPr>
-          <p:cNvPr id="2" name="标题 1">
-            <a:extLst>
-              <a:ext uri="{FF2B5EF4-FFF2-40B4-BE49-F238E27FC236}">
-                <a16:creationId xmlns:a16="http://schemas.microsoft.com/office/drawing/2014/main" id="{8323A7DB-6E4E-4CB6-8AE3-B3FF25154FA6}"/>
-              </a:ext>
-            </a:extLst>
-          </p:cNvPr>
+          <p:cNvPr id="2" name="标题 1"/>
           <p:cNvSpPr>
             <a:spLocks noGrp="1"/>
           </p:cNvSpPr>
@@ -7785,13 +7506,7 @@
       </p:sp>
       <p:sp>
         <p:nvSpPr>
-          <p:cNvPr id="3" name="内容占位符 2">
-            <a:extLst>
-              <a:ext uri="{FF2B5EF4-FFF2-40B4-BE49-F238E27FC236}">
-                <a16:creationId xmlns:a16="http://schemas.microsoft.com/office/drawing/2014/main" id="{CF1421B1-E2C0-4FB2-8966-E024C8DA48B9}"/>
-              </a:ext>
-            </a:extLst>
-          </p:cNvPr>
+          <p:cNvPr id="3" name="内容占位符 2"/>
           <p:cNvSpPr>
             <a:spLocks noGrp="1"/>
           </p:cNvSpPr>
@@ -7818,6 +7533,7 @@
               <a:rPr lang="en-GB" altLang="zh-CN" sz="3200" dirty="0"/>
               <a:t>  LATEX or TEX input file. Can be compiled with latex.</a:t>
             </a:r>
+            <a:endParaRPr lang="en-GB" altLang="zh-CN" sz="3200" dirty="0"/>
           </a:p>
           <a:p>
             <a:endParaRPr lang="en-GB" altLang="zh-CN" sz="3200" dirty="0"/>
@@ -7840,11 +7556,6 @@
         </p:txBody>
       </p:sp>
     </p:spTree>
-    <p:extLst>
-      <p:ext uri="{BB962C8B-B14F-4D97-AF65-F5344CB8AC3E}">
-        <p14:creationId xmlns:p14="http://schemas.microsoft.com/office/powerpoint/2010/main" val="3302138169"/>
-      </p:ext>
-    </p:extLst>
   </p:cSld>
   <p:clrMapOvr>
     <a:masterClrMapping/>
@@ -7928,13 +7639,7 @@
           <p:cNvGraphicFramePr>
             <a:graphicFrameLocks noGrp="1"/>
           </p:cNvGraphicFramePr>
-          <p:nvPr>
-            <p:extLst>
-              <p:ext uri="{D42A27DB-BD31-4B8C-83A1-F6EECF244321}">
-                <p14:modId xmlns:p14="http://schemas.microsoft.com/office/powerpoint/2010/main" val="1552483285"/>
-              </p:ext>
-            </p:extLst>
-          </p:nvPr>
+          <p:nvPr/>
         </p:nvGraphicFramePr>
         <p:xfrm>
           <a:off x="293816" y="2089574"/>
@@ -7947,41 +7652,11 @@
                 <a:tableStyleId>{5C22544A-7EE6-4342-B048-85BDC9FD1C3A}</a:tableStyleId>
               </a:tblPr>
               <a:tblGrid>
-                <a:gridCol w="1669300">
-                  <a:extLst>
-                    <a:ext uri="{9D8B030D-6E8A-4147-A177-3AD203B41FA5}">
-                      <a16:colId xmlns:a16="http://schemas.microsoft.com/office/drawing/2014/main" val="20000"/>
-                    </a:ext>
-                  </a:extLst>
-                </a:gridCol>
-                <a:gridCol w="700156">
-                  <a:extLst>
-                    <a:ext uri="{9D8B030D-6E8A-4147-A177-3AD203B41FA5}">
-                      <a16:colId xmlns:a16="http://schemas.microsoft.com/office/drawing/2014/main" val="20001"/>
-                    </a:ext>
-                  </a:extLst>
-                </a:gridCol>
-                <a:gridCol w="1834587">
-                  <a:extLst>
-                    <a:ext uri="{9D8B030D-6E8A-4147-A177-3AD203B41FA5}">
-                      <a16:colId xmlns:a16="http://schemas.microsoft.com/office/drawing/2014/main" val="20002"/>
-                    </a:ext>
-                  </a:extLst>
-                </a:gridCol>
-                <a:gridCol w="3196282">
-                  <a:extLst>
-                    <a:ext uri="{9D8B030D-6E8A-4147-A177-3AD203B41FA5}">
-                      <a16:colId xmlns:a16="http://schemas.microsoft.com/office/drawing/2014/main" val="20003"/>
-                    </a:ext>
-                  </a:extLst>
-                </a:gridCol>
-                <a:gridCol w="4011828">
-                  <a:extLst>
-                    <a:ext uri="{9D8B030D-6E8A-4147-A177-3AD203B41FA5}">
-                      <a16:colId xmlns:a16="http://schemas.microsoft.com/office/drawing/2014/main" val="20004"/>
-                    </a:ext>
-                  </a:extLst>
-                </a:gridCol>
+                <a:gridCol w="1669300"/>
+                <a:gridCol w="700156"/>
+                <a:gridCol w="1834587"/>
+                <a:gridCol w="3196282"/>
+                <a:gridCol w="4011828"/>
               </a:tblGrid>
               <a:tr h="370840">
                 <a:tc>
@@ -7993,6 +7668,7 @@
                         <a:rPr lang="en-US" dirty="0"/>
                         <a:t>Content</a:t>
                       </a:r>
+                      <a:endParaRPr lang="en-US" dirty="0"/>
                     </a:p>
                     <a:p>
                       <a:r>
@@ -8060,11 +7736,6 @@
                   </a:txBody>
                   <a:tcPr/>
                 </a:tc>
-                <a:extLst>
-                  <a:ext uri="{0D108BD9-81ED-4DB2-BD59-A6C34878D82A}">
-                    <a16:rowId xmlns:a16="http://schemas.microsoft.com/office/drawing/2014/main" val="10000"/>
-                  </a:ext>
-                </a:extLst>
               </a:tr>
               <a:tr h="370840">
                 <a:tc>
@@ -8090,7 +7761,7 @@
                           </a:solidFill>
                           <a:effectLst/>
                           <a:latin typeface="Calibri" panose="020F0502020204030204" pitchFamily="34" charset="0"/>
-                          <a:ea typeface="SimSun" panose="02010600030101010101" pitchFamily="2" charset="-122"/>
+                          <a:ea typeface="宋体" panose="02010600030101010101" pitchFamily="2" charset="-122"/>
                           <a:cs typeface="Times New Roman" panose="02020603050405020304" pitchFamily="18" charset="0"/>
                         </a:rPr>
                         <a:t>Version control – </a:t>
@@ -8102,7 +7773,7 @@
                           </a:solidFill>
                           <a:effectLst/>
                           <a:latin typeface="Calibri" panose="020F0502020204030204" pitchFamily="34" charset="0"/>
-                          <a:ea typeface="SimSun" panose="02010600030101010101" pitchFamily="2" charset="-122"/>
+                          <a:ea typeface="宋体" panose="02010600030101010101" pitchFamily="2" charset="-122"/>
                           <a:cs typeface="Times New Roman" panose="02020603050405020304" pitchFamily="18" charset="0"/>
                         </a:rPr>
                         <a:t>Git</a:t>
@@ -8114,7 +7785,7 @@
                           </a:solidFill>
                           <a:effectLst/>
                           <a:latin typeface="Calibri" panose="020F0502020204030204" pitchFamily="34" charset="0"/>
-                          <a:ea typeface="SimSun" panose="02010600030101010101" pitchFamily="2" charset="-122"/>
+                          <a:ea typeface="宋体" panose="02010600030101010101" pitchFamily="2" charset="-122"/>
                           <a:cs typeface="Times New Roman" panose="02020603050405020304" pitchFamily="18" charset="0"/>
                         </a:rPr>
                         <a:t> &amp; </a:t>
@@ -8126,7 +7797,7 @@
                           </a:solidFill>
                           <a:effectLst/>
                           <a:latin typeface="Calibri" panose="020F0502020204030204" pitchFamily="34" charset="0"/>
-                          <a:ea typeface="SimSun" panose="02010600030101010101" pitchFamily="2" charset="-122"/>
+                          <a:ea typeface="宋体" panose="02010600030101010101" pitchFamily="2" charset="-122"/>
                           <a:cs typeface="Times New Roman" panose="02020603050405020304" pitchFamily="18" charset="0"/>
                         </a:rPr>
                         <a:t>Github</a:t>
@@ -8138,7 +7809,7 @@
                           </a:solidFill>
                           <a:effectLst/>
                           <a:latin typeface="Calibri" panose="020F0502020204030204" pitchFamily="34" charset="0"/>
-                          <a:ea typeface="SimSun" panose="02010600030101010101" pitchFamily="2" charset="-122"/>
+                          <a:ea typeface="宋体" panose="02010600030101010101" pitchFamily="2" charset="-122"/>
                           <a:cs typeface="Times New Roman" panose="02020603050405020304" pitchFamily="18" charset="0"/>
                         </a:rPr>
                         <a:t>, learn</a:t>
@@ -8150,7 +7821,7 @@
                           </a:solidFill>
                           <a:effectLst/>
                           <a:latin typeface="Calibri" panose="020F0502020204030204" pitchFamily="34" charset="0"/>
-                          <a:ea typeface="SimSun" panose="02010600030101010101" pitchFamily="2" charset="-122"/>
+                          <a:ea typeface="宋体" panose="02010600030101010101" pitchFamily="2" charset="-122"/>
                           <a:cs typeface="Times New Roman" panose="02020603050405020304" pitchFamily="18" charset="0"/>
                         </a:rPr>
                         <a:t> to write ReadMe</a:t>
@@ -8161,7 +7832,7 @@
                         </a:solidFill>
                         <a:effectLst/>
                         <a:latin typeface="Calibri" panose="020F0502020204030204" pitchFamily="34" charset="0"/>
-                        <a:ea typeface="SimSun" panose="02010600030101010101" pitchFamily="2" charset="-122"/>
+                        <a:ea typeface="宋体" panose="02010600030101010101" pitchFamily="2" charset="-122"/>
                         <a:cs typeface="Times New Roman" panose="02020603050405020304" pitchFamily="18" charset="0"/>
                       </a:endParaRPr>
                     </a:p>
@@ -8181,7 +7852,7 @@
                           </a:solidFill>
                           <a:effectLst/>
                           <a:latin typeface="Calibri" panose="020F0502020204030204" pitchFamily="34" charset="0"/>
-                          <a:ea typeface="SimSun" panose="02010600030101010101" pitchFamily="2" charset="-122"/>
+                          <a:ea typeface="宋体" panose="02010600030101010101" pitchFamily="2" charset="-122"/>
                           <a:cs typeface="Times New Roman" panose="02020603050405020304" pitchFamily="18" charset="0"/>
                         </a:rPr>
                         <a:t>3</a:t>
@@ -8192,7 +7863,7 @@
                         </a:solidFill>
                         <a:effectLst/>
                         <a:latin typeface="Calibri" panose="020F0502020204030204" pitchFamily="34" charset="0"/>
-                        <a:ea typeface="SimSun" panose="02010600030101010101" pitchFamily="2" charset="-122"/>
+                        <a:ea typeface="宋体" panose="02010600030101010101" pitchFamily="2" charset="-122"/>
                         <a:cs typeface="Times New Roman" panose="02020603050405020304" pitchFamily="18" charset="0"/>
                       </a:endParaRPr>
                     </a:p>
@@ -8211,7 +7882,7 @@
                         </a:solidFill>
                         <a:effectLst/>
                         <a:latin typeface="Calibri" panose="020F0502020204030204" pitchFamily="34" charset="0"/>
-                        <a:ea typeface="SimSun" panose="02010600030101010101" pitchFamily="2" charset="-122"/>
+                        <a:ea typeface="宋体" panose="02010600030101010101" pitchFamily="2" charset="-122"/>
                         <a:cs typeface="Times New Roman" panose="02020603050405020304" pitchFamily="18" charset="0"/>
                       </a:endParaRPr>
                     </a:p>
@@ -8231,7 +7902,7 @@
                           </a:solidFill>
                           <a:effectLst/>
                           <a:latin typeface="Calibri" panose="020F0502020204030204" pitchFamily="34" charset="0"/>
-                          <a:ea typeface="SimSun" panose="02010600030101010101" pitchFamily="2" charset="-122"/>
+                          <a:ea typeface="宋体" panose="02010600030101010101" pitchFamily="2" charset="-122"/>
                           <a:cs typeface="Times New Roman" panose="02020603050405020304" pitchFamily="18" charset="0"/>
                         </a:rPr>
                         <a:t>Write</a:t>
@@ -8243,7 +7914,7 @@
                           </a:solidFill>
                           <a:effectLst/>
                           <a:latin typeface="Calibri" panose="020F0502020204030204" pitchFamily="34" charset="0"/>
-                          <a:ea typeface="SimSun" panose="02010600030101010101" pitchFamily="2" charset="-122"/>
+                          <a:ea typeface="宋体" panose="02010600030101010101" pitchFamily="2" charset="-122"/>
                           <a:cs typeface="Times New Roman" panose="02020603050405020304" pitchFamily="18" charset="0"/>
                         </a:rPr>
                         <a:t> a readme file and upload to </a:t>
@@ -8255,7 +7926,7 @@
                           </a:solidFill>
                           <a:effectLst/>
                           <a:latin typeface="Calibri" panose="020F0502020204030204" pitchFamily="34" charset="0"/>
-                          <a:ea typeface="SimSun" panose="02010600030101010101" pitchFamily="2" charset="-122"/>
+                          <a:ea typeface="宋体" panose="02010600030101010101" pitchFamily="2" charset="-122"/>
                           <a:cs typeface="Times New Roman" panose="02020603050405020304" pitchFamily="18" charset="0"/>
                         </a:rPr>
                         <a:t>Github</a:t>
@@ -8266,7 +7937,7 @@
                         </a:solidFill>
                         <a:effectLst/>
                         <a:latin typeface="Calibri" panose="020F0502020204030204" pitchFamily="34" charset="0"/>
-                        <a:ea typeface="SimSun" panose="02010600030101010101" pitchFamily="2" charset="-122"/>
+                        <a:ea typeface="宋体" panose="02010600030101010101" pitchFamily="2" charset="-122"/>
                         <a:cs typeface="Times New Roman" panose="02020603050405020304" pitchFamily="18" charset="0"/>
                       </a:endParaRPr>
                     </a:p>
@@ -8292,7 +7963,6 @@
                         <a:buSzTx/>
                         <a:buFontTx/>
                         <a:buNone/>
-                        <a:tabLst/>
                         <a:defRPr/>
                       </a:pPr>
                       <a:r>
@@ -8302,7 +7972,7 @@
                           </a:solidFill>
                           <a:effectLst/>
                           <a:latin typeface="Calibri" panose="020F0502020204030204" pitchFamily="34" charset="0"/>
-                          <a:ea typeface="SimSun" panose="02010600030101010101" pitchFamily="2" charset="-122"/>
+                          <a:ea typeface="宋体" panose="02010600030101010101" pitchFamily="2" charset="-122"/>
                           <a:cs typeface="Times New Roman" panose="02020603050405020304" pitchFamily="18" charset="0"/>
                         </a:rPr>
                         <a:t>README: </a:t>
@@ -8314,9 +7984,9 @@
                           </a:solidFill>
                           <a:effectLst/>
                           <a:latin typeface="Calibri" panose="020F0502020204030204" pitchFamily="34" charset="0"/>
-                          <a:ea typeface="SimSun" panose="02010600030101010101" pitchFamily="2" charset="-122"/>
+                          <a:ea typeface="宋体" panose="02010600030101010101" pitchFamily="2" charset="-122"/>
                           <a:cs typeface="Times New Roman" panose="02020603050405020304" pitchFamily="18" charset="0"/>
-                          <a:hlinkClick r:id="rId2"/>
+                          <a:hlinkClick r:id="rId1"/>
                         </a:rPr>
                         <a:t>https://classroom.udacity.com/courses/ud777</a:t>
                       </a:r>
@@ -8326,7 +7996,7 @@
                         </a:solidFill>
                         <a:effectLst/>
                         <a:latin typeface="Calibri" panose="020F0502020204030204" pitchFamily="34" charset="0"/>
-                        <a:ea typeface="SimSun" panose="02010600030101010101" pitchFamily="2" charset="-122"/>
+                        <a:ea typeface="宋体" panose="02010600030101010101" pitchFamily="2" charset="-122"/>
                         <a:cs typeface="Times New Roman" panose="02020603050405020304" pitchFamily="18" charset="0"/>
                       </a:endParaRPr>
                     </a:p>
@@ -8339,7 +8009,7 @@
                           </a:solidFill>
                           <a:effectLst/>
                           <a:latin typeface="Calibri" panose="020F0502020204030204" pitchFamily="34" charset="0"/>
-                          <a:ea typeface="SimSun" panose="02010600030101010101" pitchFamily="2" charset="-122"/>
+                          <a:ea typeface="宋体" panose="02010600030101010101" pitchFamily="2" charset="-122"/>
                           <a:cs typeface="Times New Roman" panose="02020603050405020304" pitchFamily="18" charset="0"/>
                         </a:rPr>
                         <a:t>Git: </a:t>
@@ -8351,9 +8021,9 @@
                           </a:solidFill>
                           <a:effectLst/>
                           <a:latin typeface="Calibri" panose="020F0502020204030204" pitchFamily="34" charset="0"/>
-                          <a:ea typeface="SimSun" panose="02010600030101010101" pitchFamily="2" charset="-122"/>
+                          <a:ea typeface="宋体" panose="02010600030101010101" pitchFamily="2" charset="-122"/>
                           <a:cs typeface="Times New Roman" panose="02020603050405020304" pitchFamily="18" charset="0"/>
-                          <a:hlinkClick r:id="rId3"/>
+                          <a:hlinkClick r:id="rId2"/>
                         </a:rPr>
                         <a:t>https://classroom.udacity.com/courses/ud123</a:t>
                       </a:r>
@@ -8363,7 +8033,7 @@
                         </a:solidFill>
                         <a:effectLst/>
                         <a:latin typeface="Calibri" panose="020F0502020204030204" pitchFamily="34" charset="0"/>
-                        <a:ea typeface="SimSun" panose="02010600030101010101" pitchFamily="2" charset="-122"/>
+                        <a:ea typeface="宋体" panose="02010600030101010101" pitchFamily="2" charset="-122"/>
                         <a:cs typeface="Times New Roman" panose="02020603050405020304" pitchFamily="18" charset="0"/>
                       </a:endParaRPr>
                     </a:p>
@@ -8376,7 +8046,7 @@
                           </a:solidFill>
                           <a:effectLst/>
                           <a:latin typeface="Calibri" panose="020F0502020204030204" pitchFamily="34" charset="0"/>
-                          <a:ea typeface="SimSun" panose="02010600030101010101" pitchFamily="2" charset="-122"/>
+                          <a:ea typeface="宋体" panose="02010600030101010101" pitchFamily="2" charset="-122"/>
                           <a:cs typeface="Times New Roman" panose="02020603050405020304" pitchFamily="18" charset="0"/>
                         </a:rPr>
                         <a:t>Github</a:t>
@@ -8388,7 +8058,7 @@
                           </a:solidFill>
                           <a:effectLst/>
                           <a:latin typeface="Calibri" panose="020F0502020204030204" pitchFamily="34" charset="0"/>
-                          <a:ea typeface="SimSun" panose="02010600030101010101" pitchFamily="2" charset="-122"/>
+                          <a:ea typeface="宋体" panose="02010600030101010101" pitchFamily="2" charset="-122"/>
                           <a:cs typeface="Times New Roman" panose="02020603050405020304" pitchFamily="18" charset="0"/>
                         </a:rPr>
                         <a:t>: </a:t>
@@ -8400,9 +8070,9 @@
                           </a:solidFill>
                           <a:effectLst/>
                           <a:latin typeface="Calibri" panose="020F0502020204030204" pitchFamily="34" charset="0"/>
-                          <a:ea typeface="SimSun" panose="02010600030101010101" pitchFamily="2" charset="-122"/>
+                          <a:ea typeface="宋体" panose="02010600030101010101" pitchFamily="2" charset="-122"/>
                           <a:cs typeface="Times New Roman" panose="02020603050405020304" pitchFamily="18" charset="0"/>
-                          <a:hlinkClick r:id="rId4"/>
+                          <a:hlinkClick r:id="rId3"/>
                         </a:rPr>
                         <a:t>https://classroom.udacity.com/courses/ud456</a:t>
                       </a:r>
@@ -8412,7 +8082,7 @@
                         </a:solidFill>
                         <a:effectLst/>
                         <a:latin typeface="Calibri" panose="020F0502020204030204" pitchFamily="34" charset="0"/>
-                        <a:ea typeface="SimSun" panose="02010600030101010101" pitchFamily="2" charset="-122"/>
+                        <a:ea typeface="宋体" panose="02010600030101010101" pitchFamily="2" charset="-122"/>
                         <a:cs typeface="Times New Roman" panose="02020603050405020304" pitchFamily="18" charset="0"/>
                       </a:endParaRPr>
                     </a:p>
@@ -8424,7 +8094,7 @@
                         </a:solidFill>
                         <a:effectLst/>
                         <a:latin typeface="Calibri" panose="020F0502020204030204" pitchFamily="34" charset="0"/>
-                        <a:ea typeface="SimSun" panose="02010600030101010101" pitchFamily="2" charset="-122"/>
+                        <a:ea typeface="宋体" panose="02010600030101010101" pitchFamily="2" charset="-122"/>
                         <a:cs typeface="Times New Roman" panose="02020603050405020304" pitchFamily="18" charset="0"/>
                       </a:endParaRPr>
                     </a:p>
@@ -8437,9 +8107,9 @@
                           </a:solidFill>
                           <a:effectLst/>
                           <a:latin typeface="Calibri" panose="020F0502020204030204" pitchFamily="34" charset="0"/>
-                          <a:ea typeface="SimSun" panose="02010600030101010101" pitchFamily="2" charset="-122"/>
+                          <a:ea typeface="宋体" panose="02010600030101010101" pitchFamily="2" charset="-122"/>
                           <a:cs typeface="Times New Roman" panose="02020603050405020304" pitchFamily="18" charset="0"/>
-                          <a:hlinkClick r:id="rId5"/>
+                          <a:hlinkClick r:id="rId4"/>
                         </a:rPr>
                         <a:t>https://classroom.udacity.com/courses/ud775</a:t>
                       </a:r>
@@ -8449,18 +8119,13 @@
                         </a:solidFill>
                         <a:effectLst/>
                         <a:latin typeface="Calibri" panose="020F0502020204030204" pitchFamily="34" charset="0"/>
-                        <a:ea typeface="SimSun" panose="02010600030101010101" pitchFamily="2" charset="-122"/>
+                        <a:ea typeface="宋体" panose="02010600030101010101" pitchFamily="2" charset="-122"/>
                         <a:cs typeface="Times New Roman" panose="02020603050405020304" pitchFamily="18" charset="0"/>
                       </a:endParaRPr>
                     </a:p>
                   </a:txBody>
                   <a:tcPr/>
                 </a:tc>
-                <a:extLst>
-                  <a:ext uri="{0D108BD9-81ED-4DB2-BD59-A6C34878D82A}">
-                    <a16:rowId xmlns:a16="http://schemas.microsoft.com/office/drawing/2014/main" val="10001"/>
-                  </a:ext>
-                </a:extLst>
               </a:tr>
               <a:tr h="370840">
                 <a:tc>
@@ -8486,7 +8151,7 @@
                           </a:solidFill>
                           <a:effectLst/>
                           <a:latin typeface="Calibri" panose="020F0502020204030204" pitchFamily="34" charset="0"/>
-                          <a:ea typeface="SimSun" panose="02010600030101010101" pitchFamily="2" charset="-122"/>
+                          <a:ea typeface="宋体" panose="02010600030101010101" pitchFamily="2" charset="-122"/>
                           <a:cs typeface="Times New Roman" panose="02020603050405020304" pitchFamily="18" charset="0"/>
                         </a:rPr>
                         <a:t>Latex for scientific writing</a:t>
@@ -8497,7 +8162,7 @@
                         </a:solidFill>
                         <a:effectLst/>
                         <a:latin typeface="Calibri" panose="020F0502020204030204" pitchFamily="34" charset="0"/>
-                        <a:ea typeface="SimSun" panose="02010600030101010101" pitchFamily="2" charset="-122"/>
+                        <a:ea typeface="宋体" panose="02010600030101010101" pitchFamily="2" charset="-122"/>
                         <a:cs typeface="Times New Roman" panose="02020603050405020304" pitchFamily="18" charset="0"/>
                       </a:endParaRPr>
                     </a:p>
@@ -8517,7 +8182,7 @@
                           </a:solidFill>
                           <a:effectLst/>
                           <a:latin typeface="Calibri" panose="020F0502020204030204" pitchFamily="34" charset="0"/>
-                          <a:ea typeface="SimSun" panose="02010600030101010101" pitchFamily="2" charset="-122"/>
+                          <a:ea typeface="宋体" panose="02010600030101010101" pitchFamily="2" charset="-122"/>
                           <a:cs typeface="Times New Roman" panose="02020603050405020304" pitchFamily="18" charset="0"/>
                         </a:rPr>
                         <a:t>3</a:t>
@@ -8528,7 +8193,7 @@
                         </a:solidFill>
                         <a:effectLst/>
                         <a:latin typeface="Calibri" panose="020F0502020204030204" pitchFamily="34" charset="0"/>
-                        <a:ea typeface="SimSun" panose="02010600030101010101" pitchFamily="2" charset="-122"/>
+                        <a:ea typeface="宋体" panose="02010600030101010101" pitchFamily="2" charset="-122"/>
                         <a:cs typeface="Times New Roman" panose="02020603050405020304" pitchFamily="18" charset="0"/>
                       </a:endParaRPr>
                     </a:p>
@@ -8547,7 +8212,7 @@
                         </a:solidFill>
                         <a:effectLst/>
                         <a:latin typeface="Calibri" panose="020F0502020204030204" pitchFamily="34" charset="0"/>
-                        <a:ea typeface="SimSun" panose="02010600030101010101" pitchFamily="2" charset="-122"/>
+                        <a:ea typeface="宋体" panose="02010600030101010101" pitchFamily="2" charset="-122"/>
                         <a:cs typeface="Times New Roman" panose="02020603050405020304" pitchFamily="18" charset="0"/>
                       </a:endParaRPr>
                     </a:p>
@@ -8567,7 +8232,7 @@
                           </a:solidFill>
                           <a:effectLst/>
                           <a:latin typeface="Calibri" panose="020F0502020204030204" pitchFamily="34" charset="0"/>
-                          <a:ea typeface="SimSun" panose="02010600030101010101" pitchFamily="2" charset="-122"/>
+                          <a:ea typeface="宋体" panose="02010600030101010101" pitchFamily="2" charset="-122"/>
                           <a:cs typeface="Times New Roman" panose="02020603050405020304" pitchFamily="18" charset="0"/>
                         </a:rPr>
                         <a:t>Download CVPR latex</a:t>
@@ -8579,7 +8244,7 @@
                           </a:solidFill>
                           <a:effectLst/>
                           <a:latin typeface="Calibri" panose="020F0502020204030204" pitchFamily="34" charset="0"/>
-                          <a:ea typeface="SimSun" panose="02010600030101010101" pitchFamily="2" charset="-122"/>
+                          <a:ea typeface="宋体" panose="02010600030101010101" pitchFamily="2" charset="-122"/>
                           <a:cs typeface="Times New Roman" panose="02020603050405020304" pitchFamily="18" charset="0"/>
                         </a:rPr>
                         <a:t> </a:t>
@@ -8591,7 +8256,7 @@
                           </a:solidFill>
                           <a:effectLst/>
                           <a:latin typeface="Calibri" panose="020F0502020204030204" pitchFamily="34" charset="0"/>
-                          <a:ea typeface="SimSun" panose="02010600030101010101" pitchFamily="2" charset="-122"/>
+                          <a:ea typeface="宋体" panose="02010600030101010101" pitchFamily="2" charset="-122"/>
                           <a:cs typeface="Times New Roman" panose="02020603050405020304" pitchFamily="18" charset="0"/>
                         </a:rPr>
                         <a:t>template and upload to </a:t>
@@ -8603,7 +8268,7 @@
                           </a:solidFill>
                           <a:effectLst/>
                           <a:latin typeface="Calibri" panose="020F0502020204030204" pitchFamily="34" charset="0"/>
-                          <a:ea typeface="SimSun" panose="02010600030101010101" pitchFamily="2" charset="-122"/>
+                          <a:ea typeface="宋体" panose="02010600030101010101" pitchFamily="2" charset="-122"/>
                           <a:cs typeface="Times New Roman" panose="02020603050405020304" pitchFamily="18" charset="0"/>
                         </a:rPr>
                         <a:t>Github</a:t>
@@ -8614,7 +8279,7 @@
                         </a:solidFill>
                         <a:effectLst/>
                         <a:latin typeface="Calibri" panose="020F0502020204030204" pitchFamily="34" charset="0"/>
-                        <a:ea typeface="SimSun" panose="02010600030101010101" pitchFamily="2" charset="-122"/>
+                        <a:ea typeface="宋体" panose="02010600030101010101" pitchFamily="2" charset="-122"/>
                         <a:cs typeface="Times New Roman" panose="02020603050405020304" pitchFamily="18" charset="0"/>
                       </a:endParaRPr>
                     </a:p>
@@ -8634,7 +8299,7 @@
                           </a:solidFill>
                           <a:effectLst/>
                           <a:latin typeface="Calibri" panose="020F0502020204030204" pitchFamily="34" charset="0"/>
-                          <a:ea typeface="SimSun" panose="02010600030101010101" pitchFamily="2" charset="-122"/>
+                          <a:ea typeface="宋体" panose="02010600030101010101" pitchFamily="2" charset="-122"/>
                           <a:cs typeface="Times New Roman" panose="02020603050405020304" pitchFamily="18" charset="0"/>
                         </a:rPr>
                         <a:t>The Not So Short Introduction to L</a:t>
@@ -8646,7 +8311,7 @@
                           </a:solidFill>
                           <a:effectLst/>
                           <a:latin typeface="Calibri" panose="020F0502020204030204" pitchFamily="34" charset="0"/>
-                          <a:ea typeface="SimSun" panose="02010600030101010101" pitchFamily="2" charset="-122"/>
+                          <a:ea typeface="宋体" panose="02010600030101010101" pitchFamily="2" charset="-122"/>
                           <a:cs typeface="Times New Roman" panose="02020603050405020304" pitchFamily="18" charset="0"/>
                         </a:rPr>
                         <a:t>atex</a:t>
@@ -8658,7 +8323,7 @@
                           </a:solidFill>
                           <a:effectLst/>
                           <a:latin typeface="Calibri" panose="020F0502020204030204" pitchFamily="34" charset="0"/>
-                          <a:ea typeface="SimSun" panose="02010600030101010101" pitchFamily="2" charset="-122"/>
+                          <a:ea typeface="宋体" panose="02010600030101010101" pitchFamily="2" charset="-122"/>
                           <a:cs typeface="Times New Roman" panose="02020603050405020304" pitchFamily="18" charset="0"/>
                         </a:rPr>
                         <a:t> (PDF)</a:t>
@@ -8669,18 +8334,13 @@
                         </a:solidFill>
                         <a:effectLst/>
                         <a:latin typeface="Calibri" panose="020F0502020204030204" pitchFamily="34" charset="0"/>
-                        <a:ea typeface="SimSun" panose="02010600030101010101" pitchFamily="2" charset="-122"/>
+                        <a:ea typeface="宋体" panose="02010600030101010101" pitchFamily="2" charset="-122"/>
                         <a:cs typeface="Times New Roman" panose="02020603050405020304" pitchFamily="18" charset="0"/>
                       </a:endParaRPr>
                     </a:p>
                   </a:txBody>
                   <a:tcPr/>
                 </a:tc>
-                <a:extLst>
-                  <a:ext uri="{0D108BD9-81ED-4DB2-BD59-A6C34878D82A}">
-                    <a16:rowId xmlns:a16="http://schemas.microsoft.com/office/drawing/2014/main" val="10002"/>
-                  </a:ext>
-                </a:extLst>
               </a:tr>
               <a:tr h="370840">
                 <a:tc>
@@ -8706,7 +8366,7 @@
                           </a:solidFill>
                           <a:effectLst/>
                           <a:latin typeface="Calibri" panose="020F0502020204030204" pitchFamily="34" charset="0"/>
-                          <a:ea typeface="SimSun" panose="02010600030101010101" pitchFamily="2" charset="-122"/>
+                          <a:ea typeface="宋体" panose="02010600030101010101" pitchFamily="2" charset="-122"/>
                           <a:cs typeface="Times New Roman" panose="02020603050405020304" pitchFamily="18" charset="0"/>
                         </a:rPr>
                         <a:t>Python tutorial</a:t>
@@ -8717,7 +8377,7 @@
                         </a:solidFill>
                         <a:effectLst/>
                         <a:latin typeface="Calibri" panose="020F0502020204030204" pitchFamily="34" charset="0"/>
-                        <a:ea typeface="SimSun" panose="02010600030101010101" pitchFamily="2" charset="-122"/>
+                        <a:ea typeface="宋体" panose="02010600030101010101" pitchFamily="2" charset="-122"/>
                         <a:cs typeface="Times New Roman" panose="02020603050405020304" pitchFamily="18" charset="0"/>
                       </a:endParaRPr>
                     </a:p>
@@ -8737,7 +8397,7 @@
                           </a:solidFill>
                           <a:effectLst/>
                           <a:latin typeface="Calibri" panose="020F0502020204030204" pitchFamily="34" charset="0"/>
-                          <a:ea typeface="SimSun" panose="02010600030101010101" pitchFamily="2" charset="-122"/>
+                          <a:ea typeface="宋体" panose="02010600030101010101" pitchFamily="2" charset="-122"/>
                           <a:cs typeface="Times New Roman" panose="02020603050405020304" pitchFamily="18" charset="0"/>
                         </a:rPr>
                         <a:t>3</a:t>
@@ -8748,7 +8408,7 @@
                         </a:solidFill>
                         <a:effectLst/>
                         <a:latin typeface="Calibri" panose="020F0502020204030204" pitchFamily="34" charset="0"/>
-                        <a:ea typeface="SimSun" panose="02010600030101010101" pitchFamily="2" charset="-122"/>
+                        <a:ea typeface="宋体" panose="02010600030101010101" pitchFamily="2" charset="-122"/>
                         <a:cs typeface="Times New Roman" panose="02020603050405020304" pitchFamily="18" charset="0"/>
                       </a:endParaRPr>
                     </a:p>
@@ -8767,7 +8427,7 @@
                         </a:solidFill>
                         <a:effectLst/>
                         <a:latin typeface="Calibri" panose="020F0502020204030204" pitchFamily="34" charset="0"/>
-                        <a:ea typeface="SimSun" panose="02010600030101010101" pitchFamily="2" charset="-122"/>
+                        <a:ea typeface="宋体" panose="02010600030101010101" pitchFamily="2" charset="-122"/>
                         <a:cs typeface="Times New Roman" panose="02020603050405020304" pitchFamily="18" charset="0"/>
                       </a:endParaRPr>
                     </a:p>
@@ -8787,7 +8447,7 @@
                           </a:solidFill>
                           <a:effectLst/>
                           <a:latin typeface="Calibri" panose="020F0502020204030204" pitchFamily="34" charset="0"/>
-                          <a:ea typeface="SimSun" panose="02010600030101010101" pitchFamily="2" charset="-122"/>
+                          <a:ea typeface="宋体" panose="02010600030101010101" pitchFamily="2" charset="-122"/>
                           <a:cs typeface="Times New Roman" panose="02020603050405020304" pitchFamily="18" charset="0"/>
                         </a:rPr>
                         <a:t>Finish a demo script and upload to </a:t>
@@ -8799,7 +8459,7 @@
                           </a:solidFill>
                           <a:effectLst/>
                           <a:latin typeface="Calibri" panose="020F0502020204030204" pitchFamily="34" charset="0"/>
-                          <a:ea typeface="SimSun" panose="02010600030101010101" pitchFamily="2" charset="-122"/>
+                          <a:ea typeface="宋体" panose="02010600030101010101" pitchFamily="2" charset="-122"/>
                           <a:cs typeface="Times New Roman" panose="02020603050405020304" pitchFamily="18" charset="0"/>
                         </a:rPr>
                         <a:t>Github</a:t>
@@ -8810,7 +8470,7 @@
                         </a:solidFill>
                         <a:effectLst/>
                         <a:latin typeface="Calibri" panose="020F0502020204030204" pitchFamily="34" charset="0"/>
-                        <a:ea typeface="SimSun" panose="02010600030101010101" pitchFamily="2" charset="-122"/>
+                        <a:ea typeface="宋体" panose="02010600030101010101" pitchFamily="2" charset="-122"/>
                         <a:cs typeface="Times New Roman" panose="02020603050405020304" pitchFamily="18" charset="0"/>
                       </a:endParaRPr>
                     </a:p>
@@ -8830,20 +8490,24 @@
                           </a:solidFill>
                           <a:effectLst/>
                           <a:latin typeface="Calibri" panose="020F0502020204030204" pitchFamily="34" charset="0"/>
-                          <a:ea typeface="SimSun" panose="02010600030101010101" pitchFamily="2" charset="-122"/>
+                          <a:ea typeface="宋体" panose="02010600030101010101" pitchFamily="2" charset="-122"/>
                           <a:cs typeface="Times New Roman" panose="02020603050405020304" pitchFamily="18" charset="0"/>
                         </a:rPr>
                         <a:t>http://cs231n.github.io/python-numpy-tutorial/</a:t>
                       </a:r>
+                      <a:endParaRPr lang="en-GB" sz="1200" kern="1200" dirty="0">
+                        <a:solidFill>
+                          <a:schemeClr val="dk1"/>
+                        </a:solidFill>
+                        <a:effectLst/>
+                        <a:latin typeface="Calibri" panose="020F0502020204030204" pitchFamily="34" charset="0"/>
+                        <a:ea typeface="宋体" panose="02010600030101010101" pitchFamily="2" charset="-122"/>
+                        <a:cs typeface="Times New Roman" panose="02020603050405020304" pitchFamily="18" charset="0"/>
+                      </a:endParaRPr>
                     </a:p>
                   </a:txBody>
                   <a:tcPr/>
                 </a:tc>
-                <a:extLst>
-                  <a:ext uri="{0D108BD9-81ED-4DB2-BD59-A6C34878D82A}">
-                    <a16:rowId xmlns:a16="http://schemas.microsoft.com/office/drawing/2014/main" val="10003"/>
-                  </a:ext>
-                </a:extLst>
               </a:tr>
               <a:tr h="370840">
                 <a:tc>
@@ -8865,7 +8529,6 @@
                         <a:buSzTx/>
                         <a:buFontTx/>
                         <a:buNone/>
-                        <a:tabLst/>
                         <a:defRPr/>
                       </a:pPr>
                       <a:r>
@@ -8875,7 +8538,7 @@
                           </a:solidFill>
                           <a:effectLst/>
                           <a:latin typeface="Calibri" panose="020F0502020204030204" pitchFamily="34" charset="0"/>
-                          <a:ea typeface="SimSun" panose="02010600030101010101" pitchFamily="2" charset="-122"/>
+                          <a:ea typeface="宋体" panose="02010600030101010101" pitchFamily="2" charset="-122"/>
                           <a:cs typeface="Times New Roman" panose="02020603050405020304" pitchFamily="18" charset="0"/>
                         </a:rPr>
                         <a:t>Computer Vision and </a:t>
@@ -8887,7 +8550,7 @@
                           </a:solidFill>
                           <a:effectLst/>
                           <a:latin typeface="Calibri" panose="020F0502020204030204" pitchFamily="34" charset="0"/>
-                          <a:ea typeface="SimSun" panose="02010600030101010101" pitchFamily="2" charset="-122"/>
+                          <a:ea typeface="宋体" panose="02010600030101010101" pitchFamily="2" charset="-122"/>
                           <a:cs typeface="Times New Roman" panose="02020603050405020304" pitchFamily="18" charset="0"/>
                         </a:rPr>
                         <a:t>Opencv</a:t>
@@ -8898,7 +8561,7 @@
                         </a:solidFill>
                         <a:effectLst/>
                         <a:latin typeface="Calibri" panose="020F0502020204030204" pitchFamily="34" charset="0"/>
-                        <a:ea typeface="SimSun" panose="02010600030101010101" pitchFamily="2" charset="-122"/>
+                        <a:ea typeface="宋体" panose="02010600030101010101" pitchFamily="2" charset="-122"/>
                         <a:cs typeface="Times New Roman" panose="02020603050405020304" pitchFamily="18" charset="0"/>
                       </a:endParaRPr>
                     </a:p>
@@ -8910,7 +8573,7 @@
                         </a:solidFill>
                         <a:effectLst/>
                         <a:latin typeface="Calibri" panose="020F0502020204030204" pitchFamily="34" charset="0"/>
-                        <a:ea typeface="SimSun" panose="02010600030101010101" pitchFamily="2" charset="-122"/>
+                        <a:ea typeface="宋体" panose="02010600030101010101" pitchFamily="2" charset="-122"/>
                         <a:cs typeface="Times New Roman" panose="02020603050405020304" pitchFamily="18" charset="0"/>
                       </a:endParaRPr>
                     </a:p>
@@ -8930,7 +8593,7 @@
                           </a:solidFill>
                           <a:effectLst/>
                           <a:latin typeface="Calibri" panose="020F0502020204030204" pitchFamily="34" charset="0"/>
-                          <a:ea typeface="SimSun" panose="02010600030101010101" pitchFamily="2" charset="-122"/>
+                          <a:ea typeface="宋体" panose="02010600030101010101" pitchFamily="2" charset="-122"/>
                           <a:cs typeface="Times New Roman" panose="02020603050405020304" pitchFamily="18" charset="0"/>
                         </a:rPr>
                         <a:t>3</a:t>
@@ -8941,7 +8604,7 @@
                         </a:solidFill>
                         <a:effectLst/>
                         <a:latin typeface="Calibri" panose="020F0502020204030204" pitchFamily="34" charset="0"/>
-                        <a:ea typeface="SimSun" panose="02010600030101010101" pitchFamily="2" charset="-122"/>
+                        <a:ea typeface="宋体" panose="02010600030101010101" pitchFamily="2" charset="-122"/>
                         <a:cs typeface="Times New Roman" panose="02020603050405020304" pitchFamily="18" charset="0"/>
                       </a:endParaRPr>
                     </a:p>
@@ -8960,7 +8623,7 @@
                         </a:solidFill>
                         <a:effectLst/>
                         <a:latin typeface="Calibri" panose="020F0502020204030204" pitchFamily="34" charset="0"/>
-                        <a:ea typeface="SimSun" panose="02010600030101010101" pitchFamily="2" charset="-122"/>
+                        <a:ea typeface="宋体" panose="02010600030101010101" pitchFamily="2" charset="-122"/>
                         <a:cs typeface="Times New Roman" panose="02020603050405020304" pitchFamily="18" charset="0"/>
                       </a:endParaRPr>
                     </a:p>
@@ -8986,7 +8649,6 @@
                         <a:buSzTx/>
                         <a:buFontTx/>
                         <a:buNone/>
-                        <a:tabLst/>
                         <a:defRPr/>
                       </a:pPr>
                       <a:r>
@@ -8996,7 +8658,7 @@
                           </a:solidFill>
                           <a:effectLst/>
                           <a:latin typeface="Calibri" panose="020F0502020204030204" pitchFamily="34" charset="0"/>
-                          <a:ea typeface="SimSun" panose="02010600030101010101" pitchFamily="2" charset="-122"/>
+                          <a:ea typeface="宋体" panose="02010600030101010101" pitchFamily="2" charset="-122"/>
                           <a:cs typeface="Times New Roman" panose="02020603050405020304" pitchFamily="18" charset="0"/>
                         </a:rPr>
                         <a:t>Finish a demo script and upload to </a:t>
@@ -9008,7 +8670,7 @@
                           </a:solidFill>
                           <a:effectLst/>
                           <a:latin typeface="Calibri" panose="020F0502020204030204" pitchFamily="34" charset="0"/>
-                          <a:ea typeface="SimSun" panose="02010600030101010101" pitchFamily="2" charset="-122"/>
+                          <a:ea typeface="宋体" panose="02010600030101010101" pitchFamily="2" charset="-122"/>
                           <a:cs typeface="Times New Roman" panose="02020603050405020304" pitchFamily="18" charset="0"/>
                         </a:rPr>
                         <a:t>Github</a:t>
@@ -9019,7 +8681,7 @@
                         </a:solidFill>
                         <a:effectLst/>
                         <a:latin typeface="Calibri" panose="020F0502020204030204" pitchFamily="34" charset="0"/>
-                        <a:ea typeface="SimSun" panose="02010600030101010101" pitchFamily="2" charset="-122"/>
+                        <a:ea typeface="宋体" panose="02010600030101010101" pitchFamily="2" charset="-122"/>
                         <a:cs typeface="Times New Roman" panose="02020603050405020304" pitchFamily="18" charset="0"/>
                       </a:endParaRPr>
                     </a:p>
@@ -9031,7 +8693,7 @@
                         </a:solidFill>
                         <a:effectLst/>
                         <a:latin typeface="Calibri" panose="020F0502020204030204" pitchFamily="34" charset="0"/>
-                        <a:ea typeface="SimSun" panose="02010600030101010101" pitchFamily="2" charset="-122"/>
+                        <a:ea typeface="宋体" panose="02010600030101010101" pitchFamily="2" charset="-122"/>
                         <a:cs typeface="Times New Roman" panose="02020603050405020304" pitchFamily="18" charset="0"/>
                       </a:endParaRPr>
                     </a:p>
@@ -9051,9 +8713,9 @@
                           </a:solidFill>
                           <a:effectLst/>
                           <a:latin typeface="Calibri" panose="020F0502020204030204" pitchFamily="34" charset="0"/>
-                          <a:ea typeface="SimSun" panose="02010600030101010101" pitchFamily="2" charset="-122"/>
+                          <a:ea typeface="宋体" panose="02010600030101010101" pitchFamily="2" charset="-122"/>
                           <a:cs typeface="Times New Roman" panose="02020603050405020304" pitchFamily="18" charset="0"/>
-                          <a:hlinkClick r:id="rId6"/>
+                          <a:hlinkClick r:id="rId5"/>
                         </a:rPr>
                         <a:t>http://cs231n.stanford.edu/2017/</a:t>
                       </a:r>
@@ -9063,7 +8725,7 @@
                         </a:solidFill>
                         <a:effectLst/>
                         <a:latin typeface="Calibri" panose="020F0502020204030204" pitchFamily="34" charset="0"/>
-                        <a:ea typeface="SimSun" panose="02010600030101010101" pitchFamily="2" charset="-122"/>
+                        <a:ea typeface="宋体" panose="02010600030101010101" pitchFamily="2" charset="-122"/>
                         <a:cs typeface="Times New Roman" panose="02020603050405020304" pitchFamily="18" charset="0"/>
                       </a:endParaRPr>
                     </a:p>
@@ -9076,20 +8738,24 @@
                           </a:solidFill>
                           <a:effectLst/>
                           <a:latin typeface="Calibri" panose="020F0502020204030204" pitchFamily="34" charset="0"/>
-                          <a:ea typeface="SimSun" panose="02010600030101010101" pitchFamily="2" charset="-122"/>
+                          <a:ea typeface="宋体" panose="02010600030101010101" pitchFamily="2" charset="-122"/>
                           <a:cs typeface="Times New Roman" panose="02020603050405020304" pitchFamily="18" charset="0"/>
                         </a:rPr>
                         <a:t>https://docs.opencv.org/3.4/d9/df8/tutorial_root.html</a:t>
                       </a:r>
+                      <a:endParaRPr lang="en-GB" sz="1200" kern="1200" dirty="0">
+                        <a:solidFill>
+                          <a:schemeClr val="dk1"/>
+                        </a:solidFill>
+                        <a:effectLst/>
+                        <a:latin typeface="Calibri" panose="020F0502020204030204" pitchFamily="34" charset="0"/>
+                        <a:ea typeface="宋体" panose="02010600030101010101" pitchFamily="2" charset="-122"/>
+                        <a:cs typeface="Times New Roman" panose="02020603050405020304" pitchFamily="18" charset="0"/>
+                      </a:endParaRPr>
                     </a:p>
                   </a:txBody>
                   <a:tcPr/>
                 </a:tc>
-                <a:extLst>
-                  <a:ext uri="{0D108BD9-81ED-4DB2-BD59-A6C34878D82A}">
-                    <a16:rowId xmlns:a16="http://schemas.microsoft.com/office/drawing/2014/main" val="10004"/>
-                  </a:ext>
-                </a:extLst>
               </a:tr>
               <a:tr h="370840">
                 <a:tc>
@@ -9105,7 +8771,7 @@
                           </a:solidFill>
                           <a:effectLst/>
                           <a:latin typeface="Calibri" panose="020F0502020204030204" pitchFamily="34" charset="0"/>
-                          <a:ea typeface="SimSun" panose="02010600030101010101" pitchFamily="2" charset="-122"/>
+                          <a:ea typeface="宋体" panose="02010600030101010101" pitchFamily="2" charset="-122"/>
                           <a:cs typeface="Times New Roman" panose="02020603050405020304" pitchFamily="18" charset="0"/>
                         </a:rPr>
                         <a:t>Viola-Jones face recognition </a:t>
@@ -9116,7 +8782,7 @@
                         </a:solidFill>
                         <a:effectLst/>
                         <a:latin typeface="Calibri" panose="020F0502020204030204" pitchFamily="34" charset="0"/>
-                        <a:ea typeface="SimSun" panose="02010600030101010101" pitchFamily="2" charset="-122"/>
+                        <a:ea typeface="宋体" panose="02010600030101010101" pitchFamily="2" charset="-122"/>
                         <a:cs typeface="Times New Roman" panose="02020603050405020304" pitchFamily="18" charset="0"/>
                       </a:endParaRPr>
                     </a:p>
@@ -9136,7 +8802,7 @@
                           </a:solidFill>
                           <a:effectLst/>
                           <a:latin typeface="Calibri" panose="020F0502020204030204" pitchFamily="34" charset="0"/>
-                          <a:ea typeface="SimSun" panose="02010600030101010101" pitchFamily="2" charset="-122"/>
+                          <a:ea typeface="宋体" panose="02010600030101010101" pitchFamily="2" charset="-122"/>
                           <a:cs typeface="Times New Roman" panose="02020603050405020304" pitchFamily="18" charset="0"/>
                         </a:rPr>
                         <a:t>3</a:t>
@@ -9147,7 +8813,7 @@
                         </a:solidFill>
                         <a:effectLst/>
                         <a:latin typeface="Calibri" panose="020F0502020204030204" pitchFamily="34" charset="0"/>
-                        <a:ea typeface="SimSun" panose="02010600030101010101" pitchFamily="2" charset="-122"/>
+                        <a:ea typeface="宋体" panose="02010600030101010101" pitchFamily="2" charset="-122"/>
                         <a:cs typeface="Times New Roman" panose="02020603050405020304" pitchFamily="18" charset="0"/>
                       </a:endParaRPr>
                     </a:p>
@@ -9166,7 +8832,7 @@
                         </a:solidFill>
                         <a:effectLst/>
                         <a:latin typeface="Calibri" panose="020F0502020204030204" pitchFamily="34" charset="0"/>
-                        <a:ea typeface="SimSun" panose="02010600030101010101" pitchFamily="2" charset="-122"/>
+                        <a:ea typeface="宋体" panose="02010600030101010101" pitchFamily="2" charset="-122"/>
                         <a:cs typeface="Times New Roman" panose="02020603050405020304" pitchFamily="18" charset="0"/>
                       </a:endParaRPr>
                     </a:p>
@@ -9186,7 +8852,7 @@
                           </a:solidFill>
                           <a:effectLst/>
                           <a:latin typeface="Calibri" panose="020F0502020204030204" pitchFamily="34" charset="0"/>
-                          <a:ea typeface="SimSun" panose="02010600030101010101" pitchFamily="2" charset="-122"/>
+                          <a:ea typeface="宋体" panose="02010600030101010101" pitchFamily="2" charset="-122"/>
                           <a:cs typeface="Times New Roman" panose="02020603050405020304" pitchFamily="18" charset="0"/>
                         </a:rPr>
                         <a:t>Final assignment</a:t>
@@ -9197,7 +8863,7 @@
                         </a:solidFill>
                         <a:effectLst/>
                         <a:latin typeface="Calibri" panose="020F0502020204030204" pitchFamily="34" charset="0"/>
-                        <a:ea typeface="SimSun" panose="02010600030101010101" pitchFamily="2" charset="-122"/>
+                        <a:ea typeface="宋体" panose="02010600030101010101" pitchFamily="2" charset="-122"/>
                         <a:cs typeface="Times New Roman" panose="02020603050405020304" pitchFamily="18" charset="0"/>
                       </a:endParaRPr>
                     </a:p>
@@ -9217,20 +8883,24 @@
                           </a:solidFill>
                           <a:effectLst/>
                           <a:latin typeface="Calibri" panose="020F0502020204030204" pitchFamily="34" charset="0"/>
-                          <a:ea typeface="SimSun" panose="02010600030101010101" pitchFamily="2" charset="-122"/>
+                          <a:ea typeface="宋体" panose="02010600030101010101" pitchFamily="2" charset="-122"/>
                           <a:cs typeface="Times New Roman" panose="02020603050405020304" pitchFamily="18" charset="0"/>
                         </a:rPr>
                         <a:t>https://docs.opencv.org/3.4/d7/d8b/tutorial_py_face_detection.html</a:t>
                       </a:r>
+                      <a:endParaRPr lang="en-GB" sz="1200" kern="1200" dirty="0">
+                        <a:solidFill>
+                          <a:schemeClr val="dk1"/>
+                        </a:solidFill>
+                        <a:effectLst/>
+                        <a:latin typeface="Calibri" panose="020F0502020204030204" pitchFamily="34" charset="0"/>
+                        <a:ea typeface="宋体" panose="02010600030101010101" pitchFamily="2" charset="-122"/>
+                        <a:cs typeface="Times New Roman" panose="02020603050405020304" pitchFamily="18" charset="0"/>
+                      </a:endParaRPr>
                     </a:p>
                   </a:txBody>
                   <a:tcPr/>
                 </a:tc>
-                <a:extLst>
-                  <a:ext uri="{0D108BD9-81ED-4DB2-BD59-A6C34878D82A}">
-                    <a16:rowId xmlns:a16="http://schemas.microsoft.com/office/drawing/2014/main" val="10005"/>
-                  </a:ext>
-                </a:extLst>
               </a:tr>
               <a:tr h="370840">
                 <a:tc>
@@ -9246,7 +8916,7 @@
                           </a:solidFill>
                           <a:effectLst/>
                           <a:latin typeface="Calibri" panose="020F0502020204030204" pitchFamily="34" charset="0"/>
-                          <a:ea typeface="SimSun" panose="02010600030101010101" pitchFamily="2" charset="-122"/>
+                          <a:ea typeface="宋体" panose="02010600030101010101" pitchFamily="2" charset="-122"/>
                           <a:cs typeface="Times New Roman" panose="02020603050405020304" pitchFamily="18" charset="0"/>
                         </a:rPr>
                         <a:t>Introduction to deep learning</a:t>
@@ -9257,7 +8927,7 @@
                         </a:solidFill>
                         <a:effectLst/>
                         <a:latin typeface="Calibri" panose="020F0502020204030204" pitchFamily="34" charset="0"/>
-                        <a:ea typeface="SimSun" panose="02010600030101010101" pitchFamily="2" charset="-122"/>
+                        <a:ea typeface="宋体" panose="02010600030101010101" pitchFamily="2" charset="-122"/>
                         <a:cs typeface="Times New Roman" panose="02020603050405020304" pitchFamily="18" charset="0"/>
                       </a:endParaRPr>
                     </a:p>
@@ -9277,7 +8947,7 @@
                           </a:solidFill>
                           <a:effectLst/>
                           <a:latin typeface="Calibri" panose="020F0502020204030204" pitchFamily="34" charset="0"/>
-                          <a:ea typeface="SimSun" panose="02010600030101010101" pitchFamily="2" charset="-122"/>
+                          <a:ea typeface="宋体" panose="02010600030101010101" pitchFamily="2" charset="-122"/>
                           <a:cs typeface="Times New Roman" panose="02020603050405020304" pitchFamily="18" charset="0"/>
                         </a:rPr>
                         <a:t>3</a:t>
@@ -9288,7 +8958,7 @@
                         </a:solidFill>
                         <a:effectLst/>
                         <a:latin typeface="Calibri" panose="020F0502020204030204" pitchFamily="34" charset="0"/>
-                        <a:ea typeface="SimSun" panose="02010600030101010101" pitchFamily="2" charset="-122"/>
+                        <a:ea typeface="宋体" panose="02010600030101010101" pitchFamily="2" charset="-122"/>
                         <a:cs typeface="Times New Roman" panose="02020603050405020304" pitchFamily="18" charset="0"/>
                       </a:endParaRPr>
                     </a:p>
@@ -9307,7 +8977,7 @@
                         </a:solidFill>
                         <a:effectLst/>
                         <a:latin typeface="Calibri" panose="020F0502020204030204" pitchFamily="34" charset="0"/>
-                        <a:ea typeface="SimSun" panose="02010600030101010101" pitchFamily="2" charset="-122"/>
+                        <a:ea typeface="宋体" panose="02010600030101010101" pitchFamily="2" charset="-122"/>
                         <a:cs typeface="Times New Roman" panose="02020603050405020304" pitchFamily="18" charset="0"/>
                       </a:endParaRPr>
                     </a:p>
@@ -9327,7 +8997,7 @@
                           </a:solidFill>
                           <a:effectLst/>
                           <a:latin typeface="Calibri" panose="020F0502020204030204" pitchFamily="34" charset="0"/>
-                          <a:ea typeface="SimSun" panose="02010600030101010101" pitchFamily="2" charset="-122"/>
+                          <a:ea typeface="宋体" panose="02010600030101010101" pitchFamily="2" charset="-122"/>
                           <a:cs typeface="Times New Roman" panose="02020603050405020304" pitchFamily="18" charset="0"/>
                         </a:rPr>
                         <a:t>--</a:t>
@@ -9338,7 +9008,7 @@
                         </a:solidFill>
                         <a:effectLst/>
                         <a:latin typeface="Calibri" panose="020F0502020204030204" pitchFamily="34" charset="0"/>
-                        <a:ea typeface="SimSun" panose="02010600030101010101" pitchFamily="2" charset="-122"/>
+                        <a:ea typeface="宋体" panose="02010600030101010101" pitchFamily="2" charset="-122"/>
                         <a:cs typeface="Times New Roman" panose="02020603050405020304" pitchFamily="18" charset="0"/>
                       </a:endParaRPr>
                     </a:p>
@@ -9358,31 +9028,30 @@
                           </a:solidFill>
                           <a:effectLst/>
                           <a:latin typeface="Calibri" panose="020F0502020204030204" pitchFamily="34" charset="0"/>
-                          <a:ea typeface="SimSun" panose="02010600030101010101" pitchFamily="2" charset="-122"/>
+                          <a:ea typeface="宋体" panose="02010600030101010101" pitchFamily="2" charset="-122"/>
                           <a:cs typeface="Times New Roman" panose="02020603050405020304" pitchFamily="18" charset="0"/>
                         </a:rPr>
                         <a:t>https://www.coursera.org/learn/ai-for-everyone/</a:t>
                       </a:r>
+                      <a:endParaRPr lang="en-GB" sz="1200" kern="1200" dirty="0">
+                        <a:solidFill>
+                          <a:schemeClr val="dk1"/>
+                        </a:solidFill>
+                        <a:effectLst/>
+                        <a:latin typeface="Calibri" panose="020F0502020204030204" pitchFamily="34" charset="0"/>
+                        <a:ea typeface="宋体" panose="02010600030101010101" pitchFamily="2" charset="-122"/>
+                        <a:cs typeface="Times New Roman" panose="02020603050405020304" pitchFamily="18" charset="0"/>
+                      </a:endParaRPr>
                     </a:p>
                   </a:txBody>
                   <a:tcPr/>
                 </a:tc>
-                <a:extLst>
-                  <a:ext uri="{0D108BD9-81ED-4DB2-BD59-A6C34878D82A}">
-                    <a16:rowId xmlns:a16="http://schemas.microsoft.com/office/drawing/2014/main" val="10006"/>
-                  </a:ext>
-                </a:extLst>
               </a:tr>
             </a:tbl>
           </a:graphicData>
         </a:graphic>
       </p:graphicFrame>
     </p:spTree>
-    <p:extLst>
-      <p:ext uri="{BB962C8B-B14F-4D97-AF65-F5344CB8AC3E}">
-        <p14:creationId xmlns:p14="http://schemas.microsoft.com/office/powerpoint/2010/main" val="360295858"/>
-      </p:ext>
-    </p:extLst>
   </p:cSld>
   <p:clrMapOvr>
     <a:masterClrMapping/>
@@ -9409,13 +9078,7 @@
       </p:grpSpPr>
       <p:sp>
         <p:nvSpPr>
-          <p:cNvPr id="2" name="标题 1">
-            <a:extLst>
-              <a:ext uri="{FF2B5EF4-FFF2-40B4-BE49-F238E27FC236}">
-                <a16:creationId xmlns:a16="http://schemas.microsoft.com/office/drawing/2014/main" id="{2C66AE8B-6C52-4F2C-AEAA-339B7A56AC67}"/>
-              </a:ext>
-            </a:extLst>
-          </p:cNvPr>
+          <p:cNvPr id="2" name="标题 1"/>
           <p:cNvSpPr>
             <a:spLocks noGrp="1"/>
           </p:cNvSpPr>
@@ -9438,13 +9101,7 @@
       </p:sp>
       <p:pic>
         <p:nvPicPr>
-          <p:cNvPr id="4" name="内容占位符 3">
-            <a:extLst>
-              <a:ext uri="{FF2B5EF4-FFF2-40B4-BE49-F238E27FC236}">
-                <a16:creationId xmlns:a16="http://schemas.microsoft.com/office/drawing/2014/main" id="{438124EB-4F23-468B-AEC2-6FF62C01210B}"/>
-              </a:ext>
-            </a:extLst>
-          </p:cNvPr>
+          <p:cNvPr id="4" name="内容占位符 3"/>
           <p:cNvPicPr>
             <a:picLocks noGrp="1" noChangeAspect="1"/>
           </p:cNvPicPr>
@@ -9453,7 +9110,7 @@
           </p:nvPr>
         </p:nvPicPr>
         <p:blipFill>
-          <a:blip r:embed="rId2"/>
+          <a:blip r:embed="rId1"/>
           <a:stretch>
             <a:fillRect/>
           </a:stretch>
@@ -9470,20 +9127,14 @@
       </p:pic>
       <p:pic>
         <p:nvPicPr>
-          <p:cNvPr id="5" name="图片 4">
-            <a:extLst>
-              <a:ext uri="{FF2B5EF4-FFF2-40B4-BE49-F238E27FC236}">
-                <a16:creationId xmlns:a16="http://schemas.microsoft.com/office/drawing/2014/main" id="{E1F168AF-9507-40EF-B5AA-721A642718FC}"/>
-              </a:ext>
-            </a:extLst>
-          </p:cNvPr>
+          <p:cNvPr id="5" name="图片 4"/>
           <p:cNvPicPr>
             <a:picLocks noChangeAspect="1"/>
           </p:cNvPicPr>
           <p:nvPr/>
         </p:nvPicPr>
         <p:blipFill>
-          <a:blip r:embed="rId3"/>
+          <a:blip r:embed="rId2"/>
           <a:stretch>
             <a:fillRect/>
           </a:stretch>
@@ -9499,11 +9150,6 @@
         </p:spPr>
       </p:pic>
     </p:spTree>
-    <p:extLst>
-      <p:ext uri="{BB962C8B-B14F-4D97-AF65-F5344CB8AC3E}">
-        <p14:creationId xmlns:p14="http://schemas.microsoft.com/office/powerpoint/2010/main" val="888537662"/>
-      </p:ext>
-    </p:extLst>
   </p:cSld>
   <p:clrMapOvr>
     <a:masterClrMapping/>
@@ -9530,13 +9176,7 @@
       </p:grpSpPr>
       <p:sp>
         <p:nvSpPr>
-          <p:cNvPr id="2" name="标题 1">
-            <a:extLst>
-              <a:ext uri="{FF2B5EF4-FFF2-40B4-BE49-F238E27FC236}">
-                <a16:creationId xmlns:a16="http://schemas.microsoft.com/office/drawing/2014/main" id="{FCD69E77-08F5-476C-AB44-3BC048F25455}"/>
-              </a:ext>
-            </a:extLst>
-          </p:cNvPr>
+          <p:cNvPr id="2" name="标题 1"/>
           <p:cNvSpPr>
             <a:spLocks noGrp="1"/>
           </p:cNvSpPr>
@@ -9559,13 +9199,7 @@
       </p:sp>
       <p:sp>
         <p:nvSpPr>
-          <p:cNvPr id="3" name="文本占位符 2">
-            <a:extLst>
-              <a:ext uri="{FF2B5EF4-FFF2-40B4-BE49-F238E27FC236}">
-                <a16:creationId xmlns:a16="http://schemas.microsoft.com/office/drawing/2014/main" id="{765E9E63-1DF6-4400-B710-86021781D00F}"/>
-              </a:ext>
-            </a:extLst>
-          </p:cNvPr>
+          <p:cNvPr id="3" name="文本占位符 2"/>
           <p:cNvSpPr>
             <a:spLocks noGrp="1"/>
           </p:cNvSpPr>
@@ -9583,11 +9217,6 @@
         </p:txBody>
       </p:sp>
     </p:spTree>
-    <p:extLst>
-      <p:ext uri="{BB962C8B-B14F-4D97-AF65-F5344CB8AC3E}">
-        <p14:creationId xmlns:p14="http://schemas.microsoft.com/office/powerpoint/2010/main" val="3745992124"/>
-      </p:ext>
-    </p:extLst>
   </p:cSld>
   <p:clrMapOvr>
     <a:masterClrMapping/>
@@ -9614,13 +9243,7 @@
       </p:grpSpPr>
       <p:sp>
         <p:nvSpPr>
-          <p:cNvPr id="2" name="标题 1">
-            <a:extLst>
-              <a:ext uri="{FF2B5EF4-FFF2-40B4-BE49-F238E27FC236}">
-                <a16:creationId xmlns:a16="http://schemas.microsoft.com/office/drawing/2014/main" id="{E242BB35-D706-4EF5-BD56-9DA2363C0200}"/>
-              </a:ext>
-            </a:extLst>
-          </p:cNvPr>
+          <p:cNvPr id="2" name="标题 1"/>
           <p:cNvSpPr>
             <a:spLocks noGrp="1"/>
           </p:cNvSpPr>
@@ -9643,13 +9266,7 @@
       </p:sp>
       <p:sp>
         <p:nvSpPr>
-          <p:cNvPr id="3" name="内容占位符 2">
-            <a:extLst>
-              <a:ext uri="{FF2B5EF4-FFF2-40B4-BE49-F238E27FC236}">
-                <a16:creationId xmlns:a16="http://schemas.microsoft.com/office/drawing/2014/main" id="{1B2EBB77-DC57-4ACD-8CE6-433BAEC73FE4}"/>
-              </a:ext>
-            </a:extLst>
-          </p:cNvPr>
+          <p:cNvPr id="3" name="内容占位符 2"/>
           <p:cNvSpPr>
             <a:spLocks noGrp="1"/>
           </p:cNvSpPr>
@@ -9668,6 +9285,7 @@
               <a:rPr lang="en-GB" altLang="zh-CN" sz="3600" dirty="0"/>
               <a:t>Quotation Marks</a:t>
             </a:r>
+            <a:endParaRPr lang="en-GB" altLang="zh-CN" sz="3600" dirty="0"/>
           </a:p>
           <a:p>
             <a:endParaRPr lang="en-GB" altLang="zh-CN" sz="3600" dirty="0"/>
@@ -9692,20 +9310,14 @@
       </p:sp>
       <p:pic>
         <p:nvPicPr>
-          <p:cNvPr id="4" name="图片 3">
-            <a:extLst>
-              <a:ext uri="{FF2B5EF4-FFF2-40B4-BE49-F238E27FC236}">
-                <a16:creationId xmlns:a16="http://schemas.microsoft.com/office/drawing/2014/main" id="{8C8D46A5-814E-4F02-BDFF-3680785419B3}"/>
-              </a:ext>
-            </a:extLst>
-          </p:cNvPr>
+          <p:cNvPr id="4" name="图片 3"/>
           <p:cNvPicPr>
             <a:picLocks noChangeAspect="1"/>
           </p:cNvPicPr>
           <p:nvPr/>
         </p:nvPicPr>
         <p:blipFill>
-          <a:blip r:embed="rId3"/>
+          <a:blip r:embed="rId1"/>
           <a:stretch>
             <a:fillRect/>
           </a:stretch>
@@ -9721,11 +9333,6 @@
         </p:spPr>
       </p:pic>
     </p:spTree>
-    <p:extLst>
-      <p:ext uri="{BB962C8B-B14F-4D97-AF65-F5344CB8AC3E}">
-        <p14:creationId xmlns:p14="http://schemas.microsoft.com/office/powerpoint/2010/main" val="204651205"/>
-      </p:ext>
-    </p:extLst>
   </p:cSld>
   <p:clrMapOvr>
     <a:masterClrMapping/>
@@ -9752,13 +9359,7 @@
       </p:grpSpPr>
       <p:sp>
         <p:nvSpPr>
-          <p:cNvPr id="2" name="标题 1">
-            <a:extLst>
-              <a:ext uri="{FF2B5EF4-FFF2-40B4-BE49-F238E27FC236}">
-                <a16:creationId xmlns:a16="http://schemas.microsoft.com/office/drawing/2014/main" id="{ADA3483E-4970-4D32-AB16-84122017BE28}"/>
-              </a:ext>
-            </a:extLst>
-          </p:cNvPr>
+          <p:cNvPr id="2" name="标题 1"/>
           <p:cNvSpPr>
             <a:spLocks noGrp="1"/>
           </p:cNvSpPr>
@@ -9781,13 +9382,7 @@
       </p:sp>
       <p:sp>
         <p:nvSpPr>
-          <p:cNvPr id="3" name="内容占位符 2">
-            <a:extLst>
-              <a:ext uri="{FF2B5EF4-FFF2-40B4-BE49-F238E27FC236}">
-                <a16:creationId xmlns:a16="http://schemas.microsoft.com/office/drawing/2014/main" id="{4A41A953-5CBC-4E51-86E7-156EEFEFBB74}"/>
-              </a:ext>
-            </a:extLst>
-          </p:cNvPr>
+          <p:cNvPr id="3" name="内容占位符 2"/>
           <p:cNvSpPr>
             <a:spLocks noGrp="1"/>
           </p:cNvSpPr>
@@ -9826,28 +9421,17 @@
               <a:rPr lang="zh-CN" altLang="en-US" sz="3200" dirty="0"/>
               <a:t>中文</a:t>
             </a:r>
+            <a:endParaRPr lang="zh-CN" altLang="en-US" sz="3200" dirty="0"/>
           </a:p>
         </p:txBody>
       </p:sp>
       <p:graphicFrame>
         <p:nvGraphicFramePr>
-          <p:cNvPr id="4" name="对象 3">
-            <a:extLst>
-              <a:ext uri="{FF2B5EF4-FFF2-40B4-BE49-F238E27FC236}">
-                <a16:creationId xmlns:a16="http://schemas.microsoft.com/office/drawing/2014/main" id="{8A0B5EED-8EE2-466A-90F3-8D13A87D7689}"/>
-              </a:ext>
-            </a:extLst>
-          </p:cNvPr>
+          <p:cNvPr id="4" name="对象 3"/>
           <p:cNvGraphicFramePr>
             <a:graphicFrameLocks noChangeAspect="1"/>
           </p:cNvGraphicFramePr>
-          <p:nvPr>
-            <p:extLst>
-              <p:ext uri="{D42A27DB-BD31-4B8C-83A1-F6EECF244321}">
-                <p14:modId xmlns:p14="http://schemas.microsoft.com/office/powerpoint/2010/main" val="1087908641"/>
-              </p:ext>
-            </p:extLst>
-          </p:nvPr>
+          <p:nvPr/>
         </p:nvGraphicFramePr>
         <p:xfrm>
           <a:off x="3706345" y="3694695"/>
@@ -9857,21 +9441,21 @@
           <a:graphicData uri="http://schemas.openxmlformats.org/presentationml/2006/ole">
             <mc:AlternateContent xmlns:mc="http://schemas.openxmlformats.org/markup-compatibility/2006">
               <mc:Choice xmlns:v="urn:schemas-microsoft-com:vml" Requires="v">
-                <p:oleObj spid="_x0000_s1028" name="包装程序外壳对象" showAsIcon="1" r:id="rId3" imgW="677880" imgH="324720" progId="Package">
+                <p:oleObj spid="_x0000_s1028" name="包装程序外壳对象" showAsIcon="1" r:id="rId1" imgW="1104900" imgH="523875" progId="Package">
                   <p:embed/>
                 </p:oleObj>
               </mc:Choice>
               <mc:Fallback>
-                <p:oleObj name="包装程序外壳对象" showAsIcon="1" r:id="rId3" imgW="677880" imgH="324720" progId="Package">
+                <p:oleObj name="包装程序外壳对象" showAsIcon="1" r:id="rId1" imgW="1104900" imgH="523875" progId="Package">
                   <p:embed/>
                   <p:pic>
                     <p:nvPicPr>
-                      <p:cNvPr id="0" name=""/>
+                      <p:cNvPr id="0" name="图片 1027"/>
                       <p:cNvPicPr/>
                       <p:nvPr/>
                     </p:nvPicPr>
                     <p:blipFill>
-                      <a:blip r:embed="rId4"/>
+                      <a:blip r:embed="rId2"/>
                       <a:stretch>
                         <a:fillRect/>
                       </a:stretch>
@@ -9893,11 +9477,6 @@
         </a:graphic>
       </p:graphicFrame>
     </p:spTree>
-    <p:extLst>
-      <p:ext uri="{BB962C8B-B14F-4D97-AF65-F5344CB8AC3E}">
-        <p14:creationId xmlns:p14="http://schemas.microsoft.com/office/powerpoint/2010/main" val="1091335288"/>
-      </p:ext>
-    </p:extLst>
   </p:cSld>
   <p:clrMapOvr>
     <a:masterClrMapping/>
@@ -9924,13 +9503,7 @@
       </p:grpSpPr>
       <p:sp>
         <p:nvSpPr>
-          <p:cNvPr id="2" name="标题 1">
-            <a:extLst>
-              <a:ext uri="{FF2B5EF4-FFF2-40B4-BE49-F238E27FC236}">
-                <a16:creationId xmlns:a16="http://schemas.microsoft.com/office/drawing/2014/main" id="{C635C24D-2413-4E91-89F8-745CDF46094D}"/>
-              </a:ext>
-            </a:extLst>
-          </p:cNvPr>
+          <p:cNvPr id="2" name="标题 1"/>
           <p:cNvSpPr>
             <a:spLocks noGrp="1"/>
           </p:cNvSpPr>
@@ -9953,13 +9526,7 @@
       </p:sp>
       <p:pic>
         <p:nvPicPr>
-          <p:cNvPr id="4" name="内容占位符 3">
-            <a:extLst>
-              <a:ext uri="{FF2B5EF4-FFF2-40B4-BE49-F238E27FC236}">
-                <a16:creationId xmlns:a16="http://schemas.microsoft.com/office/drawing/2014/main" id="{DDAC18C4-187D-4A30-971A-2572FD412C01}"/>
-              </a:ext>
-            </a:extLst>
-          </p:cNvPr>
+          <p:cNvPr id="4" name="内容占位符 3"/>
           <p:cNvPicPr>
             <a:picLocks noGrp="1" noChangeAspect="1"/>
           </p:cNvPicPr>
@@ -9968,7 +9535,7 @@
           </p:nvPr>
         </p:nvPicPr>
         <p:blipFill>
-          <a:blip r:embed="rId3"/>
+          <a:blip r:embed="rId1"/>
           <a:stretch>
             <a:fillRect/>
           </a:stretch>
@@ -9985,13 +9552,7 @@
       </p:pic>
       <p:sp>
         <p:nvSpPr>
-          <p:cNvPr id="5" name="矩形 4">
-            <a:extLst>
-              <a:ext uri="{FF2B5EF4-FFF2-40B4-BE49-F238E27FC236}">
-                <a16:creationId xmlns:a16="http://schemas.microsoft.com/office/drawing/2014/main" id="{94C389DE-09FD-42E5-B8E1-E03C8C4DE270}"/>
-              </a:ext>
-            </a:extLst>
-          </p:cNvPr>
+          <p:cNvPr id="5" name="矩形 4"/>
           <p:cNvSpPr/>
           <p:nvPr/>
         </p:nvSpPr>
@@ -10014,15 +9575,11 @@
               <a:rPr lang="zh-CN" altLang="en-US" sz="3200" dirty="0"/>
               <a:t> \section*{Help}.</a:t>
             </a:r>
+            <a:endParaRPr lang="zh-CN" altLang="en-US" sz="3200" dirty="0"/>
           </a:p>
         </p:txBody>
       </p:sp>
     </p:spTree>
-    <p:extLst>
-      <p:ext uri="{BB962C8B-B14F-4D97-AF65-F5344CB8AC3E}">
-        <p14:creationId xmlns:p14="http://schemas.microsoft.com/office/powerpoint/2010/main" val="2595370761"/>
-      </p:ext>
-    </p:extLst>
   </p:cSld>
   <p:clrMapOvr>
     <a:masterClrMapping/>
@@ -10049,13 +9606,7 @@
       </p:grpSpPr>
       <p:sp>
         <p:nvSpPr>
-          <p:cNvPr id="2" name="标题 1">
-            <a:extLst>
-              <a:ext uri="{FF2B5EF4-FFF2-40B4-BE49-F238E27FC236}">
-                <a16:creationId xmlns:a16="http://schemas.microsoft.com/office/drawing/2014/main" id="{C635C24D-2413-4E91-89F8-745CDF46094D}"/>
-              </a:ext>
-            </a:extLst>
-          </p:cNvPr>
+          <p:cNvPr id="2" name="标题 1"/>
           <p:cNvSpPr>
             <a:spLocks noGrp="1"/>
           </p:cNvSpPr>
@@ -10078,13 +9629,7 @@
       </p:sp>
       <p:pic>
         <p:nvPicPr>
-          <p:cNvPr id="5" name="内容占位符 4">
-            <a:extLst>
-              <a:ext uri="{FF2B5EF4-FFF2-40B4-BE49-F238E27FC236}">
-                <a16:creationId xmlns:a16="http://schemas.microsoft.com/office/drawing/2014/main" id="{16C030BF-5647-4E1A-8160-4AC441C217E0}"/>
-              </a:ext>
-            </a:extLst>
-          </p:cNvPr>
+          <p:cNvPr id="5" name="内容占位符 4"/>
           <p:cNvPicPr>
             <a:picLocks noGrp="1" noChangeAspect="1"/>
           </p:cNvPicPr>
@@ -10093,7 +9638,7 @@
           </p:nvPr>
         </p:nvPicPr>
         <p:blipFill>
-          <a:blip r:embed="rId2"/>
+          <a:blip r:embed="rId1"/>
           <a:stretch>
             <a:fillRect/>
           </a:stretch>
@@ -10110,20 +9655,14 @@
       </p:pic>
       <p:pic>
         <p:nvPicPr>
-          <p:cNvPr id="4" name="图片 3">
-            <a:extLst>
-              <a:ext uri="{FF2B5EF4-FFF2-40B4-BE49-F238E27FC236}">
-                <a16:creationId xmlns:a16="http://schemas.microsoft.com/office/drawing/2014/main" id="{90697AC4-E4E6-42EB-A276-E3946C6F24FB}"/>
-              </a:ext>
-            </a:extLst>
-          </p:cNvPr>
+          <p:cNvPr id="4" name="图片 3"/>
           <p:cNvPicPr>
             <a:picLocks noChangeAspect="1"/>
           </p:cNvPicPr>
           <p:nvPr/>
         </p:nvPicPr>
         <p:blipFill>
-          <a:blip r:embed="rId3"/>
+          <a:blip r:embed="rId2"/>
           <a:stretch>
             <a:fillRect/>
           </a:stretch>
@@ -10139,11 +9678,6 @@
         </p:spPr>
       </p:pic>
     </p:spTree>
-    <p:extLst>
-      <p:ext uri="{BB962C8B-B14F-4D97-AF65-F5344CB8AC3E}">
-        <p14:creationId xmlns:p14="http://schemas.microsoft.com/office/powerpoint/2010/main" val="1674497190"/>
-      </p:ext>
-    </p:extLst>
   </p:cSld>
   <p:clrMapOvr>
     <a:masterClrMapping/>
@@ -10170,13 +9704,7 @@
       </p:grpSpPr>
       <p:sp>
         <p:nvSpPr>
-          <p:cNvPr id="2" name="标题 1">
-            <a:extLst>
-              <a:ext uri="{FF2B5EF4-FFF2-40B4-BE49-F238E27FC236}">
-                <a16:creationId xmlns:a16="http://schemas.microsoft.com/office/drawing/2014/main" id="{C635C24D-2413-4E91-89F8-745CDF46094D}"/>
-              </a:ext>
-            </a:extLst>
-          </p:cNvPr>
+          <p:cNvPr id="2" name="标题 1"/>
           <p:cNvSpPr>
             <a:spLocks noGrp="1"/>
           </p:cNvSpPr>
@@ -10199,13 +9727,7 @@
       </p:sp>
       <p:pic>
         <p:nvPicPr>
-          <p:cNvPr id="5" name="内容占位符 4">
-            <a:extLst>
-              <a:ext uri="{FF2B5EF4-FFF2-40B4-BE49-F238E27FC236}">
-                <a16:creationId xmlns:a16="http://schemas.microsoft.com/office/drawing/2014/main" id="{0876B7D1-21FD-4DB0-98ED-FD589C19E31B}"/>
-              </a:ext>
-            </a:extLst>
-          </p:cNvPr>
+          <p:cNvPr id="5" name="内容占位符 4"/>
           <p:cNvPicPr>
             <a:picLocks noGrp="1" noChangeAspect="1"/>
           </p:cNvPicPr>
@@ -10214,7 +9736,7 @@
           </p:nvPr>
         </p:nvPicPr>
         <p:blipFill>
-          <a:blip r:embed="rId2"/>
+          <a:blip r:embed="rId1"/>
           <a:stretch>
             <a:fillRect/>
           </a:stretch>
@@ -10231,20 +9753,14 @@
       </p:pic>
       <p:pic>
         <p:nvPicPr>
-          <p:cNvPr id="4" name="图片 3">
-            <a:extLst>
-              <a:ext uri="{FF2B5EF4-FFF2-40B4-BE49-F238E27FC236}">
-                <a16:creationId xmlns:a16="http://schemas.microsoft.com/office/drawing/2014/main" id="{EF0A5990-C473-4E5B-84B7-F1C56F9DC01E}"/>
-              </a:ext>
-            </a:extLst>
-          </p:cNvPr>
+          <p:cNvPr id="4" name="图片 3"/>
           <p:cNvPicPr>
             <a:picLocks noChangeAspect="1"/>
           </p:cNvPicPr>
           <p:nvPr/>
         </p:nvPicPr>
         <p:blipFill>
-          <a:blip r:embed="rId3"/>
+          <a:blip r:embed="rId2"/>
           <a:stretch>
             <a:fillRect/>
           </a:stretch>
@@ -10260,11 +9776,6 @@
         </p:spPr>
       </p:pic>
     </p:spTree>
-    <p:extLst>
-      <p:ext uri="{BB962C8B-B14F-4D97-AF65-F5344CB8AC3E}">
-        <p14:creationId xmlns:p14="http://schemas.microsoft.com/office/powerpoint/2010/main" val="4180650939"/>
-      </p:ext>
-    </p:extLst>
   </p:cSld>
   <p:clrMapOvr>
     <a:masterClrMapping/>
@@ -10291,13 +9802,7 @@
       </p:grpSpPr>
       <p:sp>
         <p:nvSpPr>
-          <p:cNvPr id="2" name="标题 1">
-            <a:extLst>
-              <a:ext uri="{FF2B5EF4-FFF2-40B4-BE49-F238E27FC236}">
-                <a16:creationId xmlns:a16="http://schemas.microsoft.com/office/drawing/2014/main" id="{C635C24D-2413-4E91-89F8-745CDF46094D}"/>
-              </a:ext>
-            </a:extLst>
-          </p:cNvPr>
+          <p:cNvPr id="2" name="标题 1"/>
           <p:cNvSpPr>
             <a:spLocks noGrp="1"/>
           </p:cNvSpPr>
@@ -10334,13 +9839,7 @@
       </p:sp>
       <p:sp>
         <p:nvSpPr>
-          <p:cNvPr id="3" name="内容占位符 2">
-            <a:extLst>
-              <a:ext uri="{FF2B5EF4-FFF2-40B4-BE49-F238E27FC236}">
-                <a16:creationId xmlns:a16="http://schemas.microsoft.com/office/drawing/2014/main" id="{3D872033-51F0-40F8-B217-3CE0F08CA196}"/>
-              </a:ext>
-            </a:extLst>
-          </p:cNvPr>
+          <p:cNvPr id="3" name="内容占位符 2"/>
           <p:cNvSpPr>
             <a:spLocks noGrp="1"/>
           </p:cNvSpPr>
@@ -10359,20 +9858,14 @@
       </p:sp>
       <p:pic>
         <p:nvPicPr>
-          <p:cNvPr id="5" name="图片 4">
-            <a:extLst>
-              <a:ext uri="{FF2B5EF4-FFF2-40B4-BE49-F238E27FC236}">
-                <a16:creationId xmlns:a16="http://schemas.microsoft.com/office/drawing/2014/main" id="{D3EE8872-0F1B-4400-A6A1-65F4D8467174}"/>
-              </a:ext>
-            </a:extLst>
-          </p:cNvPr>
+          <p:cNvPr id="5" name="图片 4"/>
           <p:cNvPicPr>
             <a:picLocks noChangeAspect="1"/>
           </p:cNvPicPr>
           <p:nvPr/>
         </p:nvPicPr>
         <p:blipFill>
-          <a:blip r:embed="rId2"/>
+          <a:blip r:embed="rId1"/>
           <a:stretch>
             <a:fillRect/>
           </a:stretch>
@@ -10388,11 +9881,6 @@
         </p:spPr>
       </p:pic>
     </p:spTree>
-    <p:extLst>
-      <p:ext uri="{BB962C8B-B14F-4D97-AF65-F5344CB8AC3E}">
-        <p14:creationId xmlns:p14="http://schemas.microsoft.com/office/powerpoint/2010/main" val="3241727197"/>
-      </p:ext>
-    </p:extLst>
   </p:cSld>
   <p:clrMapOvr>
     <a:masterClrMapping/>
@@ -10419,13 +9907,7 @@
       </p:grpSpPr>
       <p:sp>
         <p:nvSpPr>
-          <p:cNvPr id="2" name="标题 1">
-            <a:extLst>
-              <a:ext uri="{FF2B5EF4-FFF2-40B4-BE49-F238E27FC236}">
-                <a16:creationId xmlns:a16="http://schemas.microsoft.com/office/drawing/2014/main" id="{C635C24D-2413-4E91-89F8-745CDF46094D}"/>
-              </a:ext>
-            </a:extLst>
-          </p:cNvPr>
+          <p:cNvPr id="2" name="标题 1"/>
           <p:cNvSpPr>
             <a:spLocks noGrp="1"/>
           </p:cNvSpPr>
@@ -10448,13 +9930,7 @@
       </p:sp>
       <p:pic>
         <p:nvPicPr>
-          <p:cNvPr id="4" name="内容占位符 3">
-            <a:extLst>
-              <a:ext uri="{FF2B5EF4-FFF2-40B4-BE49-F238E27FC236}">
-                <a16:creationId xmlns:a16="http://schemas.microsoft.com/office/drawing/2014/main" id="{395A1115-E4F3-4D15-8A5D-6681FC43FD39}"/>
-              </a:ext>
-            </a:extLst>
-          </p:cNvPr>
+          <p:cNvPr id="4" name="内容占位符 3"/>
           <p:cNvPicPr>
             <a:picLocks noGrp="1" noChangeAspect="1"/>
           </p:cNvPicPr>
@@ -10463,7 +9939,7 @@
           </p:nvPr>
         </p:nvPicPr>
         <p:blipFill>
-          <a:blip r:embed="rId3"/>
+          <a:blip r:embed="rId1"/>
           <a:stretch>
             <a:fillRect/>
           </a:stretch>
@@ -10480,20 +9956,14 @@
       </p:pic>
       <p:pic>
         <p:nvPicPr>
-          <p:cNvPr id="5" name="图片 4">
-            <a:extLst>
-              <a:ext uri="{FF2B5EF4-FFF2-40B4-BE49-F238E27FC236}">
-                <a16:creationId xmlns:a16="http://schemas.microsoft.com/office/drawing/2014/main" id="{0976DEAD-3877-4494-B299-92E53BD29B9E}"/>
-              </a:ext>
-            </a:extLst>
-          </p:cNvPr>
+          <p:cNvPr id="5" name="图片 4"/>
           <p:cNvPicPr>
             <a:picLocks noChangeAspect="1"/>
           </p:cNvPicPr>
           <p:nvPr/>
         </p:nvPicPr>
         <p:blipFill>
-          <a:blip r:embed="rId4"/>
+          <a:blip r:embed="rId2"/>
           <a:stretch>
             <a:fillRect/>
           </a:stretch>
@@ -10509,11 +9979,6 @@
         </p:spPr>
       </p:pic>
     </p:spTree>
-    <p:extLst>
-      <p:ext uri="{BB962C8B-B14F-4D97-AF65-F5344CB8AC3E}">
-        <p14:creationId xmlns:p14="http://schemas.microsoft.com/office/powerpoint/2010/main" val="597186794"/>
-      </p:ext>
-    </p:extLst>
   </p:cSld>
   <p:clrMapOvr>
     <a:masterClrMapping/>
@@ -10540,13 +10005,7 @@
       </p:grpSpPr>
       <p:sp>
         <p:nvSpPr>
-          <p:cNvPr id="2" name="标题 1">
-            <a:extLst>
-              <a:ext uri="{FF2B5EF4-FFF2-40B4-BE49-F238E27FC236}">
-                <a16:creationId xmlns:a16="http://schemas.microsoft.com/office/drawing/2014/main" id="{C635C24D-2413-4E91-89F8-745CDF46094D}"/>
-              </a:ext>
-            </a:extLst>
-          </p:cNvPr>
+          <p:cNvPr id="2" name="标题 1"/>
           <p:cNvSpPr>
             <a:spLocks noGrp="1"/>
           </p:cNvSpPr>
@@ -10569,13 +10028,7 @@
       </p:sp>
       <p:sp>
         <p:nvSpPr>
-          <p:cNvPr id="3" name="内容占位符 2">
-            <a:extLst>
-              <a:ext uri="{FF2B5EF4-FFF2-40B4-BE49-F238E27FC236}">
-                <a16:creationId xmlns:a16="http://schemas.microsoft.com/office/drawing/2014/main" id="{3D872033-51F0-40F8-B217-3CE0F08CA196}"/>
-              </a:ext>
-            </a:extLst>
-          </p:cNvPr>
+          <p:cNvPr id="3" name="内容占位符 2"/>
           <p:cNvSpPr>
             <a:spLocks noGrp="1"/>
           </p:cNvSpPr>
@@ -10594,20 +10047,14 @@
       </p:sp>
       <p:pic>
         <p:nvPicPr>
-          <p:cNvPr id="6" name="图片 5">
-            <a:extLst>
-              <a:ext uri="{FF2B5EF4-FFF2-40B4-BE49-F238E27FC236}">
-                <a16:creationId xmlns:a16="http://schemas.microsoft.com/office/drawing/2014/main" id="{B85CC3A3-EB9B-42E4-8E41-E6B234B6794D}"/>
-              </a:ext>
-            </a:extLst>
-          </p:cNvPr>
+          <p:cNvPr id="6" name="图片 5"/>
           <p:cNvPicPr>
             <a:picLocks noChangeAspect="1"/>
           </p:cNvPicPr>
           <p:nvPr/>
         </p:nvPicPr>
         <p:blipFill>
-          <a:blip r:embed="rId2"/>
+          <a:blip r:embed="rId1"/>
           <a:stretch>
             <a:fillRect/>
           </a:stretch>
@@ -10624,20 +10071,14 @@
       </p:pic>
       <p:pic>
         <p:nvPicPr>
-          <p:cNvPr id="7" name="图片 6">
-            <a:extLst>
-              <a:ext uri="{FF2B5EF4-FFF2-40B4-BE49-F238E27FC236}">
-                <a16:creationId xmlns:a16="http://schemas.microsoft.com/office/drawing/2014/main" id="{CBB61A4B-3011-487E-B75E-625ED5206A16}"/>
-              </a:ext>
-            </a:extLst>
-          </p:cNvPr>
+          <p:cNvPr id="7" name="图片 6"/>
           <p:cNvPicPr>
             <a:picLocks noChangeAspect="1"/>
           </p:cNvPicPr>
           <p:nvPr/>
         </p:nvPicPr>
         <p:blipFill>
-          <a:blip r:embed="rId3"/>
+          <a:blip r:embed="rId2"/>
           <a:stretch>
             <a:fillRect/>
           </a:stretch>
@@ -10653,11 +10094,6 @@
         </p:spPr>
       </p:pic>
     </p:spTree>
-    <p:extLst>
-      <p:ext uri="{BB962C8B-B14F-4D97-AF65-F5344CB8AC3E}">
-        <p14:creationId xmlns:p14="http://schemas.microsoft.com/office/powerpoint/2010/main" val="4293189406"/>
-      </p:ext>
-    </p:extLst>
   </p:cSld>
   <p:clrMapOvr>
     <a:masterClrMapping/>
@@ -10684,13 +10120,7 @@
       </p:grpSpPr>
       <p:sp>
         <p:nvSpPr>
-          <p:cNvPr id="2" name="标题 1">
-            <a:extLst>
-              <a:ext uri="{FF2B5EF4-FFF2-40B4-BE49-F238E27FC236}">
-                <a16:creationId xmlns:a16="http://schemas.microsoft.com/office/drawing/2014/main" id="{83F2E84D-CEE3-45B9-8A3B-4598AD42E828}"/>
-              </a:ext>
-            </a:extLst>
-          </p:cNvPr>
+          <p:cNvPr id="2" name="标题 1"/>
           <p:cNvSpPr>
             <a:spLocks noGrp="1"/>
           </p:cNvSpPr>
@@ -10713,13 +10143,7 @@
       </p:sp>
       <p:sp>
         <p:nvSpPr>
-          <p:cNvPr id="7" name="内容占位符 6">
-            <a:extLst>
-              <a:ext uri="{FF2B5EF4-FFF2-40B4-BE49-F238E27FC236}">
-                <a16:creationId xmlns:a16="http://schemas.microsoft.com/office/drawing/2014/main" id="{BC8307D7-E7B8-4C0C-AF79-988E89063675}"/>
-              </a:ext>
-            </a:extLst>
-          </p:cNvPr>
+          <p:cNvPr id="7" name="内容占位符 6"/>
           <p:cNvSpPr>
             <a:spLocks noGrp="1"/>
           </p:cNvSpPr>
@@ -10749,6 +10173,7 @@
               <a:rPr lang="en-US" altLang="zh-CN" sz="3200" dirty="0"/>
               <a:t>History and software installation</a:t>
             </a:r>
+            <a:endParaRPr lang="en-US" altLang="zh-CN" sz="3200" dirty="0"/>
           </a:p>
           <a:p>
             <a:pPr>
@@ -10759,6 +10184,7 @@
               <a:rPr lang="en-US" altLang="zh-CN" sz="3200" dirty="0"/>
               <a:t>Input Files</a:t>
             </a:r>
+            <a:endParaRPr lang="en-US" altLang="zh-CN" sz="3200" dirty="0"/>
           </a:p>
           <a:p>
             <a:pPr>
@@ -10769,6 +10195,7 @@
               <a:rPr lang="en-US" altLang="zh-CN" sz="3200" dirty="0"/>
               <a:t>Typesetting Text</a:t>
             </a:r>
+            <a:endParaRPr lang="en-US" altLang="zh-CN" sz="3200" dirty="0"/>
           </a:p>
           <a:p>
             <a:pPr>
@@ -10779,6 +10206,7 @@
               <a:rPr lang="en-US" altLang="zh-CN" sz="3200" dirty="0"/>
               <a:t>Mathematical Formulae</a:t>
             </a:r>
+            <a:endParaRPr lang="en-US" altLang="zh-CN" sz="3200" dirty="0"/>
           </a:p>
           <a:p>
             <a:pPr>
@@ -10789,15 +10217,11 @@
               <a:rPr lang="en-US" altLang="zh-CN" sz="3200" dirty="0"/>
               <a:t>Specialties</a:t>
             </a:r>
+            <a:endParaRPr lang="en-US" altLang="zh-CN" sz="3200" dirty="0"/>
           </a:p>
         </p:txBody>
       </p:sp>
     </p:spTree>
-    <p:extLst>
-      <p:ext uri="{BB962C8B-B14F-4D97-AF65-F5344CB8AC3E}">
-        <p14:creationId xmlns:p14="http://schemas.microsoft.com/office/powerpoint/2010/main" val="1589704355"/>
-      </p:ext>
-    </p:extLst>
   </p:cSld>
   <p:clrMapOvr>
     <a:masterClrMapping/>
@@ -10824,13 +10248,7 @@
       </p:grpSpPr>
       <p:sp>
         <p:nvSpPr>
-          <p:cNvPr id="2" name="标题 1">
-            <a:extLst>
-              <a:ext uri="{FF2B5EF4-FFF2-40B4-BE49-F238E27FC236}">
-                <a16:creationId xmlns:a16="http://schemas.microsoft.com/office/drawing/2014/main" id="{0B9AB2FE-4093-416B-AAE7-A4BEBBB4E2DB}"/>
-              </a:ext>
-            </a:extLst>
-          </p:cNvPr>
+          <p:cNvPr id="2" name="标题 1"/>
           <p:cNvSpPr>
             <a:spLocks noGrp="1"/>
           </p:cNvSpPr>
@@ -10860,13 +10278,7 @@
       </p:sp>
       <p:sp>
         <p:nvSpPr>
-          <p:cNvPr id="3" name="文本占位符 2">
-            <a:extLst>
-              <a:ext uri="{FF2B5EF4-FFF2-40B4-BE49-F238E27FC236}">
-                <a16:creationId xmlns:a16="http://schemas.microsoft.com/office/drawing/2014/main" id="{81043F5E-A9C7-4F06-BDA3-5C7D4B49AAF7}"/>
-              </a:ext>
-            </a:extLst>
-          </p:cNvPr>
+          <p:cNvPr id="3" name="文本占位符 2"/>
           <p:cNvSpPr>
             <a:spLocks noGrp="1"/>
           </p:cNvSpPr>
@@ -10884,11 +10296,6 @@
         </p:txBody>
       </p:sp>
     </p:spTree>
-    <p:extLst>
-      <p:ext uri="{BB962C8B-B14F-4D97-AF65-F5344CB8AC3E}">
-        <p14:creationId xmlns:p14="http://schemas.microsoft.com/office/powerpoint/2010/main" val="4239303480"/>
-      </p:ext>
-    </p:extLst>
   </p:cSld>
   <p:clrMapOvr>
     <a:masterClrMapping/>
@@ -10915,13 +10322,7 @@
       </p:grpSpPr>
       <p:sp>
         <p:nvSpPr>
-          <p:cNvPr id="2" name="标题 1">
-            <a:extLst>
-              <a:ext uri="{FF2B5EF4-FFF2-40B4-BE49-F238E27FC236}">
-                <a16:creationId xmlns:a16="http://schemas.microsoft.com/office/drawing/2014/main" id="{7BDB5361-8D84-46B3-A0F7-117A165C87C3}"/>
-              </a:ext>
-            </a:extLst>
-          </p:cNvPr>
+          <p:cNvPr id="2" name="标题 1"/>
           <p:cNvSpPr>
             <a:spLocks noGrp="1"/>
           </p:cNvSpPr>
@@ -10944,13 +10345,7 @@
       </p:sp>
       <p:pic>
         <p:nvPicPr>
-          <p:cNvPr id="10" name="内容占位符 9">
-            <a:extLst>
-              <a:ext uri="{FF2B5EF4-FFF2-40B4-BE49-F238E27FC236}">
-                <a16:creationId xmlns:a16="http://schemas.microsoft.com/office/drawing/2014/main" id="{3060E22E-74A2-444C-9526-55E222FF6994}"/>
-              </a:ext>
-            </a:extLst>
-          </p:cNvPr>
+          <p:cNvPr id="10" name="内容占位符 9"/>
           <p:cNvPicPr>
             <a:picLocks noGrp="1" noChangeAspect="1"/>
           </p:cNvPicPr>
@@ -10959,7 +10354,7 @@
           </p:nvPr>
         </p:nvPicPr>
         <p:blipFill>
-          <a:blip r:embed="rId3"/>
+          <a:blip r:embed="rId1"/>
           <a:stretch>
             <a:fillRect/>
           </a:stretch>
@@ -10976,20 +10371,14 @@
       </p:pic>
       <p:pic>
         <p:nvPicPr>
-          <p:cNvPr id="11" name="图片 10">
-            <a:extLst>
-              <a:ext uri="{FF2B5EF4-FFF2-40B4-BE49-F238E27FC236}">
-                <a16:creationId xmlns:a16="http://schemas.microsoft.com/office/drawing/2014/main" id="{52095A63-5A06-4DBB-A54B-338149FDB70C}"/>
-              </a:ext>
-            </a:extLst>
-          </p:cNvPr>
+          <p:cNvPr id="11" name="图片 10"/>
           <p:cNvPicPr>
             <a:picLocks noChangeAspect="1"/>
           </p:cNvPicPr>
           <p:nvPr/>
         </p:nvPicPr>
         <p:blipFill>
-          <a:blip r:embed="rId4"/>
+          <a:blip r:embed="rId2"/>
           <a:stretch>
             <a:fillRect/>
           </a:stretch>
@@ -11005,11 +10394,6 @@
         </p:spPr>
       </p:pic>
     </p:spTree>
-    <p:extLst>
-      <p:ext uri="{BB962C8B-B14F-4D97-AF65-F5344CB8AC3E}">
-        <p14:creationId xmlns:p14="http://schemas.microsoft.com/office/powerpoint/2010/main" val="2475609630"/>
-      </p:ext>
-    </p:extLst>
   </p:cSld>
   <p:clrMapOvr>
     <a:masterClrMapping/>
@@ -11036,13 +10420,7 @@
       </p:grpSpPr>
       <p:sp>
         <p:nvSpPr>
-          <p:cNvPr id="2" name="标题 1">
-            <a:extLst>
-              <a:ext uri="{FF2B5EF4-FFF2-40B4-BE49-F238E27FC236}">
-                <a16:creationId xmlns:a16="http://schemas.microsoft.com/office/drawing/2014/main" id="{CC7632D4-C39C-4150-82B9-A1B47C7A284C}"/>
-              </a:ext>
-            </a:extLst>
-          </p:cNvPr>
+          <p:cNvPr id="2" name="标题 1"/>
           <p:cNvSpPr>
             <a:spLocks noGrp="1"/>
           </p:cNvSpPr>
@@ -11065,13 +10443,7 @@
       </p:sp>
       <p:pic>
         <p:nvPicPr>
-          <p:cNvPr id="4" name="内容占位符 3">
-            <a:extLst>
-              <a:ext uri="{FF2B5EF4-FFF2-40B4-BE49-F238E27FC236}">
-                <a16:creationId xmlns:a16="http://schemas.microsoft.com/office/drawing/2014/main" id="{3015122A-BDF9-4431-8C7F-1E3DF5544457}"/>
-              </a:ext>
-            </a:extLst>
-          </p:cNvPr>
+          <p:cNvPr id="4" name="内容占位符 3"/>
           <p:cNvPicPr>
             <a:picLocks noGrp="1" noChangeAspect="1"/>
           </p:cNvPicPr>
@@ -11080,7 +10452,7 @@
           </p:nvPr>
         </p:nvPicPr>
         <p:blipFill>
-          <a:blip r:embed="rId3"/>
+          <a:blip r:embed="rId1"/>
           <a:stretch>
             <a:fillRect/>
           </a:stretch>
@@ -11096,11 +10468,6 @@
         </p:spPr>
       </p:pic>
     </p:spTree>
-    <p:extLst>
-      <p:ext uri="{BB962C8B-B14F-4D97-AF65-F5344CB8AC3E}">
-        <p14:creationId xmlns:p14="http://schemas.microsoft.com/office/powerpoint/2010/main" val="2996292277"/>
-      </p:ext>
-    </p:extLst>
   </p:cSld>
   <p:clrMapOvr>
     <a:masterClrMapping/>
@@ -11127,13 +10494,7 @@
       </p:grpSpPr>
       <p:sp>
         <p:nvSpPr>
-          <p:cNvPr id="2" name="标题 1">
-            <a:extLst>
-              <a:ext uri="{FF2B5EF4-FFF2-40B4-BE49-F238E27FC236}">
-                <a16:creationId xmlns:a16="http://schemas.microsoft.com/office/drawing/2014/main" id="{CC7632D4-C39C-4150-82B9-A1B47C7A284C}"/>
-              </a:ext>
-            </a:extLst>
-          </p:cNvPr>
+          <p:cNvPr id="2" name="标题 1"/>
           <p:cNvSpPr>
             <a:spLocks noGrp="1"/>
           </p:cNvSpPr>
@@ -11165,13 +10526,7 @@
       </p:sp>
       <p:sp>
         <p:nvSpPr>
-          <p:cNvPr id="3" name="内容占位符 2">
-            <a:extLst>
-              <a:ext uri="{FF2B5EF4-FFF2-40B4-BE49-F238E27FC236}">
-                <a16:creationId xmlns:a16="http://schemas.microsoft.com/office/drawing/2014/main" id="{B936EF59-5393-4BD3-86FF-A10C9104534F}"/>
-              </a:ext>
-            </a:extLst>
-          </p:cNvPr>
+          <p:cNvPr id="3" name="内容占位符 2"/>
           <p:cNvSpPr>
             <a:spLocks noGrp="1"/>
           </p:cNvSpPr>
@@ -11190,20 +10545,14 @@
       </p:sp>
       <p:pic>
         <p:nvPicPr>
-          <p:cNvPr id="4" name="图片 3">
-            <a:extLst>
-              <a:ext uri="{FF2B5EF4-FFF2-40B4-BE49-F238E27FC236}">
-                <a16:creationId xmlns:a16="http://schemas.microsoft.com/office/drawing/2014/main" id="{613354A7-59CE-4ED4-8244-658585ADD8C0}"/>
-              </a:ext>
-            </a:extLst>
-          </p:cNvPr>
+          <p:cNvPr id="4" name="图片 3"/>
           <p:cNvPicPr>
             <a:picLocks noChangeAspect="1"/>
           </p:cNvPicPr>
           <p:nvPr/>
         </p:nvPicPr>
         <p:blipFill>
-          <a:blip r:embed="rId3"/>
+          <a:blip r:embed="rId1"/>
           <a:stretch>
             <a:fillRect/>
           </a:stretch>
@@ -11219,11 +10568,6 @@
         </p:spPr>
       </p:pic>
     </p:spTree>
-    <p:extLst>
-      <p:ext uri="{BB962C8B-B14F-4D97-AF65-F5344CB8AC3E}">
-        <p14:creationId xmlns:p14="http://schemas.microsoft.com/office/powerpoint/2010/main" val="855320077"/>
-      </p:ext>
-    </p:extLst>
   </p:cSld>
   <p:clrMapOvr>
     <a:masterClrMapping/>
@@ -11250,13 +10594,7 @@
       </p:grpSpPr>
       <p:sp>
         <p:nvSpPr>
-          <p:cNvPr id="2" name="标题 1">
-            <a:extLst>
-              <a:ext uri="{FF2B5EF4-FFF2-40B4-BE49-F238E27FC236}">
-                <a16:creationId xmlns:a16="http://schemas.microsoft.com/office/drawing/2014/main" id="{CC7632D4-C39C-4150-82B9-A1B47C7A284C}"/>
-              </a:ext>
-            </a:extLst>
-          </p:cNvPr>
+          <p:cNvPr id="2" name="标题 1"/>
           <p:cNvSpPr>
             <a:spLocks noGrp="1"/>
           </p:cNvSpPr>
@@ -11279,13 +10617,7 @@
       </p:sp>
       <p:pic>
         <p:nvPicPr>
-          <p:cNvPr id="4" name="内容占位符 3">
-            <a:extLst>
-              <a:ext uri="{FF2B5EF4-FFF2-40B4-BE49-F238E27FC236}">
-                <a16:creationId xmlns:a16="http://schemas.microsoft.com/office/drawing/2014/main" id="{775B8E04-1C8E-4B2F-8BF3-078AA0C7E576}"/>
-              </a:ext>
-            </a:extLst>
-          </p:cNvPr>
+          <p:cNvPr id="4" name="内容占位符 3"/>
           <p:cNvPicPr>
             <a:picLocks noGrp="1" noChangeAspect="1"/>
           </p:cNvPicPr>
@@ -11294,7 +10626,7 @@
           </p:nvPr>
         </p:nvPicPr>
         <p:blipFill>
-          <a:blip r:embed="rId3"/>
+          <a:blip r:embed="rId1"/>
           <a:stretch>
             <a:fillRect/>
           </a:stretch>
@@ -11310,11 +10642,6 @@
         </p:spPr>
       </p:pic>
     </p:spTree>
-    <p:extLst>
-      <p:ext uri="{BB962C8B-B14F-4D97-AF65-F5344CB8AC3E}">
-        <p14:creationId xmlns:p14="http://schemas.microsoft.com/office/powerpoint/2010/main" val="1025094507"/>
-      </p:ext>
-    </p:extLst>
   </p:cSld>
   <p:clrMapOvr>
     <a:masterClrMapping/>
@@ -11341,13 +10668,7 @@
       </p:grpSpPr>
       <p:sp>
         <p:nvSpPr>
-          <p:cNvPr id="2" name="标题 1">
-            <a:extLst>
-              <a:ext uri="{FF2B5EF4-FFF2-40B4-BE49-F238E27FC236}">
-                <a16:creationId xmlns:a16="http://schemas.microsoft.com/office/drawing/2014/main" id="{962C73CE-484A-4A30-93F5-1492F8BD5715}"/>
-              </a:ext>
-            </a:extLst>
-          </p:cNvPr>
+          <p:cNvPr id="2" name="标题 1"/>
           <p:cNvSpPr>
             <a:spLocks noGrp="1"/>
           </p:cNvSpPr>
@@ -11370,13 +10691,7 @@
       </p:sp>
       <p:pic>
         <p:nvPicPr>
-          <p:cNvPr id="4" name="内容占位符 3">
-            <a:extLst>
-              <a:ext uri="{FF2B5EF4-FFF2-40B4-BE49-F238E27FC236}">
-                <a16:creationId xmlns:a16="http://schemas.microsoft.com/office/drawing/2014/main" id="{4B36745B-C234-4534-B8E7-43EB53F1E7AD}"/>
-              </a:ext>
-            </a:extLst>
-          </p:cNvPr>
+          <p:cNvPr id="4" name="内容占位符 3"/>
           <p:cNvPicPr>
             <a:picLocks noGrp="1" noChangeAspect="1"/>
           </p:cNvPicPr>
@@ -11385,9 +10700,11 @@
           </p:nvPr>
         </p:nvPicPr>
         <p:blipFill rotWithShape="1">
-          <a:blip r:embed="rId2"/>
+          <a:blip r:embed="rId1"/>
           <a:srcRect r="52458"/>
-          <a:stretch/>
+          <a:stretch>
+            <a:fillRect/>
+          </a:stretch>
         </p:blipFill>
         <p:spPr>
           <a:xfrm>
@@ -11401,20 +10718,14 @@
       </p:pic>
       <p:pic>
         <p:nvPicPr>
-          <p:cNvPr id="5" name="内容占位符 3">
-            <a:extLst>
-              <a:ext uri="{FF2B5EF4-FFF2-40B4-BE49-F238E27FC236}">
-                <a16:creationId xmlns:a16="http://schemas.microsoft.com/office/drawing/2014/main" id="{A37B51C1-C773-4ECA-94CC-76E03BD016ED}"/>
-              </a:ext>
-            </a:extLst>
-          </p:cNvPr>
+          <p:cNvPr id="5" name="内容占位符 3"/>
           <p:cNvPicPr>
             <a:picLocks noChangeAspect="1"/>
           </p:cNvPicPr>
           <p:nvPr/>
         </p:nvPicPr>
         <p:blipFill>
-          <a:blip r:embed="rId2"/>
+          <a:blip r:embed="rId1"/>
           <a:stretch>
             <a:fillRect/>
           </a:stretch>
@@ -11430,11 +10741,6 @@
         </p:spPr>
       </p:pic>
     </p:spTree>
-    <p:extLst>
-      <p:ext uri="{BB962C8B-B14F-4D97-AF65-F5344CB8AC3E}">
-        <p14:creationId xmlns:p14="http://schemas.microsoft.com/office/powerpoint/2010/main" val="137737785"/>
-      </p:ext>
-    </p:extLst>
   </p:cSld>
   <p:clrMapOvr>
     <a:masterClrMapping/>
@@ -11544,13 +10850,7 @@
       </p:grpSpPr>
       <p:sp>
         <p:nvSpPr>
-          <p:cNvPr id="2" name="标题 1">
-            <a:extLst>
-              <a:ext uri="{FF2B5EF4-FFF2-40B4-BE49-F238E27FC236}">
-                <a16:creationId xmlns:a16="http://schemas.microsoft.com/office/drawing/2014/main" id="{DF6EB785-0E71-4DEC-A4AE-AB704DD32929}"/>
-              </a:ext>
-            </a:extLst>
-          </p:cNvPr>
+          <p:cNvPr id="2" name="标题 1"/>
           <p:cNvSpPr>
             <a:spLocks noGrp="1"/>
           </p:cNvSpPr>
@@ -11573,13 +10873,7 @@
       </p:sp>
       <p:pic>
         <p:nvPicPr>
-          <p:cNvPr id="4" name="内容占位符 3">
-            <a:extLst>
-              <a:ext uri="{FF2B5EF4-FFF2-40B4-BE49-F238E27FC236}">
-                <a16:creationId xmlns:a16="http://schemas.microsoft.com/office/drawing/2014/main" id="{900E21BB-23A0-4B36-9F25-B1337F0175FA}"/>
-              </a:ext>
-            </a:extLst>
-          </p:cNvPr>
+          <p:cNvPr id="4" name="内容占位符 3"/>
           <p:cNvPicPr>
             <a:picLocks noGrp="1" noChangeAspect="1"/>
           </p:cNvPicPr>
@@ -11588,7 +10882,7 @@
           </p:nvPr>
         </p:nvPicPr>
         <p:blipFill>
-          <a:blip r:embed="rId2"/>
+          <a:blip r:embed="rId1"/>
           <a:stretch>
             <a:fillRect/>
           </a:stretch>
@@ -11604,11 +10898,6 @@
         </p:spPr>
       </p:pic>
     </p:spTree>
-    <p:extLst>
-      <p:ext uri="{BB962C8B-B14F-4D97-AF65-F5344CB8AC3E}">
-        <p14:creationId xmlns:p14="http://schemas.microsoft.com/office/powerpoint/2010/main" val="1740765810"/>
-      </p:ext>
-    </p:extLst>
   </p:cSld>
   <p:clrMapOvr>
     <a:masterClrMapping/>
@@ -11635,13 +10924,7 @@
       </p:grpSpPr>
       <p:sp>
         <p:nvSpPr>
-          <p:cNvPr id="2" name="标题 1">
-            <a:extLst>
-              <a:ext uri="{FF2B5EF4-FFF2-40B4-BE49-F238E27FC236}">
-                <a16:creationId xmlns:a16="http://schemas.microsoft.com/office/drawing/2014/main" id="{521AD368-9B06-4110-AA27-165FA0E48495}"/>
-              </a:ext>
-            </a:extLst>
-          </p:cNvPr>
+          <p:cNvPr id="2" name="标题 1"/>
           <p:cNvSpPr>
             <a:spLocks noGrp="1"/>
           </p:cNvSpPr>
@@ -11664,13 +10947,7 @@
       </p:sp>
       <p:sp>
         <p:nvSpPr>
-          <p:cNvPr id="3" name="内容占位符 2">
-            <a:extLst>
-              <a:ext uri="{FF2B5EF4-FFF2-40B4-BE49-F238E27FC236}">
-                <a16:creationId xmlns:a16="http://schemas.microsoft.com/office/drawing/2014/main" id="{514F3810-5AD2-48E3-9CD9-DA1159701AC2}"/>
-              </a:ext>
-            </a:extLst>
-          </p:cNvPr>
+          <p:cNvPr id="3" name="内容占位符 2"/>
           <p:cNvSpPr>
             <a:spLocks noGrp="1"/>
           </p:cNvSpPr>
@@ -11689,6 +10966,7 @@
               <a:rPr lang="sv-SE" altLang="zh-CN" sz="3200" dirty="0"/>
               <a:t>\alpha, \beta, \gamma, …,</a:t>
             </a:r>
+            <a:endParaRPr lang="sv-SE" altLang="zh-CN" sz="3200" dirty="0"/>
           </a:p>
           <a:p>
             <a:r>
@@ -11700,11 +10978,6 @@
         </p:txBody>
       </p:sp>
     </p:spTree>
-    <p:extLst>
-      <p:ext uri="{BB962C8B-B14F-4D97-AF65-F5344CB8AC3E}">
-        <p14:creationId xmlns:p14="http://schemas.microsoft.com/office/powerpoint/2010/main" val="3018806152"/>
-      </p:ext>
-    </p:extLst>
   </p:cSld>
   <p:clrMapOvr>
     <a:masterClrMapping/>
@@ -11731,13 +11004,7 @@
       </p:grpSpPr>
       <p:sp>
         <p:nvSpPr>
-          <p:cNvPr id="2" name="标题 1">
-            <a:extLst>
-              <a:ext uri="{FF2B5EF4-FFF2-40B4-BE49-F238E27FC236}">
-                <a16:creationId xmlns:a16="http://schemas.microsoft.com/office/drawing/2014/main" id="{65D42D1B-083C-4D6B-8793-36FCB66A6688}"/>
-              </a:ext>
-            </a:extLst>
-          </p:cNvPr>
+          <p:cNvPr id="2" name="标题 1"/>
           <p:cNvSpPr>
             <a:spLocks noGrp="1"/>
           </p:cNvSpPr>
@@ -11760,13 +11027,7 @@
       </p:sp>
       <p:pic>
         <p:nvPicPr>
-          <p:cNvPr id="4" name="内容占位符 3">
-            <a:extLst>
-              <a:ext uri="{FF2B5EF4-FFF2-40B4-BE49-F238E27FC236}">
-                <a16:creationId xmlns:a16="http://schemas.microsoft.com/office/drawing/2014/main" id="{9FD258A6-D503-47AB-B80B-25DE59A1550F}"/>
-              </a:ext>
-            </a:extLst>
-          </p:cNvPr>
+          <p:cNvPr id="4" name="内容占位符 3"/>
           <p:cNvPicPr>
             <a:picLocks noGrp="1" noChangeAspect="1"/>
           </p:cNvPicPr>
@@ -11775,7 +11036,7 @@
           </p:nvPr>
         </p:nvPicPr>
         <p:blipFill>
-          <a:blip r:embed="rId3"/>
+          <a:blip r:embed="rId1"/>
           <a:stretch>
             <a:fillRect/>
           </a:stretch>
@@ -11791,11 +11052,6 @@
         </p:spPr>
       </p:pic>
     </p:spTree>
-    <p:extLst>
-      <p:ext uri="{BB962C8B-B14F-4D97-AF65-F5344CB8AC3E}">
-        <p14:creationId xmlns:p14="http://schemas.microsoft.com/office/powerpoint/2010/main" val="3661812196"/>
-      </p:ext>
-    </p:extLst>
   </p:cSld>
   <p:clrMapOvr>
     <a:masterClrMapping/>
@@ -11822,13 +11078,7 @@
       </p:grpSpPr>
       <p:sp>
         <p:nvSpPr>
-          <p:cNvPr id="2" name="标题 1">
-            <a:extLst>
-              <a:ext uri="{FF2B5EF4-FFF2-40B4-BE49-F238E27FC236}">
-                <a16:creationId xmlns:a16="http://schemas.microsoft.com/office/drawing/2014/main" id="{0B9AB2FE-4093-416B-AAE7-A4BEBBB4E2DB}"/>
-              </a:ext>
-            </a:extLst>
-          </p:cNvPr>
+          <p:cNvPr id="2" name="标题 1"/>
           <p:cNvSpPr>
             <a:spLocks noGrp="1"/>
           </p:cNvSpPr>
@@ -11851,13 +11101,7 @@
       </p:sp>
       <p:sp>
         <p:nvSpPr>
-          <p:cNvPr id="3" name="文本占位符 2">
-            <a:extLst>
-              <a:ext uri="{FF2B5EF4-FFF2-40B4-BE49-F238E27FC236}">
-                <a16:creationId xmlns:a16="http://schemas.microsoft.com/office/drawing/2014/main" id="{81043F5E-A9C7-4F06-BDA3-5C7D4B49AAF7}"/>
-              </a:ext>
-            </a:extLst>
-          </p:cNvPr>
+          <p:cNvPr id="3" name="文本占位符 2"/>
           <p:cNvSpPr>
             <a:spLocks noGrp="1"/>
           </p:cNvSpPr>
@@ -11875,11 +11119,6 @@
         </p:txBody>
       </p:sp>
     </p:spTree>
-    <p:extLst>
-      <p:ext uri="{BB962C8B-B14F-4D97-AF65-F5344CB8AC3E}">
-        <p14:creationId xmlns:p14="http://schemas.microsoft.com/office/powerpoint/2010/main" val="2856053494"/>
-      </p:ext>
-    </p:extLst>
   </p:cSld>
   <p:clrMapOvr>
     <a:masterClrMapping/>
@@ -11906,20 +11145,14 @@
       </p:grpSpPr>
       <p:pic>
         <p:nvPicPr>
-          <p:cNvPr id="2" name="图片 1">
-            <a:extLst>
-              <a:ext uri="{FF2B5EF4-FFF2-40B4-BE49-F238E27FC236}">
-                <a16:creationId xmlns:a16="http://schemas.microsoft.com/office/drawing/2014/main" id="{05DF9C57-9806-45E9-890A-4B1890AD86CC}"/>
-              </a:ext>
-            </a:extLst>
-          </p:cNvPr>
+          <p:cNvPr id="2" name="图片 1"/>
           <p:cNvPicPr>
             <a:picLocks noChangeAspect="1"/>
           </p:cNvPicPr>
           <p:nvPr/>
         </p:nvPicPr>
         <p:blipFill>
-          <a:blip r:embed="rId2"/>
+          <a:blip r:embed="rId1"/>
           <a:stretch>
             <a:fillRect/>
           </a:stretch>
@@ -11935,11 +11168,6 @@
         </p:spPr>
       </p:pic>
     </p:spTree>
-    <p:extLst>
-      <p:ext uri="{BB962C8B-B14F-4D97-AF65-F5344CB8AC3E}">
-        <p14:creationId xmlns:p14="http://schemas.microsoft.com/office/powerpoint/2010/main" val="353504560"/>
-      </p:ext>
-    </p:extLst>
   </p:cSld>
   <p:clrMapOvr>
     <a:masterClrMapping/>
@@ -11966,13 +11194,7 @@
       </p:grpSpPr>
       <p:sp>
         <p:nvSpPr>
-          <p:cNvPr id="2" name="标题 1">
-            <a:extLst>
-              <a:ext uri="{FF2B5EF4-FFF2-40B4-BE49-F238E27FC236}">
-                <a16:creationId xmlns:a16="http://schemas.microsoft.com/office/drawing/2014/main" id="{C635C24D-2413-4E91-89F8-745CDF46094D}"/>
-              </a:ext>
-            </a:extLst>
-          </p:cNvPr>
+          <p:cNvPr id="2" name="标题 1"/>
           <p:cNvSpPr>
             <a:spLocks noGrp="1"/>
           </p:cNvSpPr>
@@ -11995,13 +11217,7 @@
       </p:sp>
       <p:sp>
         <p:nvSpPr>
-          <p:cNvPr id="3" name="内容占位符 2">
-            <a:extLst>
-              <a:ext uri="{FF2B5EF4-FFF2-40B4-BE49-F238E27FC236}">
-                <a16:creationId xmlns:a16="http://schemas.microsoft.com/office/drawing/2014/main" id="{3D872033-51F0-40F8-B217-3CE0F08CA196}"/>
-              </a:ext>
-            </a:extLst>
-          </p:cNvPr>
+          <p:cNvPr id="3" name="内容占位符 2"/>
           <p:cNvSpPr>
             <a:spLocks noGrp="1"/>
           </p:cNvSpPr>
@@ -12057,20 +11273,14 @@
       </p:sp>
       <p:pic>
         <p:nvPicPr>
-          <p:cNvPr id="4" name="图片 3">
-            <a:extLst>
-              <a:ext uri="{FF2B5EF4-FFF2-40B4-BE49-F238E27FC236}">
-                <a16:creationId xmlns:a16="http://schemas.microsoft.com/office/drawing/2014/main" id="{4E442BDE-D04F-4D1A-BF76-936217DE33F5}"/>
-              </a:ext>
-            </a:extLst>
-          </p:cNvPr>
+          <p:cNvPr id="4" name="图片 3"/>
           <p:cNvPicPr>
             <a:picLocks noChangeAspect="1"/>
           </p:cNvPicPr>
           <p:nvPr/>
         </p:nvPicPr>
         <p:blipFill>
-          <a:blip r:embed="rId2"/>
+          <a:blip r:embed="rId1"/>
           <a:stretch>
             <a:fillRect/>
           </a:stretch>
@@ -12086,11 +11296,6 @@
         </p:spPr>
       </p:pic>
     </p:spTree>
-    <p:extLst>
-      <p:ext uri="{BB962C8B-B14F-4D97-AF65-F5344CB8AC3E}">
-        <p14:creationId xmlns:p14="http://schemas.microsoft.com/office/powerpoint/2010/main" val="698474837"/>
-      </p:ext>
-    </p:extLst>
   </p:cSld>
   <p:clrMapOvr>
     <a:masterClrMapping/>
@@ -12117,13 +11322,7 @@
       </p:grpSpPr>
       <p:sp>
         <p:nvSpPr>
-          <p:cNvPr id="2" name="标题 1">
-            <a:extLst>
-              <a:ext uri="{FF2B5EF4-FFF2-40B4-BE49-F238E27FC236}">
-                <a16:creationId xmlns:a16="http://schemas.microsoft.com/office/drawing/2014/main" id="{C635C24D-2413-4E91-89F8-745CDF46094D}"/>
-              </a:ext>
-            </a:extLst>
-          </p:cNvPr>
+          <p:cNvPr id="2" name="标题 1"/>
           <p:cNvSpPr>
             <a:spLocks noGrp="1"/>
           </p:cNvSpPr>
@@ -12146,13 +11345,7 @@
       </p:sp>
       <p:sp>
         <p:nvSpPr>
-          <p:cNvPr id="3" name="内容占位符 2">
-            <a:extLst>
-              <a:ext uri="{FF2B5EF4-FFF2-40B4-BE49-F238E27FC236}">
-                <a16:creationId xmlns:a16="http://schemas.microsoft.com/office/drawing/2014/main" id="{3D872033-51F0-40F8-B217-3CE0F08CA196}"/>
-              </a:ext>
-            </a:extLst>
-          </p:cNvPr>
+          <p:cNvPr id="3" name="内容占位符 2"/>
           <p:cNvSpPr>
             <a:spLocks noGrp="1"/>
           </p:cNvSpPr>
@@ -12170,11 +11363,6 @@
         </p:txBody>
       </p:sp>
     </p:spTree>
-    <p:extLst>
-      <p:ext uri="{BB962C8B-B14F-4D97-AF65-F5344CB8AC3E}">
-        <p14:creationId xmlns:p14="http://schemas.microsoft.com/office/powerpoint/2010/main" val="2594715046"/>
-      </p:ext>
-    </p:extLst>
   </p:cSld>
   <p:clrMapOvr>
     <a:masterClrMapping/>
@@ -12201,13 +11389,7 @@
       </p:grpSpPr>
       <p:sp>
         <p:nvSpPr>
-          <p:cNvPr id="2" name="标题 1">
-            <a:extLst>
-              <a:ext uri="{FF2B5EF4-FFF2-40B4-BE49-F238E27FC236}">
-                <a16:creationId xmlns:a16="http://schemas.microsoft.com/office/drawing/2014/main" id="{5462D12F-C276-45B6-A78A-6C5FC7B7D08A}"/>
-              </a:ext>
-            </a:extLst>
-          </p:cNvPr>
+          <p:cNvPr id="2" name="标题 1"/>
           <p:cNvSpPr>
             <a:spLocks noGrp="1"/>
           </p:cNvSpPr>
@@ -12230,13 +11412,7 @@
       </p:sp>
       <p:sp>
         <p:nvSpPr>
-          <p:cNvPr id="3" name="内容占位符 2">
-            <a:extLst>
-              <a:ext uri="{FF2B5EF4-FFF2-40B4-BE49-F238E27FC236}">
-                <a16:creationId xmlns:a16="http://schemas.microsoft.com/office/drawing/2014/main" id="{EFA90529-7C0E-4A7F-9664-49088193879C}"/>
-              </a:ext>
-            </a:extLst>
-          </p:cNvPr>
+          <p:cNvPr id="3" name="内容占位符 2"/>
           <p:cNvSpPr>
             <a:spLocks noGrp="1"/>
           </p:cNvSpPr>
@@ -12261,7 +11437,7 @@
             </a:r>
             <a:r>
               <a:rPr lang="en-US" altLang="zh-CN" dirty="0">
-                <a:hlinkClick r:id="rId2"/>
+                <a:hlinkClick r:id="rId1"/>
               </a:rPr>
               <a:t>https://github.com/stevenwudi/AI_Precourse_2019</a:t>
             </a:r>
@@ -12269,6 +11445,7 @@
               <a:rPr lang="en-US" altLang="zh-CN" dirty="0"/>
               <a:t> to your local git repo.</a:t>
             </a:r>
+            <a:endParaRPr lang="en-US" altLang="zh-CN" dirty="0"/>
           </a:p>
           <a:p>
             <a:pPr marL="457200" indent="-457200">
@@ -12284,7 +11461,7 @@
             </a:br>
             <a:r>
               <a:rPr lang="en-US" altLang="zh-CN" dirty="0">
-                <a:hlinkClick r:id="rId3"/>
+                <a:hlinkClick r:id="rId2"/>
               </a:rPr>
               <a:t>http://cvpr2019.thecvf.com/files/cvpr2019AuthorKit.zip</a:t>
             </a:r>
@@ -12430,6 +11607,7 @@
               <a:rPr lang="en-US" altLang="zh-CN" dirty="0"/>
               <a:t>folder</a:t>
             </a:r>
+            <a:endParaRPr lang="en-US" altLang="zh-CN" dirty="0"/>
           </a:p>
           <a:p>
             <a:pPr marL="457200" indent="-457200">
@@ -12444,15 +11622,11 @@
               <a:rPr lang="en-US" altLang="zh-CN" dirty="0"/>
               <a:t>you change will be seen by the “upstream”</a:t>
             </a:r>
+            <a:endParaRPr lang="en-US" altLang="zh-CN" dirty="0"/>
           </a:p>
         </p:txBody>
       </p:sp>
     </p:spTree>
-    <p:extLst>
-      <p:ext uri="{BB962C8B-B14F-4D97-AF65-F5344CB8AC3E}">
-        <p14:creationId xmlns:p14="http://schemas.microsoft.com/office/powerpoint/2010/main" val="3743737642"/>
-      </p:ext>
-    </p:extLst>
   </p:cSld>
   <p:clrMapOvr>
     <a:masterClrMapping/>
@@ -12479,13 +11653,7 @@
       </p:grpSpPr>
       <p:sp>
         <p:nvSpPr>
-          <p:cNvPr id="2" name="标题 1">
-            <a:extLst>
-              <a:ext uri="{FF2B5EF4-FFF2-40B4-BE49-F238E27FC236}">
-                <a16:creationId xmlns:a16="http://schemas.microsoft.com/office/drawing/2014/main" id="{AE658F8D-B03F-4A07-918D-D38EDDA9A0E8}"/>
-              </a:ext>
-            </a:extLst>
-          </p:cNvPr>
+          <p:cNvPr id="2" name="标题 1"/>
           <p:cNvSpPr>
             <a:spLocks noGrp="1"/>
           </p:cNvSpPr>
@@ -12508,13 +11676,7 @@
       </p:sp>
       <p:sp>
         <p:nvSpPr>
-          <p:cNvPr id="3" name="内容占位符 2">
-            <a:extLst>
-              <a:ext uri="{FF2B5EF4-FFF2-40B4-BE49-F238E27FC236}">
-                <a16:creationId xmlns:a16="http://schemas.microsoft.com/office/drawing/2014/main" id="{AD1380BB-DC9A-48C2-BCAB-414B841A00D6}"/>
-              </a:ext>
-            </a:extLst>
-          </p:cNvPr>
+          <p:cNvPr id="3" name="内容占位符 2"/>
           <p:cNvSpPr>
             <a:spLocks noGrp="1"/>
           </p:cNvSpPr>
@@ -12541,7 +11703,7 @@
             </a:r>
             <a:r>
               <a:rPr lang="en-US" altLang="zh-CN" dirty="0">
-                <a:hlinkClick r:id="rId3"/>
+                <a:hlinkClick r:id="rId1"/>
               </a:rPr>
               <a:t>http://www.winedt.com/index.html</a:t>
             </a:r>
@@ -12586,7 +11748,7 @@
             </a:r>
             <a:r>
               <a:rPr lang="en-US" altLang="zh-CN" b="1" i="1" dirty="0">
-                <a:hlinkClick r:id="rId4"/>
+                <a:hlinkClick r:id="rId2"/>
               </a:rPr>
               <a:t>https://miktex.org/</a:t>
             </a:r>
@@ -12617,11 +11779,6 @@
         </p:txBody>
       </p:sp>
     </p:spTree>
-    <p:extLst>
-      <p:ext uri="{BB962C8B-B14F-4D97-AF65-F5344CB8AC3E}">
-        <p14:creationId xmlns:p14="http://schemas.microsoft.com/office/powerpoint/2010/main" val="3988668585"/>
-      </p:ext>
-    </p:extLst>
   </p:cSld>
   <p:clrMapOvr>
     <a:masterClrMapping/>
@@ -12648,13 +11805,7 @@
       </p:grpSpPr>
       <p:sp>
         <p:nvSpPr>
-          <p:cNvPr id="2" name="标题 1">
-            <a:extLst>
-              <a:ext uri="{FF2B5EF4-FFF2-40B4-BE49-F238E27FC236}">
-                <a16:creationId xmlns:a16="http://schemas.microsoft.com/office/drawing/2014/main" id="{B83564FD-08FA-47A8-9AC3-7322E935B9FA}"/>
-              </a:ext>
-            </a:extLst>
-          </p:cNvPr>
+          <p:cNvPr id="2" name="标题 1"/>
           <p:cNvSpPr>
             <a:spLocks noGrp="1"/>
           </p:cNvSpPr>
@@ -12677,13 +11828,7 @@
       </p:sp>
       <p:sp>
         <p:nvSpPr>
-          <p:cNvPr id="3" name="内容占位符 2">
-            <a:extLst>
-              <a:ext uri="{FF2B5EF4-FFF2-40B4-BE49-F238E27FC236}">
-                <a16:creationId xmlns:a16="http://schemas.microsoft.com/office/drawing/2014/main" id="{2841718D-B7A7-45BA-8269-4D4EA3BFFE71}"/>
-              </a:ext>
-            </a:extLst>
-          </p:cNvPr>
+          <p:cNvPr id="3" name="内容占位符 2"/>
           <p:cNvSpPr>
             <a:spLocks noGrp="1"/>
           </p:cNvSpPr>
@@ -12716,6 +11861,7 @@
               <a:rPr lang="en-US" altLang="zh-CN" dirty="0"/>
               <a:t>quality.</a:t>
             </a:r>
+            <a:endParaRPr lang="en-US" altLang="zh-CN" dirty="0"/>
           </a:p>
           <a:p>
             <a:endParaRPr lang="en-US" altLang="zh-CN" dirty="0"/>
@@ -12764,11 +11910,6 @@
         </p:txBody>
       </p:sp>
     </p:spTree>
-    <p:extLst>
-      <p:ext uri="{BB962C8B-B14F-4D97-AF65-F5344CB8AC3E}">
-        <p14:creationId xmlns:p14="http://schemas.microsoft.com/office/powerpoint/2010/main" val="1149595758"/>
-      </p:ext>
-    </p:extLst>
   </p:cSld>
   <p:clrMapOvr>
     <a:masterClrMapping/>
@@ -12795,13 +11936,7 @@
       </p:grpSpPr>
       <p:sp>
         <p:nvSpPr>
-          <p:cNvPr id="2" name="标题 1">
-            <a:extLst>
-              <a:ext uri="{FF2B5EF4-FFF2-40B4-BE49-F238E27FC236}">
-                <a16:creationId xmlns:a16="http://schemas.microsoft.com/office/drawing/2014/main" id="{66AF0F3B-8B81-4CFD-B749-8D447BC07C02}"/>
-              </a:ext>
-            </a:extLst>
-          </p:cNvPr>
+          <p:cNvPr id="2" name="标题 1"/>
           <p:cNvSpPr>
             <a:spLocks noGrp="1"/>
           </p:cNvSpPr>
@@ -12824,13 +11959,7 @@
       </p:sp>
       <p:sp>
         <p:nvSpPr>
-          <p:cNvPr id="3" name="内容占位符 2">
-            <a:extLst>
-              <a:ext uri="{FF2B5EF4-FFF2-40B4-BE49-F238E27FC236}">
-                <a16:creationId xmlns:a16="http://schemas.microsoft.com/office/drawing/2014/main" id="{50DE11DA-572E-4731-AECE-48E31B17671E}"/>
-              </a:ext>
-            </a:extLst>
-          </p:cNvPr>
+          <p:cNvPr id="3" name="内容占位符 2"/>
           <p:cNvSpPr>
             <a:spLocks noGrp="1"/>
           </p:cNvSpPr>
@@ -12855,20 +11984,14 @@
       </p:sp>
       <p:pic>
         <p:nvPicPr>
-          <p:cNvPr id="5" name="图片 4">
-            <a:extLst>
-              <a:ext uri="{FF2B5EF4-FFF2-40B4-BE49-F238E27FC236}">
-                <a16:creationId xmlns:a16="http://schemas.microsoft.com/office/drawing/2014/main" id="{05CB07B7-44FF-420D-A296-0DA03F71B236}"/>
-              </a:ext>
-            </a:extLst>
-          </p:cNvPr>
+          <p:cNvPr id="5" name="图片 4"/>
           <p:cNvPicPr>
             <a:picLocks noChangeAspect="1"/>
           </p:cNvPicPr>
           <p:nvPr/>
         </p:nvPicPr>
         <p:blipFill>
-          <a:blip r:embed="rId3"/>
+          <a:blip r:embed="rId1"/>
           <a:stretch>
             <a:fillRect/>
           </a:stretch>
@@ -12884,11 +12007,6 @@
         </p:spPr>
       </p:pic>
     </p:spTree>
-    <p:extLst>
-      <p:ext uri="{BB962C8B-B14F-4D97-AF65-F5344CB8AC3E}">
-        <p14:creationId xmlns:p14="http://schemas.microsoft.com/office/powerpoint/2010/main" val="2809297393"/>
-      </p:ext>
-    </p:extLst>
   </p:cSld>
   <p:clrMapOvr>
     <a:masterClrMapping/>
@@ -12915,13 +12033,7 @@
       </p:grpSpPr>
       <p:sp>
         <p:nvSpPr>
-          <p:cNvPr id="2" name="标题 1">
-            <a:extLst>
-              <a:ext uri="{FF2B5EF4-FFF2-40B4-BE49-F238E27FC236}">
-                <a16:creationId xmlns:a16="http://schemas.microsoft.com/office/drawing/2014/main" id="{C635C24D-2413-4E91-89F8-745CDF46094D}"/>
-              </a:ext>
-            </a:extLst>
-          </p:cNvPr>
+          <p:cNvPr id="2" name="标题 1"/>
           <p:cNvSpPr>
             <a:spLocks noGrp="1"/>
           </p:cNvSpPr>
@@ -12940,13 +12052,7 @@
       </p:sp>
       <p:sp>
         <p:nvSpPr>
-          <p:cNvPr id="3" name="内容占位符 2">
-            <a:extLst>
-              <a:ext uri="{FF2B5EF4-FFF2-40B4-BE49-F238E27FC236}">
-                <a16:creationId xmlns:a16="http://schemas.microsoft.com/office/drawing/2014/main" id="{3D872033-51F0-40F8-B217-3CE0F08CA196}"/>
-              </a:ext>
-            </a:extLst>
-          </p:cNvPr>
+          <p:cNvPr id="3" name="内容占位符 2"/>
           <p:cNvSpPr>
             <a:spLocks noGrp="1"/>
           </p:cNvSpPr>
@@ -12973,6 +12079,7 @@
               <a:rPr lang="en-GB" altLang="zh-CN" sz="3600" dirty="0"/>
               <a:t> </a:t>
             </a:r>
+            <a:endParaRPr lang="en-GB" altLang="zh-CN" sz="3600" dirty="0"/>
           </a:p>
           <a:p>
             <a:endParaRPr lang="en-GB" altLang="zh-CN" sz="3600" dirty="0"/>
@@ -12987,11 +12094,6 @@
         </p:txBody>
       </p:sp>
     </p:spTree>
-    <p:extLst>
-      <p:ext uri="{BB962C8B-B14F-4D97-AF65-F5344CB8AC3E}">
-        <p14:creationId xmlns:p14="http://schemas.microsoft.com/office/powerpoint/2010/main" val="588074183"/>
-      </p:ext>
-    </p:extLst>
   </p:cSld>
   <p:clrMapOvr>
     <a:masterClrMapping/>
@@ -13018,13 +12120,7 @@
       </p:grpSpPr>
       <p:sp>
         <p:nvSpPr>
-          <p:cNvPr id="2" name="标题 1">
-            <a:extLst>
-              <a:ext uri="{FF2B5EF4-FFF2-40B4-BE49-F238E27FC236}">
-                <a16:creationId xmlns:a16="http://schemas.microsoft.com/office/drawing/2014/main" id="{C635C24D-2413-4E91-89F8-745CDF46094D}"/>
-              </a:ext>
-            </a:extLst>
-          </p:cNvPr>
+          <p:cNvPr id="2" name="标题 1"/>
           <p:cNvSpPr>
             <a:spLocks noGrp="1"/>
           </p:cNvSpPr>
@@ -13047,13 +12143,7 @@
       </p:sp>
       <p:sp>
         <p:nvSpPr>
-          <p:cNvPr id="3" name="内容占位符 2">
-            <a:extLst>
-              <a:ext uri="{FF2B5EF4-FFF2-40B4-BE49-F238E27FC236}">
-                <a16:creationId xmlns:a16="http://schemas.microsoft.com/office/drawing/2014/main" id="{3D872033-51F0-40F8-B217-3CE0F08CA196}"/>
-              </a:ext>
-            </a:extLst>
-          </p:cNvPr>
+          <p:cNvPr id="3" name="内容占位符 2"/>
           <p:cNvSpPr>
             <a:spLocks noGrp="1"/>
           </p:cNvSpPr>
@@ -13070,6 +12160,7 @@
               <a:rPr lang="en-US" altLang="zh-CN" dirty="0"/>
               <a:t>Examples:</a:t>
             </a:r>
+            <a:endParaRPr lang="en-US" altLang="zh-CN" dirty="0"/>
           </a:p>
           <a:p>
             <a:endParaRPr lang="en-US" altLang="zh-CN" dirty="0"/>
@@ -13102,11 +12193,6 @@
         </p:txBody>
       </p:sp>
     </p:spTree>
-    <p:extLst>
-      <p:ext uri="{BB962C8B-B14F-4D97-AF65-F5344CB8AC3E}">
-        <p14:creationId xmlns:p14="http://schemas.microsoft.com/office/powerpoint/2010/main" val="1089728931"/>
-      </p:ext>
-    </p:extLst>
   </p:cSld>
   <p:clrMapOvr>
     <a:masterClrMapping/>
@@ -13157,7 +12243,7 @@
     </a:clrScheme>
     <a:fontScheme name="Retrospect">
       <a:majorFont>
-        <a:latin typeface="Calibri Light" panose="020F0302020204030204"/>
+        <a:latin typeface="Calibri Light"/>
         <a:ea typeface=""/>
         <a:cs typeface=""/>
         <a:font script="Jpan" typeface="ＭＳ Ｐゴシック"/>
@@ -13192,7 +12278,7 @@
         <a:font script="Geor" typeface="Sylfaen"/>
       </a:majorFont>
       <a:minorFont>
-        <a:latin typeface="Calibri" panose="020F0502020204030204"/>
+        <a:latin typeface="Calibri"/>
         <a:ea typeface=""/>
         <a:cs typeface=""/>
         <a:font script="Jpan" typeface="ＭＳ Ｐゴシック"/>
@@ -13387,11 +12473,9 @@
       </a:bgFillStyleLst>
     </a:fmtScheme>
   </a:themeElements>
-  <a:objectDefaults/>
-  <a:extraClrSchemeLst/>
   <a:extLst>
     <a:ext uri="{05A4C25C-085E-4340-85A3-A5531E510DB2}">
-      <thm15:themeFamily xmlns:thm15="http://schemas.microsoft.com/office/thememl/2012/main" name="Retrospect" id="{5F128B03-DCCA-4EEB-AB3B-CF2899314A46}" vid="{3F1AAB62-24C6-49D2-8E01-B56FAC9A3DCD}"/>
+      <thm15:themeFamily xmlns:thm15="http://schemas.microsoft.com/office/thememl/2012/main" name="Office Theme" id="{62F939B6-93AF-4DB8-9C6B-D6C7DFDC589F}" vid="{4A3C46E8-61CC-4603-A589-7422A47A8E4A}"/>
     </a:ext>
   </a:extLst>
 </a:theme>
@@ -13440,7 +12524,7 @@
     </a:clrScheme>
     <a:fontScheme name="Office">
       <a:majorFont>
-        <a:latin typeface="等线 Light" panose="020F0302020204030204"/>
+        <a:latin typeface="等线 Light"/>
         <a:ea typeface=""/>
         <a:cs typeface=""/>
         <a:font script="Jpan" typeface="游ゴシック Light"/>
@@ -13473,26 +12557,9 @@
         <a:font script="Viet" typeface="Times New Roman"/>
         <a:font script="Uigh" typeface="Microsoft Uighur"/>
         <a:font script="Geor" typeface="Sylfaen"/>
-        <a:font script="Armn" typeface="Arial"/>
-        <a:font script="Bugi" typeface="Leelawadee UI"/>
-        <a:font script="Bopo" typeface="Microsoft JhengHei"/>
-        <a:font script="Java" typeface="Javanese Text"/>
-        <a:font script="Lisu" typeface="Segoe UI"/>
-        <a:font script="Mymr" typeface="Myanmar Text"/>
-        <a:font script="Nkoo" typeface="Ebrima"/>
-        <a:font script="Olck" typeface="Nirmala UI"/>
-        <a:font script="Osma" typeface="Ebrima"/>
-        <a:font script="Phag" typeface="Phagspa"/>
-        <a:font script="Syrn" typeface="Estrangelo Edessa"/>
-        <a:font script="Syrj" typeface="Estrangelo Edessa"/>
-        <a:font script="Syre" typeface="Estrangelo Edessa"/>
-        <a:font script="Sora" typeface="Nirmala UI"/>
-        <a:font script="Tale" typeface="Microsoft Tai Le"/>
-        <a:font script="Talu" typeface="Microsoft New Tai Lue"/>
-        <a:font script="Tfng" typeface="Ebrima"/>
       </a:majorFont>
       <a:minorFont>
-        <a:latin typeface="等线" panose="020F0502020204030204"/>
+        <a:latin typeface="等线"/>
         <a:ea typeface=""/>
         <a:cs typeface=""/>
         <a:font script="Jpan" typeface="游ゴシック"/>
@@ -13525,23 +12592,6 @@
         <a:font script="Viet" typeface="Arial"/>
         <a:font script="Uigh" typeface="Microsoft Uighur"/>
         <a:font script="Geor" typeface="Sylfaen"/>
-        <a:font script="Armn" typeface="Arial"/>
-        <a:font script="Bugi" typeface="Leelawadee UI"/>
-        <a:font script="Bopo" typeface="Microsoft JhengHei"/>
-        <a:font script="Java" typeface="Javanese Text"/>
-        <a:font script="Lisu" typeface="Segoe UI"/>
-        <a:font script="Mymr" typeface="Myanmar Text"/>
-        <a:font script="Nkoo" typeface="Ebrima"/>
-        <a:font script="Olck" typeface="Nirmala UI"/>
-        <a:font script="Osma" typeface="Ebrima"/>
-        <a:font script="Phag" typeface="Phagspa"/>
-        <a:font script="Syrn" typeface="Estrangelo Edessa"/>
-        <a:font script="Syrj" typeface="Estrangelo Edessa"/>
-        <a:font script="Syre" typeface="Estrangelo Edessa"/>
-        <a:font script="Sora" typeface="Nirmala UI"/>
-        <a:font script="Tale" typeface="Microsoft Tai Le"/>
-        <a:font script="Talu" typeface="Microsoft New Tai Lue"/>
-        <a:font script="Tfng" typeface="Ebrima"/>
       </a:minorFont>
     </a:fontScheme>
     <a:fmtScheme name="Office">
@@ -13682,8 +12732,6 @@
       </a:bgFillStyleLst>
     </a:fmtScheme>
   </a:themeElements>
-  <a:objectDefaults/>
-  <a:extraClrSchemeLst/>
   <a:extLst>
     <a:ext uri="{05A4C25C-085E-4340-85A3-A5531E510DB2}">
       <thm15:themeFamily xmlns:thm15="http://schemas.microsoft.com/office/thememl/2012/main" name="Office Theme" id="{62F939B6-93AF-4DB8-9C6B-D6C7DFDC589F}" vid="{4A3C46E8-61CC-4603-A589-7422A47A8E4A}"/>
